--- a/Slides/0_Big Guys.pptx
+++ b/Slides/0_Big Guys.pptx
@@ -4,26 +4,31 @@
   <p:sldMasterIdLst>
     <p:sldMasterId id="2147483660" r:id="rId1"/>
     <p:sldMasterId id="2147483672" r:id="rId2"/>
+    <p:sldMasterId id="2147483684" r:id="rId3"/>
   </p:sldMasterIdLst>
   <p:sldIdLst>
-    <p:sldId id="256" r:id="rId3"/>
-    <p:sldId id="260" r:id="rId4"/>
-    <p:sldId id="261" r:id="rId5"/>
-    <p:sldId id="258" r:id="rId6"/>
-    <p:sldId id="263" r:id="rId7"/>
-    <p:sldId id="264" r:id="rId8"/>
-    <p:sldId id="266" r:id="rId9"/>
-    <p:sldId id="275" r:id="rId10"/>
-    <p:sldId id="262" r:id="rId11"/>
-    <p:sldId id="267" r:id="rId12"/>
-    <p:sldId id="268" r:id="rId13"/>
-    <p:sldId id="270" r:id="rId14"/>
-    <p:sldId id="259" r:id="rId15"/>
-    <p:sldId id="265" r:id="rId16"/>
-    <p:sldId id="274" r:id="rId17"/>
-    <p:sldId id="269" r:id="rId18"/>
-    <p:sldId id="272" r:id="rId19"/>
-    <p:sldId id="271" r:id="rId20"/>
+    <p:sldId id="256" r:id="rId4"/>
+    <p:sldId id="260" r:id="rId5"/>
+    <p:sldId id="261" r:id="rId6"/>
+    <p:sldId id="258" r:id="rId7"/>
+    <p:sldId id="263" r:id="rId8"/>
+    <p:sldId id="264" r:id="rId9"/>
+    <p:sldId id="266" r:id="rId10"/>
+    <p:sldId id="275" r:id="rId11"/>
+    <p:sldId id="262" r:id="rId12"/>
+    <p:sldId id="267" r:id="rId13"/>
+    <p:sldId id="268" r:id="rId14"/>
+    <p:sldId id="270" r:id="rId15"/>
+    <p:sldId id="259" r:id="rId16"/>
+    <p:sldId id="276" r:id="rId17"/>
+    <p:sldId id="277" r:id="rId18"/>
+    <p:sldId id="278" r:id="rId19"/>
+    <p:sldId id="279" r:id="rId20"/>
+    <p:sldId id="265" r:id="rId21"/>
+    <p:sldId id="274" r:id="rId22"/>
+    <p:sldId id="269" r:id="rId23"/>
+    <p:sldId id="272" r:id="rId24"/>
+    <p:sldId id="271" r:id="rId25"/>
   </p:sldIdLst>
   <p:sldSz cx="9144000" cy="6858000" type="screen4x3"/>
   <p:notesSz cx="6858000" cy="9144000"/>
@@ -261,7 +266,7 @@
           <a:p>
             <a:fld id="{8C7AF26E-D0F3-4468-93EA-77672DBAB186}" type="datetimeFigureOut">
               <a:rPr lang="zh-CN" altLang="en-US" smtClean="0"/>
-              <a:t>2014/5/20</a:t>
+              <a:t>2014/6/11</a:t>
             </a:fld>
             <a:endParaRPr lang="zh-CN" altLang="en-US"/>
           </a:p>
@@ -431,7 +436,7 @@
           <a:p>
             <a:fld id="{8C7AF26E-D0F3-4468-93EA-77672DBAB186}" type="datetimeFigureOut">
               <a:rPr lang="zh-CN" altLang="en-US" smtClean="0"/>
-              <a:t>2014/5/20</a:t>
+              <a:t>2014/6/11</a:t>
             </a:fld>
             <a:endParaRPr lang="zh-CN" altLang="en-US"/>
           </a:p>
@@ -611,7 +616,7 @@
           <a:p>
             <a:fld id="{8C7AF26E-D0F3-4468-93EA-77672DBAB186}" type="datetimeFigureOut">
               <a:rPr lang="zh-CN" altLang="en-US" smtClean="0"/>
-              <a:t>2014/5/20</a:t>
+              <a:t>2014/6/11</a:t>
             </a:fld>
             <a:endParaRPr lang="zh-CN" altLang="en-US"/>
           </a:p>
@@ -860,7 +865,7 @@
                 </a:solidFill>
               </a:rPr>
               <a:pPr/>
-              <a:t>5/20/2014</a:t>
+              <a:t>6/11/2014</a:t>
             </a:fld>
             <a:endParaRPr lang="en-US">
               <a:solidFill>
@@ -1069,7 +1074,7 @@
                 </a:solidFill>
               </a:rPr>
               <a:pPr/>
-              <a:t>5/20/2014</a:t>
+              <a:t>6/11/2014</a:t>
             </a:fld>
             <a:endParaRPr lang="en-US">
               <a:solidFill>
@@ -1354,7 +1359,7 @@
                 </a:solidFill>
               </a:rPr>
               <a:pPr/>
-              <a:t>5/20/2014</a:t>
+              <a:t>6/11/2014</a:t>
             </a:fld>
             <a:endParaRPr lang="en-US">
               <a:solidFill>
@@ -1674,7 +1679,7 @@
                 </a:solidFill>
               </a:rPr>
               <a:pPr/>
-              <a:t>5/20/2014</a:t>
+              <a:t>6/11/2014</a:t>
             </a:fld>
             <a:endParaRPr lang="en-US">
               <a:solidFill>
@@ -2128,7 +2133,7 @@
                 </a:solidFill>
               </a:rPr>
               <a:pPr/>
-              <a:t>5/20/2014</a:t>
+              <a:t>6/11/2014</a:t>
             </a:fld>
             <a:endParaRPr lang="en-US">
               <a:solidFill>
@@ -2278,7 +2283,7 @@
                 </a:solidFill>
               </a:rPr>
               <a:pPr/>
-              <a:t>5/20/2014</a:t>
+              <a:t>6/11/2014</a:t>
             </a:fld>
             <a:endParaRPr lang="en-US">
               <a:solidFill>
@@ -2405,7 +2410,7 @@
                 </a:solidFill>
               </a:rPr>
               <a:pPr/>
-              <a:t>5/20/2014</a:t>
+              <a:t>6/11/2014</a:t>
             </a:fld>
             <a:endParaRPr lang="en-US">
               <a:solidFill>
@@ -2714,7 +2719,7 @@
                 </a:solidFill>
               </a:rPr>
               <a:pPr/>
-              <a:t>5/20/2014</a:t>
+              <a:t>6/11/2014</a:t>
             </a:fld>
             <a:endParaRPr lang="en-US">
               <a:solidFill>
@@ -2909,7 +2914,7 @@
           <a:p>
             <a:fld id="{8C7AF26E-D0F3-4468-93EA-77672DBAB186}" type="datetimeFigureOut">
               <a:rPr lang="zh-CN" altLang="en-US" smtClean="0"/>
-              <a:t>2014/5/20</a:t>
+              <a:t>2014/6/11</a:t>
             </a:fld>
             <a:endParaRPr lang="zh-CN" altLang="en-US"/>
           </a:p>
@@ -3173,7 +3178,7 @@
                 </a:solidFill>
               </a:rPr>
               <a:pPr/>
-              <a:t>5/20/2014</a:t>
+              <a:t>6/11/2014</a:t>
             </a:fld>
             <a:endParaRPr lang="en-US">
               <a:solidFill>
@@ -3375,7 +3380,7 @@
                 </a:solidFill>
               </a:rPr>
               <a:pPr/>
-              <a:t>5/20/2014</a:t>
+              <a:t>6/11/2014</a:t>
             </a:fld>
             <a:endParaRPr lang="en-US">
               <a:solidFill>
@@ -3587,7 +3592,7 @@
                 </a:solidFill>
               </a:rPr>
               <a:pPr/>
-              <a:t>5/20/2014</a:t>
+              <a:t>6/11/2014</a:t>
             </a:fld>
             <a:endParaRPr lang="en-US">
               <a:solidFill>
@@ -3664,6 +3669,1825 @@
     <p:extLst>
       <p:ext uri="{BB962C8B-B14F-4D97-AF65-F5344CB8AC3E}">
         <p14:creationId xmlns:p14="http://schemas.microsoft.com/office/powerpoint/2010/main" val="308706655"/>
+      </p:ext>
+    </p:extLst>
+  </p:cSld>
+  <p:clrMapOvr>
+    <a:masterClrMapping/>
+  </p:clrMapOvr>
+</p:sldLayout>
+</file>
+
+<file path=ppt/slideLayouts/slideLayout23.xml><?xml version="1.0" encoding="utf-8"?>
+<p:sldLayout xmlns:a="http://schemas.openxmlformats.org/drawingml/2006/main" xmlns:r="http://schemas.openxmlformats.org/officeDocument/2006/relationships" xmlns:p="http://schemas.openxmlformats.org/presentationml/2006/main" type="title" preserve="1">
+  <p:cSld name="Title Slide">
+    <p:spTree>
+      <p:nvGrpSpPr>
+        <p:cNvPr id="1" name=""/>
+        <p:cNvGrpSpPr/>
+        <p:nvPr/>
+      </p:nvGrpSpPr>
+      <p:grpSpPr>
+        <a:xfrm>
+          <a:off x="0" y="0"/>
+          <a:ext cx="0" cy="0"/>
+          <a:chOff x="0" y="0"/>
+          <a:chExt cx="0" cy="0"/>
+        </a:xfrm>
+      </p:grpSpPr>
+      <p:sp>
+        <p:nvSpPr>
+          <p:cNvPr id="2" name="Title 1"/>
+          <p:cNvSpPr>
+            <a:spLocks noGrp="1"/>
+          </p:cNvSpPr>
+          <p:nvPr>
+            <p:ph type="ctrTitle"/>
+          </p:nvPr>
+        </p:nvSpPr>
+        <p:spPr>
+          <a:xfrm>
+            <a:off x="685800" y="2130426"/>
+            <a:ext cx="7772400" cy="1470025"/>
+          </a:xfrm>
+        </p:spPr>
+        <p:txBody>
+          <a:bodyPr/>
+          <a:lstStyle/>
+          <a:p>
+            <a:r>
+              <a:rPr lang="en-US" smtClean="0"/>
+              <a:t>Click to edit Master title style</a:t>
+            </a:r>
+            <a:endParaRPr lang="en-US"/>
+          </a:p>
+        </p:txBody>
+      </p:sp>
+      <p:sp>
+        <p:nvSpPr>
+          <p:cNvPr id="3" name="Subtitle 2"/>
+          <p:cNvSpPr>
+            <a:spLocks noGrp="1"/>
+          </p:cNvSpPr>
+          <p:nvPr>
+            <p:ph type="subTitle" idx="1"/>
+          </p:nvPr>
+        </p:nvSpPr>
+        <p:spPr>
+          <a:xfrm>
+            <a:off x="1371600" y="3886200"/>
+            <a:ext cx="6400800" cy="1752600"/>
+          </a:xfrm>
+        </p:spPr>
+        <p:txBody>
+          <a:bodyPr/>
+          <a:lstStyle>
+            <a:lvl1pPr marL="0" indent="0" algn="ctr">
+              <a:buNone/>
+              <a:defRPr>
+                <a:solidFill>
+                  <a:schemeClr val="tx1">
+                    <a:tint val="75000"/>
+                  </a:schemeClr>
+                </a:solidFill>
+              </a:defRPr>
+            </a:lvl1pPr>
+            <a:lvl2pPr marL="457200" indent="0" algn="ctr">
+              <a:buNone/>
+              <a:defRPr>
+                <a:solidFill>
+                  <a:schemeClr val="tx1">
+                    <a:tint val="75000"/>
+                  </a:schemeClr>
+                </a:solidFill>
+              </a:defRPr>
+            </a:lvl2pPr>
+            <a:lvl3pPr marL="914400" indent="0" algn="ctr">
+              <a:buNone/>
+              <a:defRPr>
+                <a:solidFill>
+                  <a:schemeClr val="tx1">
+                    <a:tint val="75000"/>
+                  </a:schemeClr>
+                </a:solidFill>
+              </a:defRPr>
+            </a:lvl3pPr>
+            <a:lvl4pPr marL="1371600" indent="0" algn="ctr">
+              <a:buNone/>
+              <a:defRPr>
+                <a:solidFill>
+                  <a:schemeClr val="tx1">
+                    <a:tint val="75000"/>
+                  </a:schemeClr>
+                </a:solidFill>
+              </a:defRPr>
+            </a:lvl4pPr>
+            <a:lvl5pPr marL="1828800" indent="0" algn="ctr">
+              <a:buNone/>
+              <a:defRPr>
+                <a:solidFill>
+                  <a:schemeClr val="tx1">
+                    <a:tint val="75000"/>
+                  </a:schemeClr>
+                </a:solidFill>
+              </a:defRPr>
+            </a:lvl5pPr>
+            <a:lvl6pPr marL="2286000" indent="0" algn="ctr">
+              <a:buNone/>
+              <a:defRPr>
+                <a:solidFill>
+                  <a:schemeClr val="tx1">
+                    <a:tint val="75000"/>
+                  </a:schemeClr>
+                </a:solidFill>
+              </a:defRPr>
+            </a:lvl6pPr>
+            <a:lvl7pPr marL="2743200" indent="0" algn="ctr">
+              <a:buNone/>
+              <a:defRPr>
+                <a:solidFill>
+                  <a:schemeClr val="tx1">
+                    <a:tint val="75000"/>
+                  </a:schemeClr>
+                </a:solidFill>
+              </a:defRPr>
+            </a:lvl7pPr>
+            <a:lvl8pPr marL="3200400" indent="0" algn="ctr">
+              <a:buNone/>
+              <a:defRPr>
+                <a:solidFill>
+                  <a:schemeClr val="tx1">
+                    <a:tint val="75000"/>
+                  </a:schemeClr>
+                </a:solidFill>
+              </a:defRPr>
+            </a:lvl8pPr>
+            <a:lvl9pPr marL="3657600" indent="0" algn="ctr">
+              <a:buNone/>
+              <a:defRPr>
+                <a:solidFill>
+                  <a:schemeClr val="tx1">
+                    <a:tint val="75000"/>
+                  </a:schemeClr>
+                </a:solidFill>
+              </a:defRPr>
+            </a:lvl9pPr>
+          </a:lstStyle>
+          <a:p>
+            <a:r>
+              <a:rPr lang="en-US" smtClean="0"/>
+              <a:t>Click to edit Master subtitle style</a:t>
+            </a:r>
+            <a:endParaRPr lang="en-US"/>
+          </a:p>
+        </p:txBody>
+      </p:sp>
+      <p:sp>
+        <p:nvSpPr>
+          <p:cNvPr id="4" name="Date Placeholder 3"/>
+          <p:cNvSpPr>
+            <a:spLocks noGrp="1"/>
+          </p:cNvSpPr>
+          <p:nvPr>
+            <p:ph type="dt" sz="half" idx="10"/>
+          </p:nvPr>
+        </p:nvSpPr>
+        <p:spPr/>
+        <p:txBody>
+          <a:bodyPr/>
+          <a:lstStyle/>
+          <a:p>
+            <a:fld id="{794CFE4B-17F2-49B1-A8CD-48A7230178BE}" type="datetimeFigureOut">
+              <a:rPr lang="en-US" smtClean="0">
+                <a:solidFill>
+                  <a:prstClr val="black">
+                    <a:tint val="75000"/>
+                  </a:prstClr>
+                </a:solidFill>
+              </a:rPr>
+              <a:pPr/>
+              <a:t>6/11/2014</a:t>
+            </a:fld>
+            <a:endParaRPr lang="en-US">
+              <a:solidFill>
+                <a:prstClr val="black">
+                  <a:tint val="75000"/>
+                </a:prstClr>
+              </a:solidFill>
+            </a:endParaRPr>
+          </a:p>
+        </p:txBody>
+      </p:sp>
+      <p:sp>
+        <p:nvSpPr>
+          <p:cNvPr id="5" name="Footer Placeholder 4"/>
+          <p:cNvSpPr>
+            <a:spLocks noGrp="1"/>
+          </p:cNvSpPr>
+          <p:nvPr>
+            <p:ph type="ftr" sz="quarter" idx="11"/>
+          </p:nvPr>
+        </p:nvSpPr>
+        <p:spPr/>
+        <p:txBody>
+          <a:bodyPr/>
+          <a:lstStyle/>
+          <a:p>
+            <a:endParaRPr lang="en-US">
+              <a:solidFill>
+                <a:prstClr val="black">
+                  <a:tint val="75000"/>
+                </a:prstClr>
+              </a:solidFill>
+            </a:endParaRPr>
+          </a:p>
+        </p:txBody>
+      </p:sp>
+      <p:sp>
+        <p:nvSpPr>
+          <p:cNvPr id="6" name="Slide Number Placeholder 5"/>
+          <p:cNvSpPr>
+            <a:spLocks noGrp="1"/>
+          </p:cNvSpPr>
+          <p:nvPr>
+            <p:ph type="sldNum" sz="quarter" idx="12"/>
+          </p:nvPr>
+        </p:nvSpPr>
+        <p:spPr/>
+        <p:txBody>
+          <a:bodyPr/>
+          <a:lstStyle/>
+          <a:p>
+            <a:fld id="{F043A558-56C3-499B-89A2-59E5853E6BB4}" type="slidenum">
+              <a:rPr lang="en-US" smtClean="0">
+                <a:solidFill>
+                  <a:prstClr val="black">
+                    <a:tint val="75000"/>
+                  </a:prstClr>
+                </a:solidFill>
+              </a:rPr>
+              <a:pPr/>
+              <a:t>‹#›</a:t>
+            </a:fld>
+            <a:endParaRPr lang="en-US">
+              <a:solidFill>
+                <a:prstClr val="black">
+                  <a:tint val="75000"/>
+                </a:prstClr>
+              </a:solidFill>
+            </a:endParaRPr>
+          </a:p>
+        </p:txBody>
+      </p:sp>
+    </p:spTree>
+    <p:extLst>
+      <p:ext uri="{BB962C8B-B14F-4D97-AF65-F5344CB8AC3E}">
+        <p14:creationId xmlns:p14="http://schemas.microsoft.com/office/powerpoint/2010/main" val="1270632729"/>
+      </p:ext>
+    </p:extLst>
+  </p:cSld>
+  <p:clrMapOvr>
+    <a:masterClrMapping/>
+  </p:clrMapOvr>
+  <p:timing>
+    <p:tnLst>
+      <p:par>
+        <p:cTn id="1" dur="indefinite" restart="never" nodeType="tmRoot"/>
+      </p:par>
+    </p:tnLst>
+  </p:timing>
+</p:sldLayout>
+</file>
+
+<file path=ppt/slideLayouts/slideLayout24.xml><?xml version="1.0" encoding="utf-8"?>
+<p:sldLayout xmlns:a="http://schemas.openxmlformats.org/drawingml/2006/main" xmlns:r="http://schemas.openxmlformats.org/officeDocument/2006/relationships" xmlns:p="http://schemas.openxmlformats.org/presentationml/2006/main" type="obj" preserve="1">
+  <p:cSld name="Title and Content">
+    <p:spTree>
+      <p:nvGrpSpPr>
+        <p:cNvPr id="1" name=""/>
+        <p:cNvGrpSpPr/>
+        <p:nvPr/>
+      </p:nvGrpSpPr>
+      <p:grpSpPr>
+        <a:xfrm>
+          <a:off x="0" y="0"/>
+          <a:ext cx="0" cy="0"/>
+          <a:chOff x="0" y="0"/>
+          <a:chExt cx="0" cy="0"/>
+        </a:xfrm>
+      </p:grpSpPr>
+      <p:sp>
+        <p:nvSpPr>
+          <p:cNvPr id="2" name="Title 1"/>
+          <p:cNvSpPr>
+            <a:spLocks noGrp="1"/>
+          </p:cNvSpPr>
+          <p:nvPr>
+            <p:ph type="title"/>
+          </p:nvPr>
+        </p:nvSpPr>
+        <p:spPr/>
+        <p:txBody>
+          <a:bodyPr/>
+          <a:lstStyle/>
+          <a:p>
+            <a:r>
+              <a:rPr lang="en-US" smtClean="0"/>
+              <a:t>Click to edit Master title style</a:t>
+            </a:r>
+            <a:endParaRPr lang="en-US"/>
+          </a:p>
+        </p:txBody>
+      </p:sp>
+      <p:sp>
+        <p:nvSpPr>
+          <p:cNvPr id="3" name="Content Placeholder 2"/>
+          <p:cNvSpPr>
+            <a:spLocks noGrp="1"/>
+          </p:cNvSpPr>
+          <p:nvPr>
+            <p:ph idx="1"/>
+          </p:nvPr>
+        </p:nvSpPr>
+        <p:spPr/>
+        <p:txBody>
+          <a:bodyPr/>
+          <a:lstStyle/>
+          <a:p>
+            <a:pPr lvl="0"/>
+            <a:r>
+              <a:rPr lang="en-US" smtClean="0"/>
+              <a:t>Click to edit Master text styles</a:t>
+            </a:r>
+          </a:p>
+          <a:p>
+            <a:pPr lvl="1"/>
+            <a:r>
+              <a:rPr lang="en-US" smtClean="0"/>
+              <a:t>Second level</a:t>
+            </a:r>
+          </a:p>
+          <a:p>
+            <a:pPr lvl="2"/>
+            <a:r>
+              <a:rPr lang="en-US" smtClean="0"/>
+              <a:t>Third level</a:t>
+            </a:r>
+          </a:p>
+          <a:p>
+            <a:pPr lvl="3"/>
+            <a:r>
+              <a:rPr lang="en-US" smtClean="0"/>
+              <a:t>Fourth level</a:t>
+            </a:r>
+          </a:p>
+          <a:p>
+            <a:pPr lvl="4"/>
+            <a:r>
+              <a:rPr lang="en-US" smtClean="0"/>
+              <a:t>Fifth level</a:t>
+            </a:r>
+            <a:endParaRPr lang="en-US"/>
+          </a:p>
+        </p:txBody>
+      </p:sp>
+      <p:sp>
+        <p:nvSpPr>
+          <p:cNvPr id="4" name="Date Placeholder 3"/>
+          <p:cNvSpPr>
+            <a:spLocks noGrp="1"/>
+          </p:cNvSpPr>
+          <p:nvPr>
+            <p:ph type="dt" sz="half" idx="10"/>
+          </p:nvPr>
+        </p:nvSpPr>
+        <p:spPr/>
+        <p:txBody>
+          <a:bodyPr/>
+          <a:lstStyle/>
+          <a:p>
+            <a:fld id="{794CFE4B-17F2-49B1-A8CD-48A7230178BE}" type="datetimeFigureOut">
+              <a:rPr lang="en-US" smtClean="0">
+                <a:solidFill>
+                  <a:prstClr val="black">
+                    <a:tint val="75000"/>
+                  </a:prstClr>
+                </a:solidFill>
+              </a:rPr>
+              <a:pPr/>
+              <a:t>6/11/2014</a:t>
+            </a:fld>
+            <a:endParaRPr lang="en-US">
+              <a:solidFill>
+                <a:prstClr val="black">
+                  <a:tint val="75000"/>
+                </a:prstClr>
+              </a:solidFill>
+            </a:endParaRPr>
+          </a:p>
+        </p:txBody>
+      </p:sp>
+      <p:sp>
+        <p:nvSpPr>
+          <p:cNvPr id="5" name="Footer Placeholder 4"/>
+          <p:cNvSpPr>
+            <a:spLocks noGrp="1"/>
+          </p:cNvSpPr>
+          <p:nvPr>
+            <p:ph type="ftr" sz="quarter" idx="11"/>
+          </p:nvPr>
+        </p:nvSpPr>
+        <p:spPr/>
+        <p:txBody>
+          <a:bodyPr/>
+          <a:lstStyle/>
+          <a:p>
+            <a:endParaRPr lang="en-US">
+              <a:solidFill>
+                <a:prstClr val="black">
+                  <a:tint val="75000"/>
+                </a:prstClr>
+              </a:solidFill>
+            </a:endParaRPr>
+          </a:p>
+        </p:txBody>
+      </p:sp>
+      <p:sp>
+        <p:nvSpPr>
+          <p:cNvPr id="6" name="Slide Number Placeholder 5"/>
+          <p:cNvSpPr>
+            <a:spLocks noGrp="1"/>
+          </p:cNvSpPr>
+          <p:nvPr>
+            <p:ph type="sldNum" sz="quarter" idx="12"/>
+          </p:nvPr>
+        </p:nvSpPr>
+        <p:spPr/>
+        <p:txBody>
+          <a:bodyPr/>
+          <a:lstStyle/>
+          <a:p>
+            <a:fld id="{F043A558-56C3-499B-89A2-59E5853E6BB4}" type="slidenum">
+              <a:rPr lang="en-US" smtClean="0">
+                <a:solidFill>
+                  <a:prstClr val="black">
+                    <a:tint val="75000"/>
+                  </a:prstClr>
+                </a:solidFill>
+              </a:rPr>
+              <a:pPr/>
+              <a:t>‹#›</a:t>
+            </a:fld>
+            <a:endParaRPr lang="en-US">
+              <a:solidFill>
+                <a:prstClr val="black">
+                  <a:tint val="75000"/>
+                </a:prstClr>
+              </a:solidFill>
+            </a:endParaRPr>
+          </a:p>
+        </p:txBody>
+      </p:sp>
+    </p:spTree>
+    <p:extLst>
+      <p:ext uri="{BB962C8B-B14F-4D97-AF65-F5344CB8AC3E}">
+        <p14:creationId xmlns:p14="http://schemas.microsoft.com/office/powerpoint/2010/main" val="2077183664"/>
+      </p:ext>
+    </p:extLst>
+  </p:cSld>
+  <p:clrMapOvr>
+    <a:masterClrMapping/>
+  </p:clrMapOvr>
+  <p:timing>
+    <p:tnLst>
+      <p:par>
+        <p:cTn id="1" dur="indefinite" restart="never" nodeType="tmRoot"/>
+      </p:par>
+    </p:tnLst>
+  </p:timing>
+</p:sldLayout>
+</file>
+
+<file path=ppt/slideLayouts/slideLayout25.xml><?xml version="1.0" encoding="utf-8"?>
+<p:sldLayout xmlns:a="http://schemas.openxmlformats.org/drawingml/2006/main" xmlns:r="http://schemas.openxmlformats.org/officeDocument/2006/relationships" xmlns:p="http://schemas.openxmlformats.org/presentationml/2006/main" type="secHead" preserve="1">
+  <p:cSld name="Section Header">
+    <p:spTree>
+      <p:nvGrpSpPr>
+        <p:cNvPr id="1" name=""/>
+        <p:cNvGrpSpPr/>
+        <p:nvPr/>
+      </p:nvGrpSpPr>
+      <p:grpSpPr>
+        <a:xfrm>
+          <a:off x="0" y="0"/>
+          <a:ext cx="0" cy="0"/>
+          <a:chOff x="0" y="0"/>
+          <a:chExt cx="0" cy="0"/>
+        </a:xfrm>
+      </p:grpSpPr>
+      <p:sp>
+        <p:nvSpPr>
+          <p:cNvPr id="2" name="Title 1"/>
+          <p:cNvSpPr>
+            <a:spLocks noGrp="1"/>
+          </p:cNvSpPr>
+          <p:nvPr>
+            <p:ph type="title"/>
+          </p:nvPr>
+        </p:nvSpPr>
+        <p:spPr>
+          <a:xfrm>
+            <a:off x="722313" y="4406901"/>
+            <a:ext cx="7772400" cy="1362075"/>
+          </a:xfrm>
+        </p:spPr>
+        <p:txBody>
+          <a:bodyPr anchor="t"/>
+          <a:lstStyle>
+            <a:lvl1pPr algn="l">
+              <a:defRPr sz="4000" b="1" cap="all"/>
+            </a:lvl1pPr>
+          </a:lstStyle>
+          <a:p>
+            <a:r>
+              <a:rPr lang="en-US" smtClean="0"/>
+              <a:t>Click to edit Master title style</a:t>
+            </a:r>
+            <a:endParaRPr lang="en-US"/>
+          </a:p>
+        </p:txBody>
+      </p:sp>
+      <p:sp>
+        <p:nvSpPr>
+          <p:cNvPr id="3" name="Text Placeholder 2"/>
+          <p:cNvSpPr>
+            <a:spLocks noGrp="1"/>
+          </p:cNvSpPr>
+          <p:nvPr>
+            <p:ph type="body" idx="1"/>
+          </p:nvPr>
+        </p:nvSpPr>
+        <p:spPr>
+          <a:xfrm>
+            <a:off x="722313" y="2906713"/>
+            <a:ext cx="7772400" cy="1500187"/>
+          </a:xfrm>
+        </p:spPr>
+        <p:txBody>
+          <a:bodyPr anchor="b"/>
+          <a:lstStyle>
+            <a:lvl1pPr marL="0" indent="0">
+              <a:buNone/>
+              <a:defRPr sz="2000">
+                <a:solidFill>
+                  <a:schemeClr val="tx1">
+                    <a:tint val="75000"/>
+                  </a:schemeClr>
+                </a:solidFill>
+              </a:defRPr>
+            </a:lvl1pPr>
+            <a:lvl2pPr marL="457200" indent="0">
+              <a:buNone/>
+              <a:defRPr sz="1800">
+                <a:solidFill>
+                  <a:schemeClr val="tx1">
+                    <a:tint val="75000"/>
+                  </a:schemeClr>
+                </a:solidFill>
+              </a:defRPr>
+            </a:lvl2pPr>
+            <a:lvl3pPr marL="914400" indent="0">
+              <a:buNone/>
+              <a:defRPr sz="1600">
+                <a:solidFill>
+                  <a:schemeClr val="tx1">
+                    <a:tint val="75000"/>
+                  </a:schemeClr>
+                </a:solidFill>
+              </a:defRPr>
+            </a:lvl3pPr>
+            <a:lvl4pPr marL="1371600" indent="0">
+              <a:buNone/>
+              <a:defRPr sz="1400">
+                <a:solidFill>
+                  <a:schemeClr val="tx1">
+                    <a:tint val="75000"/>
+                  </a:schemeClr>
+                </a:solidFill>
+              </a:defRPr>
+            </a:lvl4pPr>
+            <a:lvl5pPr marL="1828800" indent="0">
+              <a:buNone/>
+              <a:defRPr sz="1400">
+                <a:solidFill>
+                  <a:schemeClr val="tx1">
+                    <a:tint val="75000"/>
+                  </a:schemeClr>
+                </a:solidFill>
+              </a:defRPr>
+            </a:lvl5pPr>
+            <a:lvl6pPr marL="2286000" indent="0">
+              <a:buNone/>
+              <a:defRPr sz="1400">
+                <a:solidFill>
+                  <a:schemeClr val="tx1">
+                    <a:tint val="75000"/>
+                  </a:schemeClr>
+                </a:solidFill>
+              </a:defRPr>
+            </a:lvl6pPr>
+            <a:lvl7pPr marL="2743200" indent="0">
+              <a:buNone/>
+              <a:defRPr sz="1400">
+                <a:solidFill>
+                  <a:schemeClr val="tx1">
+                    <a:tint val="75000"/>
+                  </a:schemeClr>
+                </a:solidFill>
+              </a:defRPr>
+            </a:lvl7pPr>
+            <a:lvl8pPr marL="3200400" indent="0">
+              <a:buNone/>
+              <a:defRPr sz="1400">
+                <a:solidFill>
+                  <a:schemeClr val="tx1">
+                    <a:tint val="75000"/>
+                  </a:schemeClr>
+                </a:solidFill>
+              </a:defRPr>
+            </a:lvl8pPr>
+            <a:lvl9pPr marL="3657600" indent="0">
+              <a:buNone/>
+              <a:defRPr sz="1400">
+                <a:solidFill>
+                  <a:schemeClr val="tx1">
+                    <a:tint val="75000"/>
+                  </a:schemeClr>
+                </a:solidFill>
+              </a:defRPr>
+            </a:lvl9pPr>
+          </a:lstStyle>
+          <a:p>
+            <a:pPr lvl="0"/>
+            <a:r>
+              <a:rPr lang="en-US" smtClean="0"/>
+              <a:t>Click to edit Master text styles</a:t>
+            </a:r>
+          </a:p>
+        </p:txBody>
+      </p:sp>
+      <p:sp>
+        <p:nvSpPr>
+          <p:cNvPr id="4" name="Date Placeholder 3"/>
+          <p:cNvSpPr>
+            <a:spLocks noGrp="1"/>
+          </p:cNvSpPr>
+          <p:nvPr>
+            <p:ph type="dt" sz="half" idx="10"/>
+          </p:nvPr>
+        </p:nvSpPr>
+        <p:spPr/>
+        <p:txBody>
+          <a:bodyPr/>
+          <a:lstStyle/>
+          <a:p>
+            <a:fld id="{794CFE4B-17F2-49B1-A8CD-48A7230178BE}" type="datetimeFigureOut">
+              <a:rPr lang="en-US" smtClean="0">
+                <a:solidFill>
+                  <a:prstClr val="black">
+                    <a:tint val="75000"/>
+                  </a:prstClr>
+                </a:solidFill>
+              </a:rPr>
+              <a:pPr/>
+              <a:t>6/11/2014</a:t>
+            </a:fld>
+            <a:endParaRPr lang="en-US">
+              <a:solidFill>
+                <a:prstClr val="black">
+                  <a:tint val="75000"/>
+                </a:prstClr>
+              </a:solidFill>
+            </a:endParaRPr>
+          </a:p>
+        </p:txBody>
+      </p:sp>
+      <p:sp>
+        <p:nvSpPr>
+          <p:cNvPr id="5" name="Footer Placeholder 4"/>
+          <p:cNvSpPr>
+            <a:spLocks noGrp="1"/>
+          </p:cNvSpPr>
+          <p:nvPr>
+            <p:ph type="ftr" sz="quarter" idx="11"/>
+          </p:nvPr>
+        </p:nvSpPr>
+        <p:spPr/>
+        <p:txBody>
+          <a:bodyPr/>
+          <a:lstStyle/>
+          <a:p>
+            <a:endParaRPr lang="en-US">
+              <a:solidFill>
+                <a:prstClr val="black">
+                  <a:tint val="75000"/>
+                </a:prstClr>
+              </a:solidFill>
+            </a:endParaRPr>
+          </a:p>
+        </p:txBody>
+      </p:sp>
+      <p:sp>
+        <p:nvSpPr>
+          <p:cNvPr id="6" name="Slide Number Placeholder 5"/>
+          <p:cNvSpPr>
+            <a:spLocks noGrp="1"/>
+          </p:cNvSpPr>
+          <p:nvPr>
+            <p:ph type="sldNum" sz="quarter" idx="12"/>
+          </p:nvPr>
+        </p:nvSpPr>
+        <p:spPr/>
+        <p:txBody>
+          <a:bodyPr/>
+          <a:lstStyle/>
+          <a:p>
+            <a:fld id="{F043A558-56C3-499B-89A2-59E5853E6BB4}" type="slidenum">
+              <a:rPr lang="en-US" smtClean="0">
+                <a:solidFill>
+                  <a:prstClr val="black">
+                    <a:tint val="75000"/>
+                  </a:prstClr>
+                </a:solidFill>
+              </a:rPr>
+              <a:pPr/>
+              <a:t>‹#›</a:t>
+            </a:fld>
+            <a:endParaRPr lang="en-US">
+              <a:solidFill>
+                <a:prstClr val="black">
+                  <a:tint val="75000"/>
+                </a:prstClr>
+              </a:solidFill>
+            </a:endParaRPr>
+          </a:p>
+        </p:txBody>
+      </p:sp>
+    </p:spTree>
+    <p:extLst>
+      <p:ext uri="{BB962C8B-B14F-4D97-AF65-F5344CB8AC3E}">
+        <p14:creationId xmlns:p14="http://schemas.microsoft.com/office/powerpoint/2010/main" val="3414218399"/>
+      </p:ext>
+    </p:extLst>
+  </p:cSld>
+  <p:clrMapOvr>
+    <a:masterClrMapping/>
+  </p:clrMapOvr>
+</p:sldLayout>
+</file>
+
+<file path=ppt/slideLayouts/slideLayout26.xml><?xml version="1.0" encoding="utf-8"?>
+<p:sldLayout xmlns:a="http://schemas.openxmlformats.org/drawingml/2006/main" xmlns:r="http://schemas.openxmlformats.org/officeDocument/2006/relationships" xmlns:p="http://schemas.openxmlformats.org/presentationml/2006/main" type="twoObj" preserve="1">
+  <p:cSld name="Two Content">
+    <p:spTree>
+      <p:nvGrpSpPr>
+        <p:cNvPr id="1" name=""/>
+        <p:cNvGrpSpPr/>
+        <p:nvPr/>
+      </p:nvGrpSpPr>
+      <p:grpSpPr>
+        <a:xfrm>
+          <a:off x="0" y="0"/>
+          <a:ext cx="0" cy="0"/>
+          <a:chOff x="0" y="0"/>
+          <a:chExt cx="0" cy="0"/>
+        </a:xfrm>
+      </p:grpSpPr>
+      <p:sp>
+        <p:nvSpPr>
+          <p:cNvPr id="2" name="Title 1"/>
+          <p:cNvSpPr>
+            <a:spLocks noGrp="1"/>
+          </p:cNvSpPr>
+          <p:nvPr>
+            <p:ph type="title"/>
+          </p:nvPr>
+        </p:nvSpPr>
+        <p:spPr/>
+        <p:txBody>
+          <a:bodyPr/>
+          <a:lstStyle/>
+          <a:p>
+            <a:r>
+              <a:rPr lang="en-US" smtClean="0"/>
+              <a:t>Click to edit Master title style</a:t>
+            </a:r>
+            <a:endParaRPr lang="en-US"/>
+          </a:p>
+        </p:txBody>
+      </p:sp>
+      <p:sp>
+        <p:nvSpPr>
+          <p:cNvPr id="3" name="Content Placeholder 2"/>
+          <p:cNvSpPr>
+            <a:spLocks noGrp="1"/>
+          </p:cNvSpPr>
+          <p:nvPr>
+            <p:ph sz="half" idx="1"/>
+          </p:nvPr>
+        </p:nvSpPr>
+        <p:spPr>
+          <a:xfrm>
+            <a:off x="457200" y="1600201"/>
+            <a:ext cx="4038600" cy="4525963"/>
+          </a:xfrm>
+        </p:spPr>
+        <p:txBody>
+          <a:bodyPr/>
+          <a:lstStyle>
+            <a:lvl1pPr>
+              <a:defRPr sz="2800"/>
+            </a:lvl1pPr>
+            <a:lvl2pPr>
+              <a:defRPr sz="2400"/>
+            </a:lvl2pPr>
+            <a:lvl3pPr>
+              <a:defRPr sz="2000"/>
+            </a:lvl3pPr>
+            <a:lvl4pPr>
+              <a:defRPr sz="1800"/>
+            </a:lvl4pPr>
+            <a:lvl5pPr>
+              <a:defRPr sz="1800"/>
+            </a:lvl5pPr>
+            <a:lvl6pPr>
+              <a:defRPr sz="1800"/>
+            </a:lvl6pPr>
+            <a:lvl7pPr>
+              <a:defRPr sz="1800"/>
+            </a:lvl7pPr>
+            <a:lvl8pPr>
+              <a:defRPr sz="1800"/>
+            </a:lvl8pPr>
+            <a:lvl9pPr>
+              <a:defRPr sz="1800"/>
+            </a:lvl9pPr>
+          </a:lstStyle>
+          <a:p>
+            <a:pPr lvl="0"/>
+            <a:r>
+              <a:rPr lang="en-US" smtClean="0"/>
+              <a:t>Click to edit Master text styles</a:t>
+            </a:r>
+          </a:p>
+          <a:p>
+            <a:pPr lvl="1"/>
+            <a:r>
+              <a:rPr lang="en-US" smtClean="0"/>
+              <a:t>Second level</a:t>
+            </a:r>
+          </a:p>
+          <a:p>
+            <a:pPr lvl="2"/>
+            <a:r>
+              <a:rPr lang="en-US" smtClean="0"/>
+              <a:t>Third level</a:t>
+            </a:r>
+          </a:p>
+          <a:p>
+            <a:pPr lvl="3"/>
+            <a:r>
+              <a:rPr lang="en-US" smtClean="0"/>
+              <a:t>Fourth level</a:t>
+            </a:r>
+          </a:p>
+          <a:p>
+            <a:pPr lvl="4"/>
+            <a:r>
+              <a:rPr lang="en-US" smtClean="0"/>
+              <a:t>Fifth level</a:t>
+            </a:r>
+            <a:endParaRPr lang="en-US"/>
+          </a:p>
+        </p:txBody>
+      </p:sp>
+      <p:sp>
+        <p:nvSpPr>
+          <p:cNvPr id="4" name="Content Placeholder 3"/>
+          <p:cNvSpPr>
+            <a:spLocks noGrp="1"/>
+          </p:cNvSpPr>
+          <p:nvPr>
+            <p:ph sz="half" idx="2"/>
+          </p:nvPr>
+        </p:nvSpPr>
+        <p:spPr>
+          <a:xfrm>
+            <a:off x="4648200" y="1600201"/>
+            <a:ext cx="4038600" cy="4525963"/>
+          </a:xfrm>
+        </p:spPr>
+        <p:txBody>
+          <a:bodyPr/>
+          <a:lstStyle>
+            <a:lvl1pPr>
+              <a:defRPr sz="2800"/>
+            </a:lvl1pPr>
+            <a:lvl2pPr>
+              <a:defRPr sz="2400"/>
+            </a:lvl2pPr>
+            <a:lvl3pPr>
+              <a:defRPr sz="2000"/>
+            </a:lvl3pPr>
+            <a:lvl4pPr>
+              <a:defRPr sz="1800"/>
+            </a:lvl4pPr>
+            <a:lvl5pPr>
+              <a:defRPr sz="1800"/>
+            </a:lvl5pPr>
+            <a:lvl6pPr>
+              <a:defRPr sz="1800"/>
+            </a:lvl6pPr>
+            <a:lvl7pPr>
+              <a:defRPr sz="1800"/>
+            </a:lvl7pPr>
+            <a:lvl8pPr>
+              <a:defRPr sz="1800"/>
+            </a:lvl8pPr>
+            <a:lvl9pPr>
+              <a:defRPr sz="1800"/>
+            </a:lvl9pPr>
+          </a:lstStyle>
+          <a:p>
+            <a:pPr lvl="0"/>
+            <a:r>
+              <a:rPr lang="en-US" smtClean="0"/>
+              <a:t>Click to edit Master text styles</a:t>
+            </a:r>
+          </a:p>
+          <a:p>
+            <a:pPr lvl="1"/>
+            <a:r>
+              <a:rPr lang="en-US" smtClean="0"/>
+              <a:t>Second level</a:t>
+            </a:r>
+          </a:p>
+          <a:p>
+            <a:pPr lvl="2"/>
+            <a:r>
+              <a:rPr lang="en-US" smtClean="0"/>
+              <a:t>Third level</a:t>
+            </a:r>
+          </a:p>
+          <a:p>
+            <a:pPr lvl="3"/>
+            <a:r>
+              <a:rPr lang="en-US" smtClean="0"/>
+              <a:t>Fourth level</a:t>
+            </a:r>
+          </a:p>
+          <a:p>
+            <a:pPr lvl="4"/>
+            <a:r>
+              <a:rPr lang="en-US" smtClean="0"/>
+              <a:t>Fifth level</a:t>
+            </a:r>
+            <a:endParaRPr lang="en-US"/>
+          </a:p>
+        </p:txBody>
+      </p:sp>
+      <p:sp>
+        <p:nvSpPr>
+          <p:cNvPr id="5" name="Date Placeholder 4"/>
+          <p:cNvSpPr>
+            <a:spLocks noGrp="1"/>
+          </p:cNvSpPr>
+          <p:nvPr>
+            <p:ph type="dt" sz="half" idx="10"/>
+          </p:nvPr>
+        </p:nvSpPr>
+        <p:spPr/>
+        <p:txBody>
+          <a:bodyPr/>
+          <a:lstStyle/>
+          <a:p>
+            <a:fld id="{794CFE4B-17F2-49B1-A8CD-48A7230178BE}" type="datetimeFigureOut">
+              <a:rPr lang="en-US" smtClean="0">
+                <a:solidFill>
+                  <a:prstClr val="black">
+                    <a:tint val="75000"/>
+                  </a:prstClr>
+                </a:solidFill>
+              </a:rPr>
+              <a:pPr/>
+              <a:t>6/11/2014</a:t>
+            </a:fld>
+            <a:endParaRPr lang="en-US">
+              <a:solidFill>
+                <a:prstClr val="black">
+                  <a:tint val="75000"/>
+                </a:prstClr>
+              </a:solidFill>
+            </a:endParaRPr>
+          </a:p>
+        </p:txBody>
+      </p:sp>
+      <p:sp>
+        <p:nvSpPr>
+          <p:cNvPr id="6" name="Footer Placeholder 5"/>
+          <p:cNvSpPr>
+            <a:spLocks noGrp="1"/>
+          </p:cNvSpPr>
+          <p:nvPr>
+            <p:ph type="ftr" sz="quarter" idx="11"/>
+          </p:nvPr>
+        </p:nvSpPr>
+        <p:spPr/>
+        <p:txBody>
+          <a:bodyPr/>
+          <a:lstStyle/>
+          <a:p>
+            <a:endParaRPr lang="en-US">
+              <a:solidFill>
+                <a:prstClr val="black">
+                  <a:tint val="75000"/>
+                </a:prstClr>
+              </a:solidFill>
+            </a:endParaRPr>
+          </a:p>
+        </p:txBody>
+      </p:sp>
+      <p:sp>
+        <p:nvSpPr>
+          <p:cNvPr id="7" name="Slide Number Placeholder 6"/>
+          <p:cNvSpPr>
+            <a:spLocks noGrp="1"/>
+          </p:cNvSpPr>
+          <p:nvPr>
+            <p:ph type="sldNum" sz="quarter" idx="12"/>
+          </p:nvPr>
+        </p:nvSpPr>
+        <p:spPr/>
+        <p:txBody>
+          <a:bodyPr/>
+          <a:lstStyle/>
+          <a:p>
+            <a:fld id="{F043A558-56C3-499B-89A2-59E5853E6BB4}" type="slidenum">
+              <a:rPr lang="en-US" smtClean="0">
+                <a:solidFill>
+                  <a:prstClr val="black">
+                    <a:tint val="75000"/>
+                  </a:prstClr>
+                </a:solidFill>
+              </a:rPr>
+              <a:pPr/>
+              <a:t>‹#›</a:t>
+            </a:fld>
+            <a:endParaRPr lang="en-US">
+              <a:solidFill>
+                <a:prstClr val="black">
+                  <a:tint val="75000"/>
+                </a:prstClr>
+              </a:solidFill>
+            </a:endParaRPr>
+          </a:p>
+        </p:txBody>
+      </p:sp>
+    </p:spTree>
+    <p:extLst>
+      <p:ext uri="{BB962C8B-B14F-4D97-AF65-F5344CB8AC3E}">
+        <p14:creationId xmlns:p14="http://schemas.microsoft.com/office/powerpoint/2010/main" val="324251602"/>
+      </p:ext>
+    </p:extLst>
+  </p:cSld>
+  <p:clrMapOvr>
+    <a:masterClrMapping/>
+  </p:clrMapOvr>
+</p:sldLayout>
+</file>
+
+<file path=ppt/slideLayouts/slideLayout27.xml><?xml version="1.0" encoding="utf-8"?>
+<p:sldLayout xmlns:a="http://schemas.openxmlformats.org/drawingml/2006/main" xmlns:r="http://schemas.openxmlformats.org/officeDocument/2006/relationships" xmlns:p="http://schemas.openxmlformats.org/presentationml/2006/main" type="twoTxTwoObj" preserve="1">
+  <p:cSld name="Comparison">
+    <p:spTree>
+      <p:nvGrpSpPr>
+        <p:cNvPr id="1" name=""/>
+        <p:cNvGrpSpPr/>
+        <p:nvPr/>
+      </p:nvGrpSpPr>
+      <p:grpSpPr>
+        <a:xfrm>
+          <a:off x="0" y="0"/>
+          <a:ext cx="0" cy="0"/>
+          <a:chOff x="0" y="0"/>
+          <a:chExt cx="0" cy="0"/>
+        </a:xfrm>
+      </p:grpSpPr>
+      <p:sp>
+        <p:nvSpPr>
+          <p:cNvPr id="2" name="Title 1"/>
+          <p:cNvSpPr>
+            <a:spLocks noGrp="1"/>
+          </p:cNvSpPr>
+          <p:nvPr>
+            <p:ph type="title"/>
+          </p:nvPr>
+        </p:nvSpPr>
+        <p:spPr/>
+        <p:txBody>
+          <a:bodyPr/>
+          <a:lstStyle>
+            <a:lvl1pPr>
+              <a:defRPr/>
+            </a:lvl1pPr>
+          </a:lstStyle>
+          <a:p>
+            <a:r>
+              <a:rPr lang="en-US" smtClean="0"/>
+              <a:t>Click to edit Master title style</a:t>
+            </a:r>
+            <a:endParaRPr lang="en-US"/>
+          </a:p>
+        </p:txBody>
+      </p:sp>
+      <p:sp>
+        <p:nvSpPr>
+          <p:cNvPr id="3" name="Text Placeholder 2"/>
+          <p:cNvSpPr>
+            <a:spLocks noGrp="1"/>
+          </p:cNvSpPr>
+          <p:nvPr>
+            <p:ph type="body" idx="1"/>
+          </p:nvPr>
+        </p:nvSpPr>
+        <p:spPr>
+          <a:xfrm>
+            <a:off x="457200" y="1535113"/>
+            <a:ext cx="4040188" cy="639763"/>
+          </a:xfrm>
+        </p:spPr>
+        <p:txBody>
+          <a:bodyPr anchor="b"/>
+          <a:lstStyle>
+            <a:lvl1pPr marL="0" indent="0">
+              <a:buNone/>
+              <a:defRPr sz="2400" b="1"/>
+            </a:lvl1pPr>
+            <a:lvl2pPr marL="457200" indent="0">
+              <a:buNone/>
+              <a:defRPr sz="2000" b="1"/>
+            </a:lvl2pPr>
+            <a:lvl3pPr marL="914400" indent="0">
+              <a:buNone/>
+              <a:defRPr sz="1800" b="1"/>
+            </a:lvl3pPr>
+            <a:lvl4pPr marL="1371600" indent="0">
+              <a:buNone/>
+              <a:defRPr sz="1600" b="1"/>
+            </a:lvl4pPr>
+            <a:lvl5pPr marL="1828800" indent="0">
+              <a:buNone/>
+              <a:defRPr sz="1600" b="1"/>
+            </a:lvl5pPr>
+            <a:lvl6pPr marL="2286000" indent="0">
+              <a:buNone/>
+              <a:defRPr sz="1600" b="1"/>
+            </a:lvl6pPr>
+            <a:lvl7pPr marL="2743200" indent="0">
+              <a:buNone/>
+              <a:defRPr sz="1600" b="1"/>
+            </a:lvl7pPr>
+            <a:lvl8pPr marL="3200400" indent="0">
+              <a:buNone/>
+              <a:defRPr sz="1600" b="1"/>
+            </a:lvl8pPr>
+            <a:lvl9pPr marL="3657600" indent="0">
+              <a:buNone/>
+              <a:defRPr sz="1600" b="1"/>
+            </a:lvl9pPr>
+          </a:lstStyle>
+          <a:p>
+            <a:pPr lvl="0"/>
+            <a:r>
+              <a:rPr lang="en-US" smtClean="0"/>
+              <a:t>Click to edit Master text styles</a:t>
+            </a:r>
+          </a:p>
+        </p:txBody>
+      </p:sp>
+      <p:sp>
+        <p:nvSpPr>
+          <p:cNvPr id="4" name="Content Placeholder 3"/>
+          <p:cNvSpPr>
+            <a:spLocks noGrp="1"/>
+          </p:cNvSpPr>
+          <p:nvPr>
+            <p:ph sz="half" idx="2"/>
+          </p:nvPr>
+        </p:nvSpPr>
+        <p:spPr>
+          <a:xfrm>
+            <a:off x="457200" y="2174875"/>
+            <a:ext cx="4040188" cy="3951288"/>
+          </a:xfrm>
+        </p:spPr>
+        <p:txBody>
+          <a:bodyPr/>
+          <a:lstStyle>
+            <a:lvl1pPr>
+              <a:defRPr sz="2400"/>
+            </a:lvl1pPr>
+            <a:lvl2pPr>
+              <a:defRPr sz="2000"/>
+            </a:lvl2pPr>
+            <a:lvl3pPr>
+              <a:defRPr sz="1800"/>
+            </a:lvl3pPr>
+            <a:lvl4pPr>
+              <a:defRPr sz="1600"/>
+            </a:lvl4pPr>
+            <a:lvl5pPr>
+              <a:defRPr sz="1600"/>
+            </a:lvl5pPr>
+            <a:lvl6pPr>
+              <a:defRPr sz="1600"/>
+            </a:lvl6pPr>
+            <a:lvl7pPr>
+              <a:defRPr sz="1600"/>
+            </a:lvl7pPr>
+            <a:lvl8pPr>
+              <a:defRPr sz="1600"/>
+            </a:lvl8pPr>
+            <a:lvl9pPr>
+              <a:defRPr sz="1600"/>
+            </a:lvl9pPr>
+          </a:lstStyle>
+          <a:p>
+            <a:pPr lvl="0"/>
+            <a:r>
+              <a:rPr lang="en-US" smtClean="0"/>
+              <a:t>Click to edit Master text styles</a:t>
+            </a:r>
+          </a:p>
+          <a:p>
+            <a:pPr lvl="1"/>
+            <a:r>
+              <a:rPr lang="en-US" smtClean="0"/>
+              <a:t>Second level</a:t>
+            </a:r>
+          </a:p>
+          <a:p>
+            <a:pPr lvl="2"/>
+            <a:r>
+              <a:rPr lang="en-US" smtClean="0"/>
+              <a:t>Third level</a:t>
+            </a:r>
+          </a:p>
+          <a:p>
+            <a:pPr lvl="3"/>
+            <a:r>
+              <a:rPr lang="en-US" smtClean="0"/>
+              <a:t>Fourth level</a:t>
+            </a:r>
+          </a:p>
+          <a:p>
+            <a:pPr lvl="4"/>
+            <a:r>
+              <a:rPr lang="en-US" smtClean="0"/>
+              <a:t>Fifth level</a:t>
+            </a:r>
+            <a:endParaRPr lang="en-US"/>
+          </a:p>
+        </p:txBody>
+      </p:sp>
+      <p:sp>
+        <p:nvSpPr>
+          <p:cNvPr id="5" name="Text Placeholder 4"/>
+          <p:cNvSpPr>
+            <a:spLocks noGrp="1"/>
+          </p:cNvSpPr>
+          <p:nvPr>
+            <p:ph type="body" sz="quarter" idx="3"/>
+          </p:nvPr>
+        </p:nvSpPr>
+        <p:spPr>
+          <a:xfrm>
+            <a:off x="4645027" y="1535113"/>
+            <a:ext cx="4041775" cy="639763"/>
+          </a:xfrm>
+        </p:spPr>
+        <p:txBody>
+          <a:bodyPr anchor="b"/>
+          <a:lstStyle>
+            <a:lvl1pPr marL="0" indent="0">
+              <a:buNone/>
+              <a:defRPr sz="2400" b="1"/>
+            </a:lvl1pPr>
+            <a:lvl2pPr marL="457200" indent="0">
+              <a:buNone/>
+              <a:defRPr sz="2000" b="1"/>
+            </a:lvl2pPr>
+            <a:lvl3pPr marL="914400" indent="0">
+              <a:buNone/>
+              <a:defRPr sz="1800" b="1"/>
+            </a:lvl3pPr>
+            <a:lvl4pPr marL="1371600" indent="0">
+              <a:buNone/>
+              <a:defRPr sz="1600" b="1"/>
+            </a:lvl4pPr>
+            <a:lvl5pPr marL="1828800" indent="0">
+              <a:buNone/>
+              <a:defRPr sz="1600" b="1"/>
+            </a:lvl5pPr>
+            <a:lvl6pPr marL="2286000" indent="0">
+              <a:buNone/>
+              <a:defRPr sz="1600" b="1"/>
+            </a:lvl6pPr>
+            <a:lvl7pPr marL="2743200" indent="0">
+              <a:buNone/>
+              <a:defRPr sz="1600" b="1"/>
+            </a:lvl7pPr>
+            <a:lvl8pPr marL="3200400" indent="0">
+              <a:buNone/>
+              <a:defRPr sz="1600" b="1"/>
+            </a:lvl8pPr>
+            <a:lvl9pPr marL="3657600" indent="0">
+              <a:buNone/>
+              <a:defRPr sz="1600" b="1"/>
+            </a:lvl9pPr>
+          </a:lstStyle>
+          <a:p>
+            <a:pPr lvl="0"/>
+            <a:r>
+              <a:rPr lang="en-US" smtClean="0"/>
+              <a:t>Click to edit Master text styles</a:t>
+            </a:r>
+          </a:p>
+        </p:txBody>
+      </p:sp>
+      <p:sp>
+        <p:nvSpPr>
+          <p:cNvPr id="6" name="Content Placeholder 5"/>
+          <p:cNvSpPr>
+            <a:spLocks noGrp="1"/>
+          </p:cNvSpPr>
+          <p:nvPr>
+            <p:ph sz="quarter" idx="4"/>
+          </p:nvPr>
+        </p:nvSpPr>
+        <p:spPr>
+          <a:xfrm>
+            <a:off x="4645027" y="2174875"/>
+            <a:ext cx="4041775" cy="3951288"/>
+          </a:xfrm>
+        </p:spPr>
+        <p:txBody>
+          <a:bodyPr/>
+          <a:lstStyle>
+            <a:lvl1pPr>
+              <a:defRPr sz="2400"/>
+            </a:lvl1pPr>
+            <a:lvl2pPr>
+              <a:defRPr sz="2000"/>
+            </a:lvl2pPr>
+            <a:lvl3pPr>
+              <a:defRPr sz="1800"/>
+            </a:lvl3pPr>
+            <a:lvl4pPr>
+              <a:defRPr sz="1600"/>
+            </a:lvl4pPr>
+            <a:lvl5pPr>
+              <a:defRPr sz="1600"/>
+            </a:lvl5pPr>
+            <a:lvl6pPr>
+              <a:defRPr sz="1600"/>
+            </a:lvl6pPr>
+            <a:lvl7pPr>
+              <a:defRPr sz="1600"/>
+            </a:lvl7pPr>
+            <a:lvl8pPr>
+              <a:defRPr sz="1600"/>
+            </a:lvl8pPr>
+            <a:lvl9pPr>
+              <a:defRPr sz="1600"/>
+            </a:lvl9pPr>
+          </a:lstStyle>
+          <a:p>
+            <a:pPr lvl="0"/>
+            <a:r>
+              <a:rPr lang="en-US" smtClean="0"/>
+              <a:t>Click to edit Master text styles</a:t>
+            </a:r>
+          </a:p>
+          <a:p>
+            <a:pPr lvl="1"/>
+            <a:r>
+              <a:rPr lang="en-US" smtClean="0"/>
+              <a:t>Second level</a:t>
+            </a:r>
+          </a:p>
+          <a:p>
+            <a:pPr lvl="2"/>
+            <a:r>
+              <a:rPr lang="en-US" smtClean="0"/>
+              <a:t>Third level</a:t>
+            </a:r>
+          </a:p>
+          <a:p>
+            <a:pPr lvl="3"/>
+            <a:r>
+              <a:rPr lang="en-US" smtClean="0"/>
+              <a:t>Fourth level</a:t>
+            </a:r>
+          </a:p>
+          <a:p>
+            <a:pPr lvl="4"/>
+            <a:r>
+              <a:rPr lang="en-US" smtClean="0"/>
+              <a:t>Fifth level</a:t>
+            </a:r>
+            <a:endParaRPr lang="en-US"/>
+          </a:p>
+        </p:txBody>
+      </p:sp>
+      <p:sp>
+        <p:nvSpPr>
+          <p:cNvPr id="7" name="Date Placeholder 6"/>
+          <p:cNvSpPr>
+            <a:spLocks noGrp="1"/>
+          </p:cNvSpPr>
+          <p:nvPr>
+            <p:ph type="dt" sz="half" idx="10"/>
+          </p:nvPr>
+        </p:nvSpPr>
+        <p:spPr/>
+        <p:txBody>
+          <a:bodyPr/>
+          <a:lstStyle/>
+          <a:p>
+            <a:fld id="{794CFE4B-17F2-49B1-A8CD-48A7230178BE}" type="datetimeFigureOut">
+              <a:rPr lang="en-US" smtClean="0">
+                <a:solidFill>
+                  <a:prstClr val="black">
+                    <a:tint val="75000"/>
+                  </a:prstClr>
+                </a:solidFill>
+              </a:rPr>
+              <a:pPr/>
+              <a:t>6/11/2014</a:t>
+            </a:fld>
+            <a:endParaRPr lang="en-US">
+              <a:solidFill>
+                <a:prstClr val="black">
+                  <a:tint val="75000"/>
+                </a:prstClr>
+              </a:solidFill>
+            </a:endParaRPr>
+          </a:p>
+        </p:txBody>
+      </p:sp>
+      <p:sp>
+        <p:nvSpPr>
+          <p:cNvPr id="8" name="Footer Placeholder 7"/>
+          <p:cNvSpPr>
+            <a:spLocks noGrp="1"/>
+          </p:cNvSpPr>
+          <p:nvPr>
+            <p:ph type="ftr" sz="quarter" idx="11"/>
+          </p:nvPr>
+        </p:nvSpPr>
+        <p:spPr/>
+        <p:txBody>
+          <a:bodyPr/>
+          <a:lstStyle/>
+          <a:p>
+            <a:endParaRPr lang="en-US">
+              <a:solidFill>
+                <a:prstClr val="black">
+                  <a:tint val="75000"/>
+                </a:prstClr>
+              </a:solidFill>
+            </a:endParaRPr>
+          </a:p>
+        </p:txBody>
+      </p:sp>
+      <p:sp>
+        <p:nvSpPr>
+          <p:cNvPr id="9" name="Slide Number Placeholder 8"/>
+          <p:cNvSpPr>
+            <a:spLocks noGrp="1"/>
+          </p:cNvSpPr>
+          <p:nvPr>
+            <p:ph type="sldNum" sz="quarter" idx="12"/>
+          </p:nvPr>
+        </p:nvSpPr>
+        <p:spPr/>
+        <p:txBody>
+          <a:bodyPr/>
+          <a:lstStyle/>
+          <a:p>
+            <a:fld id="{F043A558-56C3-499B-89A2-59E5853E6BB4}" type="slidenum">
+              <a:rPr lang="en-US" smtClean="0">
+                <a:solidFill>
+                  <a:prstClr val="black">
+                    <a:tint val="75000"/>
+                  </a:prstClr>
+                </a:solidFill>
+              </a:rPr>
+              <a:pPr/>
+              <a:t>‹#›</a:t>
+            </a:fld>
+            <a:endParaRPr lang="en-US">
+              <a:solidFill>
+                <a:prstClr val="black">
+                  <a:tint val="75000"/>
+                </a:prstClr>
+              </a:solidFill>
+            </a:endParaRPr>
+          </a:p>
+        </p:txBody>
+      </p:sp>
+    </p:spTree>
+    <p:extLst>
+      <p:ext uri="{BB962C8B-B14F-4D97-AF65-F5344CB8AC3E}">
+        <p14:creationId xmlns:p14="http://schemas.microsoft.com/office/powerpoint/2010/main" val="583906343"/>
+      </p:ext>
+    </p:extLst>
+  </p:cSld>
+  <p:clrMapOvr>
+    <a:masterClrMapping/>
+  </p:clrMapOvr>
+</p:sldLayout>
+</file>
+
+<file path=ppt/slideLayouts/slideLayout28.xml><?xml version="1.0" encoding="utf-8"?>
+<p:sldLayout xmlns:a="http://schemas.openxmlformats.org/drawingml/2006/main" xmlns:r="http://schemas.openxmlformats.org/officeDocument/2006/relationships" xmlns:p="http://schemas.openxmlformats.org/presentationml/2006/main" type="titleOnly" preserve="1">
+  <p:cSld name="Title Only">
+    <p:spTree>
+      <p:nvGrpSpPr>
+        <p:cNvPr id="1" name=""/>
+        <p:cNvGrpSpPr/>
+        <p:nvPr/>
+      </p:nvGrpSpPr>
+      <p:grpSpPr>
+        <a:xfrm>
+          <a:off x="0" y="0"/>
+          <a:ext cx="0" cy="0"/>
+          <a:chOff x="0" y="0"/>
+          <a:chExt cx="0" cy="0"/>
+        </a:xfrm>
+      </p:grpSpPr>
+      <p:sp>
+        <p:nvSpPr>
+          <p:cNvPr id="2" name="Title 1"/>
+          <p:cNvSpPr>
+            <a:spLocks noGrp="1"/>
+          </p:cNvSpPr>
+          <p:nvPr>
+            <p:ph type="title"/>
+          </p:nvPr>
+        </p:nvSpPr>
+        <p:spPr/>
+        <p:txBody>
+          <a:bodyPr/>
+          <a:lstStyle/>
+          <a:p>
+            <a:r>
+              <a:rPr lang="en-US" smtClean="0"/>
+              <a:t>Click to edit Master title style</a:t>
+            </a:r>
+            <a:endParaRPr lang="en-US"/>
+          </a:p>
+        </p:txBody>
+      </p:sp>
+      <p:sp>
+        <p:nvSpPr>
+          <p:cNvPr id="3" name="Date Placeholder 2"/>
+          <p:cNvSpPr>
+            <a:spLocks noGrp="1"/>
+          </p:cNvSpPr>
+          <p:nvPr>
+            <p:ph type="dt" sz="half" idx="10"/>
+          </p:nvPr>
+        </p:nvSpPr>
+        <p:spPr/>
+        <p:txBody>
+          <a:bodyPr/>
+          <a:lstStyle/>
+          <a:p>
+            <a:fld id="{794CFE4B-17F2-49B1-A8CD-48A7230178BE}" type="datetimeFigureOut">
+              <a:rPr lang="en-US" smtClean="0">
+                <a:solidFill>
+                  <a:prstClr val="black">
+                    <a:tint val="75000"/>
+                  </a:prstClr>
+                </a:solidFill>
+              </a:rPr>
+              <a:pPr/>
+              <a:t>6/11/2014</a:t>
+            </a:fld>
+            <a:endParaRPr lang="en-US">
+              <a:solidFill>
+                <a:prstClr val="black">
+                  <a:tint val="75000"/>
+                </a:prstClr>
+              </a:solidFill>
+            </a:endParaRPr>
+          </a:p>
+        </p:txBody>
+      </p:sp>
+      <p:sp>
+        <p:nvSpPr>
+          <p:cNvPr id="4" name="Footer Placeholder 3"/>
+          <p:cNvSpPr>
+            <a:spLocks noGrp="1"/>
+          </p:cNvSpPr>
+          <p:nvPr>
+            <p:ph type="ftr" sz="quarter" idx="11"/>
+          </p:nvPr>
+        </p:nvSpPr>
+        <p:spPr/>
+        <p:txBody>
+          <a:bodyPr/>
+          <a:lstStyle/>
+          <a:p>
+            <a:endParaRPr lang="en-US">
+              <a:solidFill>
+                <a:prstClr val="black">
+                  <a:tint val="75000"/>
+                </a:prstClr>
+              </a:solidFill>
+            </a:endParaRPr>
+          </a:p>
+        </p:txBody>
+      </p:sp>
+      <p:sp>
+        <p:nvSpPr>
+          <p:cNvPr id="5" name="Slide Number Placeholder 4"/>
+          <p:cNvSpPr>
+            <a:spLocks noGrp="1"/>
+          </p:cNvSpPr>
+          <p:nvPr>
+            <p:ph type="sldNum" sz="quarter" idx="12"/>
+          </p:nvPr>
+        </p:nvSpPr>
+        <p:spPr/>
+        <p:txBody>
+          <a:bodyPr/>
+          <a:lstStyle/>
+          <a:p>
+            <a:fld id="{F043A558-56C3-499B-89A2-59E5853E6BB4}" type="slidenum">
+              <a:rPr lang="en-US" smtClean="0">
+                <a:solidFill>
+                  <a:prstClr val="black">
+                    <a:tint val="75000"/>
+                  </a:prstClr>
+                </a:solidFill>
+              </a:rPr>
+              <a:pPr/>
+              <a:t>‹#›</a:t>
+            </a:fld>
+            <a:endParaRPr lang="en-US">
+              <a:solidFill>
+                <a:prstClr val="black">
+                  <a:tint val="75000"/>
+                </a:prstClr>
+              </a:solidFill>
+            </a:endParaRPr>
+          </a:p>
+        </p:txBody>
+      </p:sp>
+    </p:spTree>
+    <p:extLst>
+      <p:ext uri="{BB962C8B-B14F-4D97-AF65-F5344CB8AC3E}">
+        <p14:creationId xmlns:p14="http://schemas.microsoft.com/office/powerpoint/2010/main" val="2956042234"/>
+      </p:ext>
+    </p:extLst>
+  </p:cSld>
+  <p:clrMapOvr>
+    <a:masterClrMapping/>
+  </p:clrMapOvr>
+</p:sldLayout>
+</file>
+
+<file path=ppt/slideLayouts/slideLayout29.xml><?xml version="1.0" encoding="utf-8"?>
+<p:sldLayout xmlns:a="http://schemas.openxmlformats.org/drawingml/2006/main" xmlns:r="http://schemas.openxmlformats.org/officeDocument/2006/relationships" xmlns:p="http://schemas.openxmlformats.org/presentationml/2006/main" type="blank" preserve="1">
+  <p:cSld name="Blank">
+    <p:spTree>
+      <p:nvGrpSpPr>
+        <p:cNvPr id="1" name=""/>
+        <p:cNvGrpSpPr/>
+        <p:nvPr/>
+      </p:nvGrpSpPr>
+      <p:grpSpPr>
+        <a:xfrm>
+          <a:off x="0" y="0"/>
+          <a:ext cx="0" cy="0"/>
+          <a:chOff x="0" y="0"/>
+          <a:chExt cx="0" cy="0"/>
+        </a:xfrm>
+      </p:grpSpPr>
+      <p:sp>
+        <p:nvSpPr>
+          <p:cNvPr id="2" name="Date Placeholder 1"/>
+          <p:cNvSpPr>
+            <a:spLocks noGrp="1"/>
+          </p:cNvSpPr>
+          <p:nvPr>
+            <p:ph type="dt" sz="half" idx="10"/>
+          </p:nvPr>
+        </p:nvSpPr>
+        <p:spPr/>
+        <p:txBody>
+          <a:bodyPr/>
+          <a:lstStyle/>
+          <a:p>
+            <a:fld id="{794CFE4B-17F2-49B1-A8CD-48A7230178BE}" type="datetimeFigureOut">
+              <a:rPr lang="en-US" smtClean="0">
+                <a:solidFill>
+                  <a:prstClr val="black">
+                    <a:tint val="75000"/>
+                  </a:prstClr>
+                </a:solidFill>
+              </a:rPr>
+              <a:pPr/>
+              <a:t>6/11/2014</a:t>
+            </a:fld>
+            <a:endParaRPr lang="en-US">
+              <a:solidFill>
+                <a:prstClr val="black">
+                  <a:tint val="75000"/>
+                </a:prstClr>
+              </a:solidFill>
+            </a:endParaRPr>
+          </a:p>
+        </p:txBody>
+      </p:sp>
+      <p:sp>
+        <p:nvSpPr>
+          <p:cNvPr id="3" name="Footer Placeholder 2"/>
+          <p:cNvSpPr>
+            <a:spLocks noGrp="1"/>
+          </p:cNvSpPr>
+          <p:nvPr>
+            <p:ph type="ftr" sz="quarter" idx="11"/>
+          </p:nvPr>
+        </p:nvSpPr>
+        <p:spPr/>
+        <p:txBody>
+          <a:bodyPr/>
+          <a:lstStyle/>
+          <a:p>
+            <a:endParaRPr lang="en-US">
+              <a:solidFill>
+                <a:prstClr val="black">
+                  <a:tint val="75000"/>
+                </a:prstClr>
+              </a:solidFill>
+            </a:endParaRPr>
+          </a:p>
+        </p:txBody>
+      </p:sp>
+      <p:sp>
+        <p:nvSpPr>
+          <p:cNvPr id="4" name="Slide Number Placeholder 3"/>
+          <p:cNvSpPr>
+            <a:spLocks noGrp="1"/>
+          </p:cNvSpPr>
+          <p:nvPr>
+            <p:ph type="sldNum" sz="quarter" idx="12"/>
+          </p:nvPr>
+        </p:nvSpPr>
+        <p:spPr/>
+        <p:txBody>
+          <a:bodyPr/>
+          <a:lstStyle/>
+          <a:p>
+            <a:fld id="{F043A558-56C3-499B-89A2-59E5853E6BB4}" type="slidenum">
+              <a:rPr lang="en-US" smtClean="0">
+                <a:solidFill>
+                  <a:prstClr val="black">
+                    <a:tint val="75000"/>
+                  </a:prstClr>
+                </a:solidFill>
+              </a:rPr>
+              <a:pPr/>
+              <a:t>‹#›</a:t>
+            </a:fld>
+            <a:endParaRPr lang="en-US">
+              <a:solidFill>
+                <a:prstClr val="black">
+                  <a:tint val="75000"/>
+                </a:prstClr>
+              </a:solidFill>
+            </a:endParaRPr>
+          </a:p>
+        </p:txBody>
+      </p:sp>
+    </p:spTree>
+    <p:extLst>
+      <p:ext uri="{BB962C8B-B14F-4D97-AF65-F5344CB8AC3E}">
+        <p14:creationId xmlns:p14="http://schemas.microsoft.com/office/powerpoint/2010/main" val="2154798854"/>
       </p:ext>
     </p:extLst>
   </p:cSld>
@@ -3856,7 +5680,7 @@
           <a:p>
             <a:fld id="{8C7AF26E-D0F3-4468-93EA-77672DBAB186}" type="datetimeFigureOut">
               <a:rPr lang="zh-CN" altLang="en-US" smtClean="0"/>
-              <a:t>2014/5/20</a:t>
+              <a:t>2014/6/11</a:t>
             </a:fld>
             <a:endParaRPr lang="zh-CN" altLang="en-US"/>
           </a:p>
@@ -3914,6 +5738,1055 @@
   <p:clrMapOvr>
     <a:masterClrMapping/>
   </p:clrMapOvr>
+</p:sldLayout>
+</file>
+
+<file path=ppt/slideLayouts/slideLayout30.xml><?xml version="1.0" encoding="utf-8"?>
+<p:sldLayout xmlns:a="http://schemas.openxmlformats.org/drawingml/2006/main" xmlns:r="http://schemas.openxmlformats.org/officeDocument/2006/relationships" xmlns:p="http://schemas.openxmlformats.org/presentationml/2006/main" type="objTx" preserve="1">
+  <p:cSld name="Content with Caption">
+    <p:spTree>
+      <p:nvGrpSpPr>
+        <p:cNvPr id="1" name=""/>
+        <p:cNvGrpSpPr/>
+        <p:nvPr/>
+      </p:nvGrpSpPr>
+      <p:grpSpPr>
+        <a:xfrm>
+          <a:off x="0" y="0"/>
+          <a:ext cx="0" cy="0"/>
+          <a:chOff x="0" y="0"/>
+          <a:chExt cx="0" cy="0"/>
+        </a:xfrm>
+      </p:grpSpPr>
+      <p:sp>
+        <p:nvSpPr>
+          <p:cNvPr id="2" name="Title 1"/>
+          <p:cNvSpPr>
+            <a:spLocks noGrp="1"/>
+          </p:cNvSpPr>
+          <p:nvPr>
+            <p:ph type="title"/>
+          </p:nvPr>
+        </p:nvSpPr>
+        <p:spPr>
+          <a:xfrm>
+            <a:off x="457202" y="273049"/>
+            <a:ext cx="3008313" cy="1162051"/>
+          </a:xfrm>
+        </p:spPr>
+        <p:txBody>
+          <a:bodyPr anchor="b"/>
+          <a:lstStyle>
+            <a:lvl1pPr algn="l">
+              <a:defRPr sz="2000" b="1"/>
+            </a:lvl1pPr>
+          </a:lstStyle>
+          <a:p>
+            <a:r>
+              <a:rPr lang="en-US" smtClean="0"/>
+              <a:t>Click to edit Master title style</a:t>
+            </a:r>
+            <a:endParaRPr lang="en-US"/>
+          </a:p>
+        </p:txBody>
+      </p:sp>
+      <p:sp>
+        <p:nvSpPr>
+          <p:cNvPr id="3" name="Content Placeholder 2"/>
+          <p:cNvSpPr>
+            <a:spLocks noGrp="1"/>
+          </p:cNvSpPr>
+          <p:nvPr>
+            <p:ph idx="1"/>
+          </p:nvPr>
+        </p:nvSpPr>
+        <p:spPr>
+          <a:xfrm>
+            <a:off x="3575050" y="273052"/>
+            <a:ext cx="5111750" cy="5853113"/>
+          </a:xfrm>
+        </p:spPr>
+        <p:txBody>
+          <a:bodyPr/>
+          <a:lstStyle>
+            <a:lvl1pPr>
+              <a:defRPr sz="3200"/>
+            </a:lvl1pPr>
+            <a:lvl2pPr>
+              <a:defRPr sz="2800"/>
+            </a:lvl2pPr>
+            <a:lvl3pPr>
+              <a:defRPr sz="2400"/>
+            </a:lvl3pPr>
+            <a:lvl4pPr>
+              <a:defRPr sz="2000"/>
+            </a:lvl4pPr>
+            <a:lvl5pPr>
+              <a:defRPr sz="2000"/>
+            </a:lvl5pPr>
+            <a:lvl6pPr>
+              <a:defRPr sz="2000"/>
+            </a:lvl6pPr>
+            <a:lvl7pPr>
+              <a:defRPr sz="2000"/>
+            </a:lvl7pPr>
+            <a:lvl8pPr>
+              <a:defRPr sz="2000"/>
+            </a:lvl8pPr>
+            <a:lvl9pPr>
+              <a:defRPr sz="2000"/>
+            </a:lvl9pPr>
+          </a:lstStyle>
+          <a:p>
+            <a:pPr lvl="0"/>
+            <a:r>
+              <a:rPr lang="en-US" smtClean="0"/>
+              <a:t>Click to edit Master text styles</a:t>
+            </a:r>
+          </a:p>
+          <a:p>
+            <a:pPr lvl="1"/>
+            <a:r>
+              <a:rPr lang="en-US" smtClean="0"/>
+              <a:t>Second level</a:t>
+            </a:r>
+          </a:p>
+          <a:p>
+            <a:pPr lvl="2"/>
+            <a:r>
+              <a:rPr lang="en-US" smtClean="0"/>
+              <a:t>Third level</a:t>
+            </a:r>
+          </a:p>
+          <a:p>
+            <a:pPr lvl="3"/>
+            <a:r>
+              <a:rPr lang="en-US" smtClean="0"/>
+              <a:t>Fourth level</a:t>
+            </a:r>
+          </a:p>
+          <a:p>
+            <a:pPr lvl="4"/>
+            <a:r>
+              <a:rPr lang="en-US" smtClean="0"/>
+              <a:t>Fifth level</a:t>
+            </a:r>
+            <a:endParaRPr lang="en-US"/>
+          </a:p>
+        </p:txBody>
+      </p:sp>
+      <p:sp>
+        <p:nvSpPr>
+          <p:cNvPr id="4" name="Text Placeholder 3"/>
+          <p:cNvSpPr>
+            <a:spLocks noGrp="1"/>
+          </p:cNvSpPr>
+          <p:nvPr>
+            <p:ph type="body" sz="half" idx="2"/>
+          </p:nvPr>
+        </p:nvSpPr>
+        <p:spPr>
+          <a:xfrm>
+            <a:off x="457202" y="1435102"/>
+            <a:ext cx="3008313" cy="4691063"/>
+          </a:xfrm>
+        </p:spPr>
+        <p:txBody>
+          <a:bodyPr/>
+          <a:lstStyle>
+            <a:lvl1pPr marL="0" indent="0">
+              <a:buNone/>
+              <a:defRPr sz="1400"/>
+            </a:lvl1pPr>
+            <a:lvl2pPr marL="457200" indent="0">
+              <a:buNone/>
+              <a:defRPr sz="1200"/>
+            </a:lvl2pPr>
+            <a:lvl3pPr marL="914400" indent="0">
+              <a:buNone/>
+              <a:defRPr sz="1000"/>
+            </a:lvl3pPr>
+            <a:lvl4pPr marL="1371600" indent="0">
+              <a:buNone/>
+              <a:defRPr sz="900"/>
+            </a:lvl4pPr>
+            <a:lvl5pPr marL="1828800" indent="0">
+              <a:buNone/>
+              <a:defRPr sz="900"/>
+            </a:lvl5pPr>
+            <a:lvl6pPr marL="2286000" indent="0">
+              <a:buNone/>
+              <a:defRPr sz="900"/>
+            </a:lvl6pPr>
+            <a:lvl7pPr marL="2743200" indent="0">
+              <a:buNone/>
+              <a:defRPr sz="900"/>
+            </a:lvl7pPr>
+            <a:lvl8pPr marL="3200400" indent="0">
+              <a:buNone/>
+              <a:defRPr sz="900"/>
+            </a:lvl8pPr>
+            <a:lvl9pPr marL="3657600" indent="0">
+              <a:buNone/>
+              <a:defRPr sz="900"/>
+            </a:lvl9pPr>
+          </a:lstStyle>
+          <a:p>
+            <a:pPr lvl="0"/>
+            <a:r>
+              <a:rPr lang="en-US" smtClean="0"/>
+              <a:t>Click to edit Master text styles</a:t>
+            </a:r>
+          </a:p>
+        </p:txBody>
+      </p:sp>
+      <p:sp>
+        <p:nvSpPr>
+          <p:cNvPr id="5" name="Date Placeholder 4"/>
+          <p:cNvSpPr>
+            <a:spLocks noGrp="1"/>
+          </p:cNvSpPr>
+          <p:nvPr>
+            <p:ph type="dt" sz="half" idx="10"/>
+          </p:nvPr>
+        </p:nvSpPr>
+        <p:spPr/>
+        <p:txBody>
+          <a:bodyPr/>
+          <a:lstStyle/>
+          <a:p>
+            <a:fld id="{794CFE4B-17F2-49B1-A8CD-48A7230178BE}" type="datetimeFigureOut">
+              <a:rPr lang="en-US" smtClean="0">
+                <a:solidFill>
+                  <a:prstClr val="black">
+                    <a:tint val="75000"/>
+                  </a:prstClr>
+                </a:solidFill>
+              </a:rPr>
+              <a:pPr/>
+              <a:t>6/11/2014</a:t>
+            </a:fld>
+            <a:endParaRPr lang="en-US">
+              <a:solidFill>
+                <a:prstClr val="black">
+                  <a:tint val="75000"/>
+                </a:prstClr>
+              </a:solidFill>
+            </a:endParaRPr>
+          </a:p>
+        </p:txBody>
+      </p:sp>
+      <p:sp>
+        <p:nvSpPr>
+          <p:cNvPr id="6" name="Footer Placeholder 5"/>
+          <p:cNvSpPr>
+            <a:spLocks noGrp="1"/>
+          </p:cNvSpPr>
+          <p:nvPr>
+            <p:ph type="ftr" sz="quarter" idx="11"/>
+          </p:nvPr>
+        </p:nvSpPr>
+        <p:spPr/>
+        <p:txBody>
+          <a:bodyPr/>
+          <a:lstStyle/>
+          <a:p>
+            <a:endParaRPr lang="en-US">
+              <a:solidFill>
+                <a:prstClr val="black">
+                  <a:tint val="75000"/>
+                </a:prstClr>
+              </a:solidFill>
+            </a:endParaRPr>
+          </a:p>
+        </p:txBody>
+      </p:sp>
+      <p:sp>
+        <p:nvSpPr>
+          <p:cNvPr id="7" name="Slide Number Placeholder 6"/>
+          <p:cNvSpPr>
+            <a:spLocks noGrp="1"/>
+          </p:cNvSpPr>
+          <p:nvPr>
+            <p:ph type="sldNum" sz="quarter" idx="12"/>
+          </p:nvPr>
+        </p:nvSpPr>
+        <p:spPr/>
+        <p:txBody>
+          <a:bodyPr/>
+          <a:lstStyle/>
+          <a:p>
+            <a:fld id="{F043A558-56C3-499B-89A2-59E5853E6BB4}" type="slidenum">
+              <a:rPr lang="en-US" smtClean="0">
+                <a:solidFill>
+                  <a:prstClr val="black">
+                    <a:tint val="75000"/>
+                  </a:prstClr>
+                </a:solidFill>
+              </a:rPr>
+              <a:pPr/>
+              <a:t>‹#›</a:t>
+            </a:fld>
+            <a:endParaRPr lang="en-US">
+              <a:solidFill>
+                <a:prstClr val="black">
+                  <a:tint val="75000"/>
+                </a:prstClr>
+              </a:solidFill>
+            </a:endParaRPr>
+          </a:p>
+        </p:txBody>
+      </p:sp>
+    </p:spTree>
+    <p:extLst>
+      <p:ext uri="{BB962C8B-B14F-4D97-AF65-F5344CB8AC3E}">
+        <p14:creationId xmlns:p14="http://schemas.microsoft.com/office/powerpoint/2010/main" val="3416613223"/>
+      </p:ext>
+    </p:extLst>
+  </p:cSld>
+  <p:clrMapOvr>
+    <a:masterClrMapping/>
+  </p:clrMapOvr>
+</p:sldLayout>
+</file>
+
+<file path=ppt/slideLayouts/slideLayout31.xml><?xml version="1.0" encoding="utf-8"?>
+<p:sldLayout xmlns:a="http://schemas.openxmlformats.org/drawingml/2006/main" xmlns:r="http://schemas.openxmlformats.org/officeDocument/2006/relationships" xmlns:p="http://schemas.openxmlformats.org/presentationml/2006/main" type="picTx" preserve="1">
+  <p:cSld name="Picture with Caption">
+    <p:spTree>
+      <p:nvGrpSpPr>
+        <p:cNvPr id="1" name=""/>
+        <p:cNvGrpSpPr/>
+        <p:nvPr/>
+      </p:nvGrpSpPr>
+      <p:grpSpPr>
+        <a:xfrm>
+          <a:off x="0" y="0"/>
+          <a:ext cx="0" cy="0"/>
+          <a:chOff x="0" y="0"/>
+          <a:chExt cx="0" cy="0"/>
+        </a:xfrm>
+      </p:grpSpPr>
+      <p:sp>
+        <p:nvSpPr>
+          <p:cNvPr id="2" name="Title 1"/>
+          <p:cNvSpPr>
+            <a:spLocks noGrp="1"/>
+          </p:cNvSpPr>
+          <p:nvPr>
+            <p:ph type="title"/>
+          </p:nvPr>
+        </p:nvSpPr>
+        <p:spPr>
+          <a:xfrm>
+            <a:off x="1792288" y="4800600"/>
+            <a:ext cx="5486400" cy="566739"/>
+          </a:xfrm>
+        </p:spPr>
+        <p:txBody>
+          <a:bodyPr anchor="b"/>
+          <a:lstStyle>
+            <a:lvl1pPr algn="l">
+              <a:defRPr sz="2000" b="1"/>
+            </a:lvl1pPr>
+          </a:lstStyle>
+          <a:p>
+            <a:r>
+              <a:rPr lang="en-US" smtClean="0"/>
+              <a:t>Click to edit Master title style</a:t>
+            </a:r>
+            <a:endParaRPr lang="en-US"/>
+          </a:p>
+        </p:txBody>
+      </p:sp>
+      <p:sp>
+        <p:nvSpPr>
+          <p:cNvPr id="3" name="Picture Placeholder 2"/>
+          <p:cNvSpPr>
+            <a:spLocks noGrp="1"/>
+          </p:cNvSpPr>
+          <p:nvPr>
+            <p:ph type="pic" idx="1"/>
+          </p:nvPr>
+        </p:nvSpPr>
+        <p:spPr>
+          <a:xfrm>
+            <a:off x="1792288" y="612775"/>
+            <a:ext cx="5486400" cy="4114800"/>
+          </a:xfrm>
+        </p:spPr>
+        <p:txBody>
+          <a:bodyPr/>
+          <a:lstStyle>
+            <a:lvl1pPr marL="0" indent="0">
+              <a:buNone/>
+              <a:defRPr sz="3200"/>
+            </a:lvl1pPr>
+            <a:lvl2pPr marL="457200" indent="0">
+              <a:buNone/>
+              <a:defRPr sz="2800"/>
+            </a:lvl2pPr>
+            <a:lvl3pPr marL="914400" indent="0">
+              <a:buNone/>
+              <a:defRPr sz="2400"/>
+            </a:lvl3pPr>
+            <a:lvl4pPr marL="1371600" indent="0">
+              <a:buNone/>
+              <a:defRPr sz="2000"/>
+            </a:lvl4pPr>
+            <a:lvl5pPr marL="1828800" indent="0">
+              <a:buNone/>
+              <a:defRPr sz="2000"/>
+            </a:lvl5pPr>
+            <a:lvl6pPr marL="2286000" indent="0">
+              <a:buNone/>
+              <a:defRPr sz="2000"/>
+            </a:lvl6pPr>
+            <a:lvl7pPr marL="2743200" indent="0">
+              <a:buNone/>
+              <a:defRPr sz="2000"/>
+            </a:lvl7pPr>
+            <a:lvl8pPr marL="3200400" indent="0">
+              <a:buNone/>
+              <a:defRPr sz="2000"/>
+            </a:lvl8pPr>
+            <a:lvl9pPr marL="3657600" indent="0">
+              <a:buNone/>
+              <a:defRPr sz="2000"/>
+            </a:lvl9pPr>
+          </a:lstStyle>
+          <a:p>
+            <a:r>
+              <a:rPr lang="en-US" smtClean="0"/>
+              <a:t>Click icon to add picture</a:t>
+            </a:r>
+            <a:endParaRPr lang="en-US"/>
+          </a:p>
+        </p:txBody>
+      </p:sp>
+      <p:sp>
+        <p:nvSpPr>
+          <p:cNvPr id="4" name="Text Placeholder 3"/>
+          <p:cNvSpPr>
+            <a:spLocks noGrp="1"/>
+          </p:cNvSpPr>
+          <p:nvPr>
+            <p:ph type="body" sz="half" idx="2"/>
+          </p:nvPr>
+        </p:nvSpPr>
+        <p:spPr>
+          <a:xfrm>
+            <a:off x="1792288" y="5367338"/>
+            <a:ext cx="5486400" cy="804863"/>
+          </a:xfrm>
+        </p:spPr>
+        <p:txBody>
+          <a:bodyPr/>
+          <a:lstStyle>
+            <a:lvl1pPr marL="0" indent="0">
+              <a:buNone/>
+              <a:defRPr sz="1400"/>
+            </a:lvl1pPr>
+            <a:lvl2pPr marL="457200" indent="0">
+              <a:buNone/>
+              <a:defRPr sz="1200"/>
+            </a:lvl2pPr>
+            <a:lvl3pPr marL="914400" indent="0">
+              <a:buNone/>
+              <a:defRPr sz="1000"/>
+            </a:lvl3pPr>
+            <a:lvl4pPr marL="1371600" indent="0">
+              <a:buNone/>
+              <a:defRPr sz="900"/>
+            </a:lvl4pPr>
+            <a:lvl5pPr marL="1828800" indent="0">
+              <a:buNone/>
+              <a:defRPr sz="900"/>
+            </a:lvl5pPr>
+            <a:lvl6pPr marL="2286000" indent="0">
+              <a:buNone/>
+              <a:defRPr sz="900"/>
+            </a:lvl6pPr>
+            <a:lvl7pPr marL="2743200" indent="0">
+              <a:buNone/>
+              <a:defRPr sz="900"/>
+            </a:lvl7pPr>
+            <a:lvl8pPr marL="3200400" indent="0">
+              <a:buNone/>
+              <a:defRPr sz="900"/>
+            </a:lvl8pPr>
+            <a:lvl9pPr marL="3657600" indent="0">
+              <a:buNone/>
+              <a:defRPr sz="900"/>
+            </a:lvl9pPr>
+          </a:lstStyle>
+          <a:p>
+            <a:pPr lvl="0"/>
+            <a:r>
+              <a:rPr lang="en-US" smtClean="0"/>
+              <a:t>Click to edit Master text styles</a:t>
+            </a:r>
+          </a:p>
+        </p:txBody>
+      </p:sp>
+      <p:sp>
+        <p:nvSpPr>
+          <p:cNvPr id="5" name="Date Placeholder 4"/>
+          <p:cNvSpPr>
+            <a:spLocks noGrp="1"/>
+          </p:cNvSpPr>
+          <p:nvPr>
+            <p:ph type="dt" sz="half" idx="10"/>
+          </p:nvPr>
+        </p:nvSpPr>
+        <p:spPr/>
+        <p:txBody>
+          <a:bodyPr/>
+          <a:lstStyle/>
+          <a:p>
+            <a:fld id="{794CFE4B-17F2-49B1-A8CD-48A7230178BE}" type="datetimeFigureOut">
+              <a:rPr lang="en-US" smtClean="0">
+                <a:solidFill>
+                  <a:prstClr val="black">
+                    <a:tint val="75000"/>
+                  </a:prstClr>
+                </a:solidFill>
+              </a:rPr>
+              <a:pPr/>
+              <a:t>6/11/2014</a:t>
+            </a:fld>
+            <a:endParaRPr lang="en-US">
+              <a:solidFill>
+                <a:prstClr val="black">
+                  <a:tint val="75000"/>
+                </a:prstClr>
+              </a:solidFill>
+            </a:endParaRPr>
+          </a:p>
+        </p:txBody>
+      </p:sp>
+      <p:sp>
+        <p:nvSpPr>
+          <p:cNvPr id="6" name="Footer Placeholder 5"/>
+          <p:cNvSpPr>
+            <a:spLocks noGrp="1"/>
+          </p:cNvSpPr>
+          <p:nvPr>
+            <p:ph type="ftr" sz="quarter" idx="11"/>
+          </p:nvPr>
+        </p:nvSpPr>
+        <p:spPr/>
+        <p:txBody>
+          <a:bodyPr/>
+          <a:lstStyle/>
+          <a:p>
+            <a:endParaRPr lang="en-US">
+              <a:solidFill>
+                <a:prstClr val="black">
+                  <a:tint val="75000"/>
+                </a:prstClr>
+              </a:solidFill>
+            </a:endParaRPr>
+          </a:p>
+        </p:txBody>
+      </p:sp>
+      <p:sp>
+        <p:nvSpPr>
+          <p:cNvPr id="7" name="Slide Number Placeholder 6"/>
+          <p:cNvSpPr>
+            <a:spLocks noGrp="1"/>
+          </p:cNvSpPr>
+          <p:nvPr>
+            <p:ph type="sldNum" sz="quarter" idx="12"/>
+          </p:nvPr>
+        </p:nvSpPr>
+        <p:spPr/>
+        <p:txBody>
+          <a:bodyPr/>
+          <a:lstStyle/>
+          <a:p>
+            <a:fld id="{F043A558-56C3-499B-89A2-59E5853E6BB4}" type="slidenum">
+              <a:rPr lang="en-US" smtClean="0">
+                <a:solidFill>
+                  <a:prstClr val="black">
+                    <a:tint val="75000"/>
+                  </a:prstClr>
+                </a:solidFill>
+              </a:rPr>
+              <a:pPr/>
+              <a:t>‹#›</a:t>
+            </a:fld>
+            <a:endParaRPr lang="en-US">
+              <a:solidFill>
+                <a:prstClr val="black">
+                  <a:tint val="75000"/>
+                </a:prstClr>
+              </a:solidFill>
+            </a:endParaRPr>
+          </a:p>
+        </p:txBody>
+      </p:sp>
+    </p:spTree>
+    <p:extLst>
+      <p:ext uri="{BB962C8B-B14F-4D97-AF65-F5344CB8AC3E}">
+        <p14:creationId xmlns:p14="http://schemas.microsoft.com/office/powerpoint/2010/main" val="118583319"/>
+      </p:ext>
+    </p:extLst>
+  </p:cSld>
+  <p:clrMapOvr>
+    <a:masterClrMapping/>
+  </p:clrMapOvr>
+</p:sldLayout>
+</file>
+
+<file path=ppt/slideLayouts/slideLayout32.xml><?xml version="1.0" encoding="utf-8"?>
+<p:sldLayout xmlns:a="http://schemas.openxmlformats.org/drawingml/2006/main" xmlns:r="http://schemas.openxmlformats.org/officeDocument/2006/relationships" xmlns:p="http://schemas.openxmlformats.org/presentationml/2006/main" type="vertTx" preserve="1">
+  <p:cSld name="Title and Vertical Text">
+    <p:spTree>
+      <p:nvGrpSpPr>
+        <p:cNvPr id="1" name=""/>
+        <p:cNvGrpSpPr/>
+        <p:nvPr/>
+      </p:nvGrpSpPr>
+      <p:grpSpPr>
+        <a:xfrm>
+          <a:off x="0" y="0"/>
+          <a:ext cx="0" cy="0"/>
+          <a:chOff x="0" y="0"/>
+          <a:chExt cx="0" cy="0"/>
+        </a:xfrm>
+      </p:grpSpPr>
+      <p:sp>
+        <p:nvSpPr>
+          <p:cNvPr id="2" name="Title 1"/>
+          <p:cNvSpPr>
+            <a:spLocks noGrp="1"/>
+          </p:cNvSpPr>
+          <p:nvPr>
+            <p:ph type="title"/>
+          </p:nvPr>
+        </p:nvSpPr>
+        <p:spPr/>
+        <p:txBody>
+          <a:bodyPr/>
+          <a:lstStyle/>
+          <a:p>
+            <a:r>
+              <a:rPr lang="en-US" smtClean="0"/>
+              <a:t>Click to edit Master title style</a:t>
+            </a:r>
+            <a:endParaRPr lang="en-US"/>
+          </a:p>
+        </p:txBody>
+      </p:sp>
+      <p:sp>
+        <p:nvSpPr>
+          <p:cNvPr id="3" name="Vertical Text Placeholder 2"/>
+          <p:cNvSpPr>
+            <a:spLocks noGrp="1"/>
+          </p:cNvSpPr>
+          <p:nvPr>
+            <p:ph type="body" orient="vert" idx="1"/>
+          </p:nvPr>
+        </p:nvSpPr>
+        <p:spPr/>
+        <p:txBody>
+          <a:bodyPr vert="eaVert"/>
+          <a:lstStyle/>
+          <a:p>
+            <a:pPr lvl="0"/>
+            <a:r>
+              <a:rPr lang="en-US" smtClean="0"/>
+              <a:t>Click to edit Master text styles</a:t>
+            </a:r>
+          </a:p>
+          <a:p>
+            <a:pPr lvl="1"/>
+            <a:r>
+              <a:rPr lang="en-US" smtClean="0"/>
+              <a:t>Second level</a:t>
+            </a:r>
+          </a:p>
+          <a:p>
+            <a:pPr lvl="2"/>
+            <a:r>
+              <a:rPr lang="en-US" smtClean="0"/>
+              <a:t>Third level</a:t>
+            </a:r>
+          </a:p>
+          <a:p>
+            <a:pPr lvl="3"/>
+            <a:r>
+              <a:rPr lang="en-US" smtClean="0"/>
+              <a:t>Fourth level</a:t>
+            </a:r>
+          </a:p>
+          <a:p>
+            <a:pPr lvl="4"/>
+            <a:r>
+              <a:rPr lang="en-US" smtClean="0"/>
+              <a:t>Fifth level</a:t>
+            </a:r>
+            <a:endParaRPr lang="en-US"/>
+          </a:p>
+        </p:txBody>
+      </p:sp>
+      <p:sp>
+        <p:nvSpPr>
+          <p:cNvPr id="4" name="Date Placeholder 3"/>
+          <p:cNvSpPr>
+            <a:spLocks noGrp="1"/>
+          </p:cNvSpPr>
+          <p:nvPr>
+            <p:ph type="dt" sz="half" idx="10"/>
+          </p:nvPr>
+        </p:nvSpPr>
+        <p:spPr/>
+        <p:txBody>
+          <a:bodyPr/>
+          <a:lstStyle/>
+          <a:p>
+            <a:fld id="{794CFE4B-17F2-49B1-A8CD-48A7230178BE}" type="datetimeFigureOut">
+              <a:rPr lang="en-US" smtClean="0">
+                <a:solidFill>
+                  <a:prstClr val="black">
+                    <a:tint val="75000"/>
+                  </a:prstClr>
+                </a:solidFill>
+              </a:rPr>
+              <a:pPr/>
+              <a:t>6/11/2014</a:t>
+            </a:fld>
+            <a:endParaRPr lang="en-US">
+              <a:solidFill>
+                <a:prstClr val="black">
+                  <a:tint val="75000"/>
+                </a:prstClr>
+              </a:solidFill>
+            </a:endParaRPr>
+          </a:p>
+        </p:txBody>
+      </p:sp>
+      <p:sp>
+        <p:nvSpPr>
+          <p:cNvPr id="5" name="Footer Placeholder 4"/>
+          <p:cNvSpPr>
+            <a:spLocks noGrp="1"/>
+          </p:cNvSpPr>
+          <p:nvPr>
+            <p:ph type="ftr" sz="quarter" idx="11"/>
+          </p:nvPr>
+        </p:nvSpPr>
+        <p:spPr/>
+        <p:txBody>
+          <a:bodyPr/>
+          <a:lstStyle/>
+          <a:p>
+            <a:endParaRPr lang="en-US">
+              <a:solidFill>
+                <a:prstClr val="black">
+                  <a:tint val="75000"/>
+                </a:prstClr>
+              </a:solidFill>
+            </a:endParaRPr>
+          </a:p>
+        </p:txBody>
+      </p:sp>
+      <p:sp>
+        <p:nvSpPr>
+          <p:cNvPr id="6" name="Slide Number Placeholder 5"/>
+          <p:cNvSpPr>
+            <a:spLocks noGrp="1"/>
+          </p:cNvSpPr>
+          <p:nvPr>
+            <p:ph type="sldNum" sz="quarter" idx="12"/>
+          </p:nvPr>
+        </p:nvSpPr>
+        <p:spPr/>
+        <p:txBody>
+          <a:bodyPr/>
+          <a:lstStyle/>
+          <a:p>
+            <a:fld id="{F043A558-56C3-499B-89A2-59E5853E6BB4}" type="slidenum">
+              <a:rPr lang="en-US" smtClean="0">
+                <a:solidFill>
+                  <a:prstClr val="black">
+                    <a:tint val="75000"/>
+                  </a:prstClr>
+                </a:solidFill>
+              </a:rPr>
+              <a:pPr/>
+              <a:t>‹#›</a:t>
+            </a:fld>
+            <a:endParaRPr lang="en-US">
+              <a:solidFill>
+                <a:prstClr val="black">
+                  <a:tint val="75000"/>
+                </a:prstClr>
+              </a:solidFill>
+            </a:endParaRPr>
+          </a:p>
+        </p:txBody>
+      </p:sp>
+    </p:spTree>
+    <p:extLst>
+      <p:ext uri="{BB962C8B-B14F-4D97-AF65-F5344CB8AC3E}">
+        <p14:creationId xmlns:p14="http://schemas.microsoft.com/office/powerpoint/2010/main" val="4086050904"/>
+      </p:ext>
+    </p:extLst>
+  </p:cSld>
+  <p:clrMapOvr>
+    <a:masterClrMapping/>
+  </p:clrMapOvr>
+</p:sldLayout>
+</file>
+
+<file path=ppt/slideLayouts/slideLayout33.xml><?xml version="1.0" encoding="utf-8"?>
+<p:sldLayout xmlns:a="http://schemas.openxmlformats.org/drawingml/2006/main" xmlns:r="http://schemas.openxmlformats.org/officeDocument/2006/relationships" xmlns:p="http://schemas.openxmlformats.org/presentationml/2006/main" type="vertTitleAndTx" preserve="1">
+  <p:cSld name="Vertical Title and Text">
+    <p:spTree>
+      <p:nvGrpSpPr>
+        <p:cNvPr id="1" name=""/>
+        <p:cNvGrpSpPr/>
+        <p:nvPr/>
+      </p:nvGrpSpPr>
+      <p:grpSpPr>
+        <a:xfrm>
+          <a:off x="0" y="0"/>
+          <a:ext cx="0" cy="0"/>
+          <a:chOff x="0" y="0"/>
+          <a:chExt cx="0" cy="0"/>
+        </a:xfrm>
+      </p:grpSpPr>
+      <p:sp>
+        <p:nvSpPr>
+          <p:cNvPr id="2" name="Vertical Title 1"/>
+          <p:cNvSpPr>
+            <a:spLocks noGrp="1"/>
+          </p:cNvSpPr>
+          <p:nvPr>
+            <p:ph type="title" orient="vert"/>
+          </p:nvPr>
+        </p:nvSpPr>
+        <p:spPr>
+          <a:xfrm>
+            <a:off x="6629400" y="274639"/>
+            <a:ext cx="2057400" cy="5851525"/>
+          </a:xfrm>
+        </p:spPr>
+        <p:txBody>
+          <a:bodyPr vert="eaVert"/>
+          <a:lstStyle/>
+          <a:p>
+            <a:r>
+              <a:rPr lang="en-US" smtClean="0"/>
+              <a:t>Click to edit Master title style</a:t>
+            </a:r>
+            <a:endParaRPr lang="en-US"/>
+          </a:p>
+        </p:txBody>
+      </p:sp>
+      <p:sp>
+        <p:nvSpPr>
+          <p:cNvPr id="3" name="Vertical Text Placeholder 2"/>
+          <p:cNvSpPr>
+            <a:spLocks noGrp="1"/>
+          </p:cNvSpPr>
+          <p:nvPr>
+            <p:ph type="body" orient="vert" idx="1"/>
+          </p:nvPr>
+        </p:nvSpPr>
+        <p:spPr>
+          <a:xfrm>
+            <a:off x="457200" y="274639"/>
+            <a:ext cx="6019800" cy="5851525"/>
+          </a:xfrm>
+        </p:spPr>
+        <p:txBody>
+          <a:bodyPr vert="eaVert"/>
+          <a:lstStyle/>
+          <a:p>
+            <a:pPr lvl="0"/>
+            <a:r>
+              <a:rPr lang="en-US" smtClean="0"/>
+              <a:t>Click to edit Master text styles</a:t>
+            </a:r>
+          </a:p>
+          <a:p>
+            <a:pPr lvl="1"/>
+            <a:r>
+              <a:rPr lang="en-US" smtClean="0"/>
+              <a:t>Second level</a:t>
+            </a:r>
+          </a:p>
+          <a:p>
+            <a:pPr lvl="2"/>
+            <a:r>
+              <a:rPr lang="en-US" smtClean="0"/>
+              <a:t>Third level</a:t>
+            </a:r>
+          </a:p>
+          <a:p>
+            <a:pPr lvl="3"/>
+            <a:r>
+              <a:rPr lang="en-US" smtClean="0"/>
+              <a:t>Fourth level</a:t>
+            </a:r>
+          </a:p>
+          <a:p>
+            <a:pPr lvl="4"/>
+            <a:r>
+              <a:rPr lang="en-US" smtClean="0"/>
+              <a:t>Fifth level</a:t>
+            </a:r>
+            <a:endParaRPr lang="en-US"/>
+          </a:p>
+        </p:txBody>
+      </p:sp>
+      <p:sp>
+        <p:nvSpPr>
+          <p:cNvPr id="4" name="Date Placeholder 3"/>
+          <p:cNvSpPr>
+            <a:spLocks noGrp="1"/>
+          </p:cNvSpPr>
+          <p:nvPr>
+            <p:ph type="dt" sz="half" idx="10"/>
+          </p:nvPr>
+        </p:nvSpPr>
+        <p:spPr/>
+        <p:txBody>
+          <a:bodyPr/>
+          <a:lstStyle/>
+          <a:p>
+            <a:fld id="{794CFE4B-17F2-49B1-A8CD-48A7230178BE}" type="datetimeFigureOut">
+              <a:rPr lang="en-US" smtClean="0">
+                <a:solidFill>
+                  <a:prstClr val="black">
+                    <a:tint val="75000"/>
+                  </a:prstClr>
+                </a:solidFill>
+              </a:rPr>
+              <a:pPr/>
+              <a:t>6/11/2014</a:t>
+            </a:fld>
+            <a:endParaRPr lang="en-US">
+              <a:solidFill>
+                <a:prstClr val="black">
+                  <a:tint val="75000"/>
+                </a:prstClr>
+              </a:solidFill>
+            </a:endParaRPr>
+          </a:p>
+        </p:txBody>
+      </p:sp>
+      <p:sp>
+        <p:nvSpPr>
+          <p:cNvPr id="5" name="Footer Placeholder 4"/>
+          <p:cNvSpPr>
+            <a:spLocks noGrp="1"/>
+          </p:cNvSpPr>
+          <p:nvPr>
+            <p:ph type="ftr" sz="quarter" idx="11"/>
+          </p:nvPr>
+        </p:nvSpPr>
+        <p:spPr/>
+        <p:txBody>
+          <a:bodyPr/>
+          <a:lstStyle/>
+          <a:p>
+            <a:endParaRPr lang="en-US">
+              <a:solidFill>
+                <a:prstClr val="black">
+                  <a:tint val="75000"/>
+                </a:prstClr>
+              </a:solidFill>
+            </a:endParaRPr>
+          </a:p>
+        </p:txBody>
+      </p:sp>
+      <p:sp>
+        <p:nvSpPr>
+          <p:cNvPr id="6" name="Slide Number Placeholder 5"/>
+          <p:cNvSpPr>
+            <a:spLocks noGrp="1"/>
+          </p:cNvSpPr>
+          <p:nvPr>
+            <p:ph type="sldNum" sz="quarter" idx="12"/>
+          </p:nvPr>
+        </p:nvSpPr>
+        <p:spPr/>
+        <p:txBody>
+          <a:bodyPr/>
+          <a:lstStyle/>
+          <a:p>
+            <a:fld id="{F043A558-56C3-499B-89A2-59E5853E6BB4}" type="slidenum">
+              <a:rPr lang="en-US" smtClean="0">
+                <a:solidFill>
+                  <a:prstClr val="black">
+                    <a:tint val="75000"/>
+                  </a:prstClr>
+                </a:solidFill>
+              </a:rPr>
+              <a:pPr/>
+              <a:t>‹#›</a:t>
+            </a:fld>
+            <a:endParaRPr lang="en-US">
+              <a:solidFill>
+                <a:prstClr val="black">
+                  <a:tint val="75000"/>
+                </a:prstClr>
+              </a:solidFill>
+            </a:endParaRPr>
+          </a:p>
+        </p:txBody>
+      </p:sp>
+    </p:spTree>
+    <p:extLst>
+      <p:ext uri="{BB962C8B-B14F-4D97-AF65-F5344CB8AC3E}">
+        <p14:creationId xmlns:p14="http://schemas.microsoft.com/office/powerpoint/2010/main" val="3737532011"/>
+      </p:ext>
+    </p:extLst>
+  </p:cSld>
+  <p:clrMapOvr>
+    <a:masterClrMapping/>
+  </p:clrMapOvr>
+</p:sldLayout>
+</file>
+
+<file path=ppt/slideLayouts/slideLayout34.xml><?xml version="1.0" encoding="utf-8"?>
+<p:sldLayout xmlns:a="http://schemas.openxmlformats.org/drawingml/2006/main" xmlns:r="http://schemas.openxmlformats.org/officeDocument/2006/relationships" xmlns:p="http://schemas.openxmlformats.org/presentationml/2006/main" userDrawn="1">
+  <p:cSld name="1_Title and Content">
+    <p:spTree>
+      <p:nvGrpSpPr>
+        <p:cNvPr id="1" name=""/>
+        <p:cNvGrpSpPr/>
+        <p:nvPr/>
+      </p:nvGrpSpPr>
+      <p:grpSpPr>
+        <a:xfrm>
+          <a:off x="0" y="0"/>
+          <a:ext cx="0" cy="0"/>
+          <a:chOff x="0" y="0"/>
+          <a:chExt cx="0" cy="0"/>
+        </a:xfrm>
+      </p:grpSpPr>
+    </p:spTree>
+    <p:extLst>
+      <p:ext uri="{BB962C8B-B14F-4D97-AF65-F5344CB8AC3E}">
+        <p14:creationId xmlns:p14="http://schemas.microsoft.com/office/powerpoint/2010/main" val="3525261235"/>
+      </p:ext>
+    </p:extLst>
+  </p:cSld>
+  <p:clrMapOvr>
+    <a:masterClrMapping/>
+  </p:clrMapOvr>
+  <p:timing>
+    <p:tnLst>
+      <p:par>
+        <p:cTn id="1" dur="indefinite" restart="never" nodeType="tmRoot"/>
+      </p:par>
+    </p:tnLst>
+  </p:timing>
 </p:sldLayout>
 </file>
 
@@ -4088,7 +6961,7 @@
           <a:p>
             <a:fld id="{8C7AF26E-D0F3-4468-93EA-77672DBAB186}" type="datetimeFigureOut">
               <a:rPr lang="zh-CN" altLang="en-US" smtClean="0"/>
-              <a:t>2014/5/20</a:t>
+              <a:t>2014/6/11</a:t>
             </a:fld>
             <a:endParaRPr lang="zh-CN" altLang="en-US"/>
           </a:p>
@@ -4455,7 +7328,7 @@
           <a:p>
             <a:fld id="{8C7AF26E-D0F3-4468-93EA-77672DBAB186}" type="datetimeFigureOut">
               <a:rPr lang="zh-CN" altLang="en-US" smtClean="0"/>
-              <a:t>2014/5/20</a:t>
+              <a:t>2014/6/11</a:t>
             </a:fld>
             <a:endParaRPr lang="zh-CN" altLang="en-US"/>
           </a:p>
@@ -4573,7 +7446,7 @@
           <a:p>
             <a:fld id="{8C7AF26E-D0F3-4468-93EA-77672DBAB186}" type="datetimeFigureOut">
               <a:rPr lang="zh-CN" altLang="en-US" smtClean="0"/>
-              <a:t>2014/5/20</a:t>
+              <a:t>2014/6/11</a:t>
             </a:fld>
             <a:endParaRPr lang="zh-CN" altLang="en-US"/>
           </a:p>
@@ -4668,7 +7541,7 @@
           <a:p>
             <a:fld id="{8C7AF26E-D0F3-4468-93EA-77672DBAB186}" type="datetimeFigureOut">
               <a:rPr lang="zh-CN" altLang="en-US" smtClean="0"/>
-              <a:t>2014/5/20</a:t>
+              <a:t>2014/6/11</a:t>
             </a:fld>
             <a:endParaRPr lang="zh-CN" altLang="en-US"/>
           </a:p>
@@ -4945,7 +7818,7 @@
           <a:p>
             <a:fld id="{8C7AF26E-D0F3-4468-93EA-77672DBAB186}" type="datetimeFigureOut">
               <a:rPr lang="zh-CN" altLang="en-US" smtClean="0"/>
-              <a:t>2014/5/20</a:t>
+              <a:t>2014/6/11</a:t>
             </a:fld>
             <a:endParaRPr lang="zh-CN" altLang="en-US"/>
           </a:p>
@@ -5202,7 +8075,7 @@
           <a:p>
             <a:fld id="{8C7AF26E-D0F3-4468-93EA-77672DBAB186}" type="datetimeFigureOut">
               <a:rPr lang="zh-CN" altLang="en-US" smtClean="0"/>
-              <a:t>2014/5/20</a:t>
+              <a:t>2014/6/11</a:t>
             </a:fld>
             <a:endParaRPr lang="zh-CN" altLang="en-US"/>
           </a:p>
@@ -5415,7 +8288,7 @@
           <a:p>
             <a:fld id="{8C7AF26E-D0F3-4468-93EA-77672DBAB186}" type="datetimeFigureOut">
               <a:rPr lang="zh-CN" altLang="en-US" smtClean="0"/>
-              <a:t>2014/5/20</a:t>
+              <a:t>2014/6/11</a:t>
             </a:fld>
             <a:endParaRPr lang="zh-CN" altLang="en-US"/>
           </a:p>
@@ -5962,7 +8835,7 @@
                 </a:solidFill>
               </a:rPr>
               <a:pPr/>
-              <a:t>5/20/2014</a:t>
+              <a:t>6/11/2014</a:t>
             </a:fld>
             <a:endParaRPr lang="en-US">
               <a:solidFill>
@@ -6129,6 +9002,594 @@
     <p:sldLayoutId id="2147483681" r:id="rId9"/>
     <p:sldLayoutId id="2147483682" r:id="rId10"/>
     <p:sldLayoutId id="2147483683" r:id="rId11"/>
+  </p:sldLayoutIdLst>
+  <p:timing>
+    <p:tnLst>
+      <p:par>
+        <p:cTn id="1" dur="indefinite" restart="never" nodeType="tmRoot"/>
+      </p:par>
+    </p:tnLst>
+  </p:timing>
+  <p:txStyles>
+    <p:titleStyle>
+      <a:lvl1pPr algn="ctr" defTabSz="914400" rtl="0" eaLnBrk="1" latinLnBrk="0" hangingPunct="1">
+        <a:spcBef>
+          <a:spcPct val="0"/>
+        </a:spcBef>
+        <a:buNone/>
+        <a:defRPr sz="4400" kern="1200">
+          <a:solidFill>
+            <a:schemeClr val="tx1"/>
+          </a:solidFill>
+          <a:latin typeface="+mj-lt"/>
+          <a:ea typeface="+mj-ea"/>
+          <a:cs typeface="+mj-cs"/>
+        </a:defRPr>
+      </a:lvl1pPr>
+    </p:titleStyle>
+    <p:bodyStyle>
+      <a:lvl1pPr marL="342900" indent="-342900" algn="l" defTabSz="914400" rtl="0" eaLnBrk="1" latinLnBrk="0" hangingPunct="1">
+        <a:spcBef>
+          <a:spcPct val="20000"/>
+        </a:spcBef>
+        <a:buFont typeface="Arial" pitchFamily="34" charset="0"/>
+        <a:buChar char="•"/>
+        <a:defRPr sz="3200" kern="1200">
+          <a:solidFill>
+            <a:schemeClr val="tx1"/>
+          </a:solidFill>
+          <a:latin typeface="+mn-lt"/>
+          <a:ea typeface="+mn-ea"/>
+          <a:cs typeface="+mn-cs"/>
+        </a:defRPr>
+      </a:lvl1pPr>
+      <a:lvl2pPr marL="742950" indent="-285750" algn="l" defTabSz="914400" rtl="0" eaLnBrk="1" latinLnBrk="0" hangingPunct="1">
+        <a:spcBef>
+          <a:spcPct val="20000"/>
+        </a:spcBef>
+        <a:buFont typeface="Arial" pitchFamily="34" charset="0"/>
+        <a:buChar char="–"/>
+        <a:defRPr sz="2800" kern="1200">
+          <a:solidFill>
+            <a:schemeClr val="tx1"/>
+          </a:solidFill>
+          <a:latin typeface="+mn-lt"/>
+          <a:ea typeface="+mn-ea"/>
+          <a:cs typeface="+mn-cs"/>
+        </a:defRPr>
+      </a:lvl2pPr>
+      <a:lvl3pPr marL="1143000" indent="-228600" algn="l" defTabSz="914400" rtl="0" eaLnBrk="1" latinLnBrk="0" hangingPunct="1">
+        <a:spcBef>
+          <a:spcPct val="20000"/>
+        </a:spcBef>
+        <a:buFont typeface="Arial" pitchFamily="34" charset="0"/>
+        <a:buChar char="•"/>
+        <a:defRPr sz="2400" kern="1200">
+          <a:solidFill>
+            <a:schemeClr val="tx1"/>
+          </a:solidFill>
+          <a:latin typeface="+mn-lt"/>
+          <a:ea typeface="+mn-ea"/>
+          <a:cs typeface="+mn-cs"/>
+        </a:defRPr>
+      </a:lvl3pPr>
+      <a:lvl4pPr marL="1600200" indent="-228600" algn="l" defTabSz="914400" rtl="0" eaLnBrk="1" latinLnBrk="0" hangingPunct="1">
+        <a:spcBef>
+          <a:spcPct val="20000"/>
+        </a:spcBef>
+        <a:buFont typeface="Arial" pitchFamily="34" charset="0"/>
+        <a:buChar char="–"/>
+        <a:defRPr sz="2000" kern="1200">
+          <a:solidFill>
+            <a:schemeClr val="tx1"/>
+          </a:solidFill>
+          <a:latin typeface="+mn-lt"/>
+          <a:ea typeface="+mn-ea"/>
+          <a:cs typeface="+mn-cs"/>
+        </a:defRPr>
+      </a:lvl4pPr>
+      <a:lvl5pPr marL="2057400" indent="-228600" algn="l" defTabSz="914400" rtl="0" eaLnBrk="1" latinLnBrk="0" hangingPunct="1">
+        <a:spcBef>
+          <a:spcPct val="20000"/>
+        </a:spcBef>
+        <a:buFont typeface="Arial" pitchFamily="34" charset="0"/>
+        <a:buChar char="»"/>
+        <a:defRPr sz="2000" kern="1200">
+          <a:solidFill>
+            <a:schemeClr val="tx1"/>
+          </a:solidFill>
+          <a:latin typeface="+mn-lt"/>
+          <a:ea typeface="+mn-ea"/>
+          <a:cs typeface="+mn-cs"/>
+        </a:defRPr>
+      </a:lvl5pPr>
+      <a:lvl6pPr marL="2514600" indent="-228600" algn="l" defTabSz="914400" rtl="0" eaLnBrk="1" latinLnBrk="0" hangingPunct="1">
+        <a:spcBef>
+          <a:spcPct val="20000"/>
+        </a:spcBef>
+        <a:buFont typeface="Arial" pitchFamily="34" charset="0"/>
+        <a:buChar char="•"/>
+        <a:defRPr sz="2000" kern="1200">
+          <a:solidFill>
+            <a:schemeClr val="tx1"/>
+          </a:solidFill>
+          <a:latin typeface="+mn-lt"/>
+          <a:ea typeface="+mn-ea"/>
+          <a:cs typeface="+mn-cs"/>
+        </a:defRPr>
+      </a:lvl6pPr>
+      <a:lvl7pPr marL="2971800" indent="-228600" algn="l" defTabSz="914400" rtl="0" eaLnBrk="1" latinLnBrk="0" hangingPunct="1">
+        <a:spcBef>
+          <a:spcPct val="20000"/>
+        </a:spcBef>
+        <a:buFont typeface="Arial" pitchFamily="34" charset="0"/>
+        <a:buChar char="•"/>
+        <a:defRPr sz="2000" kern="1200">
+          <a:solidFill>
+            <a:schemeClr val="tx1"/>
+          </a:solidFill>
+          <a:latin typeface="+mn-lt"/>
+          <a:ea typeface="+mn-ea"/>
+          <a:cs typeface="+mn-cs"/>
+        </a:defRPr>
+      </a:lvl7pPr>
+      <a:lvl8pPr marL="3429000" indent="-228600" algn="l" defTabSz="914400" rtl="0" eaLnBrk="1" latinLnBrk="0" hangingPunct="1">
+        <a:spcBef>
+          <a:spcPct val="20000"/>
+        </a:spcBef>
+        <a:buFont typeface="Arial" pitchFamily="34" charset="0"/>
+        <a:buChar char="•"/>
+        <a:defRPr sz="2000" kern="1200">
+          <a:solidFill>
+            <a:schemeClr val="tx1"/>
+          </a:solidFill>
+          <a:latin typeface="+mn-lt"/>
+          <a:ea typeface="+mn-ea"/>
+          <a:cs typeface="+mn-cs"/>
+        </a:defRPr>
+      </a:lvl8pPr>
+      <a:lvl9pPr marL="3886200" indent="-228600" algn="l" defTabSz="914400" rtl="0" eaLnBrk="1" latinLnBrk="0" hangingPunct="1">
+        <a:spcBef>
+          <a:spcPct val="20000"/>
+        </a:spcBef>
+        <a:buFont typeface="Arial" pitchFamily="34" charset="0"/>
+        <a:buChar char="•"/>
+        <a:defRPr sz="2000" kern="1200">
+          <a:solidFill>
+            <a:schemeClr val="tx1"/>
+          </a:solidFill>
+          <a:latin typeface="+mn-lt"/>
+          <a:ea typeface="+mn-ea"/>
+          <a:cs typeface="+mn-cs"/>
+        </a:defRPr>
+      </a:lvl9pPr>
+    </p:bodyStyle>
+    <p:otherStyle>
+      <a:defPPr>
+        <a:defRPr lang="en-US"/>
+      </a:defPPr>
+      <a:lvl1pPr marL="0" algn="l" defTabSz="914400" rtl="0" eaLnBrk="1" latinLnBrk="0" hangingPunct="1">
+        <a:defRPr sz="1800" kern="1200">
+          <a:solidFill>
+            <a:schemeClr val="tx1"/>
+          </a:solidFill>
+          <a:latin typeface="+mn-lt"/>
+          <a:ea typeface="+mn-ea"/>
+          <a:cs typeface="+mn-cs"/>
+        </a:defRPr>
+      </a:lvl1pPr>
+      <a:lvl2pPr marL="457200" algn="l" defTabSz="914400" rtl="0" eaLnBrk="1" latinLnBrk="0" hangingPunct="1">
+        <a:defRPr sz="1800" kern="1200">
+          <a:solidFill>
+            <a:schemeClr val="tx1"/>
+          </a:solidFill>
+          <a:latin typeface="+mn-lt"/>
+          <a:ea typeface="+mn-ea"/>
+          <a:cs typeface="+mn-cs"/>
+        </a:defRPr>
+      </a:lvl2pPr>
+      <a:lvl3pPr marL="914400" algn="l" defTabSz="914400" rtl="0" eaLnBrk="1" latinLnBrk="0" hangingPunct="1">
+        <a:defRPr sz="1800" kern="1200">
+          <a:solidFill>
+            <a:schemeClr val="tx1"/>
+          </a:solidFill>
+          <a:latin typeface="+mn-lt"/>
+          <a:ea typeface="+mn-ea"/>
+          <a:cs typeface="+mn-cs"/>
+        </a:defRPr>
+      </a:lvl3pPr>
+      <a:lvl4pPr marL="1371600" algn="l" defTabSz="914400" rtl="0" eaLnBrk="1" latinLnBrk="0" hangingPunct="1">
+        <a:defRPr sz="1800" kern="1200">
+          <a:solidFill>
+            <a:schemeClr val="tx1"/>
+          </a:solidFill>
+          <a:latin typeface="+mn-lt"/>
+          <a:ea typeface="+mn-ea"/>
+          <a:cs typeface="+mn-cs"/>
+        </a:defRPr>
+      </a:lvl4pPr>
+      <a:lvl5pPr marL="1828800" algn="l" defTabSz="914400" rtl="0" eaLnBrk="1" latinLnBrk="0" hangingPunct="1">
+        <a:defRPr sz="1800" kern="1200">
+          <a:solidFill>
+            <a:schemeClr val="tx1"/>
+          </a:solidFill>
+          <a:latin typeface="+mn-lt"/>
+          <a:ea typeface="+mn-ea"/>
+          <a:cs typeface="+mn-cs"/>
+        </a:defRPr>
+      </a:lvl5pPr>
+      <a:lvl6pPr marL="2286000" algn="l" defTabSz="914400" rtl="0" eaLnBrk="1" latinLnBrk="0" hangingPunct="1">
+        <a:defRPr sz="1800" kern="1200">
+          <a:solidFill>
+            <a:schemeClr val="tx1"/>
+          </a:solidFill>
+          <a:latin typeface="+mn-lt"/>
+          <a:ea typeface="+mn-ea"/>
+          <a:cs typeface="+mn-cs"/>
+        </a:defRPr>
+      </a:lvl6pPr>
+      <a:lvl7pPr marL="2743200" algn="l" defTabSz="914400" rtl="0" eaLnBrk="1" latinLnBrk="0" hangingPunct="1">
+        <a:defRPr sz="1800" kern="1200">
+          <a:solidFill>
+            <a:schemeClr val="tx1"/>
+          </a:solidFill>
+          <a:latin typeface="+mn-lt"/>
+          <a:ea typeface="+mn-ea"/>
+          <a:cs typeface="+mn-cs"/>
+        </a:defRPr>
+      </a:lvl7pPr>
+      <a:lvl8pPr marL="3200400" algn="l" defTabSz="914400" rtl="0" eaLnBrk="1" latinLnBrk="0" hangingPunct="1">
+        <a:defRPr sz="1800" kern="1200">
+          <a:solidFill>
+            <a:schemeClr val="tx1"/>
+          </a:solidFill>
+          <a:latin typeface="+mn-lt"/>
+          <a:ea typeface="+mn-ea"/>
+          <a:cs typeface="+mn-cs"/>
+        </a:defRPr>
+      </a:lvl8pPr>
+      <a:lvl9pPr marL="3657600" algn="l" defTabSz="914400" rtl="0" eaLnBrk="1" latinLnBrk="0" hangingPunct="1">
+        <a:defRPr sz="1800" kern="1200">
+          <a:solidFill>
+            <a:schemeClr val="tx1"/>
+          </a:solidFill>
+          <a:latin typeface="+mn-lt"/>
+          <a:ea typeface="+mn-ea"/>
+          <a:cs typeface="+mn-cs"/>
+        </a:defRPr>
+      </a:lvl9pPr>
+    </p:otherStyle>
+  </p:txStyles>
+</p:sldMaster>
+</file>
+
+<file path=ppt/slideMasters/slideMaster3.xml><?xml version="1.0" encoding="utf-8"?>
+<p:sldMaster xmlns:a="http://schemas.openxmlformats.org/drawingml/2006/main" xmlns:r="http://schemas.openxmlformats.org/officeDocument/2006/relationships" xmlns:p="http://schemas.openxmlformats.org/presentationml/2006/main" preserve="1">
+  <p:cSld>
+    <p:bg>
+      <p:bgRef idx="1001">
+        <a:schemeClr val="bg1"/>
+      </p:bgRef>
+    </p:bg>
+    <p:spTree>
+      <p:nvGrpSpPr>
+        <p:cNvPr id="1" name=""/>
+        <p:cNvGrpSpPr/>
+        <p:nvPr/>
+      </p:nvGrpSpPr>
+      <p:grpSpPr>
+        <a:xfrm>
+          <a:off x="0" y="0"/>
+          <a:ext cx="0" cy="0"/>
+          <a:chOff x="0" y="0"/>
+          <a:chExt cx="0" cy="0"/>
+        </a:xfrm>
+      </p:grpSpPr>
+      <p:sp>
+        <p:nvSpPr>
+          <p:cNvPr id="2" name="Title Placeholder 1"/>
+          <p:cNvSpPr>
+            <a:spLocks noGrp="1"/>
+          </p:cNvSpPr>
+          <p:nvPr>
+            <p:ph type="title"/>
+          </p:nvPr>
+        </p:nvSpPr>
+        <p:spPr>
+          <a:xfrm>
+            <a:off x="457200" y="274639"/>
+            <a:ext cx="8229600" cy="1143000"/>
+          </a:xfrm>
+          <a:prstGeom prst="rect">
+            <a:avLst/>
+          </a:prstGeom>
+        </p:spPr>
+        <p:txBody>
+          <a:bodyPr vert="horz" lIns="91440" tIns="45720" rIns="91440" bIns="45720" rtlCol="0" anchor="ctr">
+            <a:normAutofit/>
+          </a:bodyPr>
+          <a:lstStyle/>
+          <a:p>
+            <a:r>
+              <a:rPr lang="en-US" smtClean="0"/>
+              <a:t>Click to edit Master title style</a:t>
+            </a:r>
+            <a:endParaRPr lang="en-US"/>
+          </a:p>
+        </p:txBody>
+      </p:sp>
+      <p:sp>
+        <p:nvSpPr>
+          <p:cNvPr id="3" name="Text Placeholder 2"/>
+          <p:cNvSpPr>
+            <a:spLocks noGrp="1"/>
+          </p:cNvSpPr>
+          <p:nvPr>
+            <p:ph type="body" idx="1"/>
+          </p:nvPr>
+        </p:nvSpPr>
+        <p:spPr>
+          <a:xfrm>
+            <a:off x="457200" y="1600201"/>
+            <a:ext cx="8229600" cy="4525963"/>
+          </a:xfrm>
+          <a:prstGeom prst="rect">
+            <a:avLst/>
+          </a:prstGeom>
+        </p:spPr>
+        <p:txBody>
+          <a:bodyPr vert="horz" lIns="91440" tIns="45720" rIns="91440" bIns="45720" rtlCol="0">
+            <a:normAutofit/>
+          </a:bodyPr>
+          <a:lstStyle/>
+          <a:p>
+            <a:pPr lvl="0"/>
+            <a:r>
+              <a:rPr lang="en-US" smtClean="0"/>
+              <a:t>Click to edit Master text styles</a:t>
+            </a:r>
+          </a:p>
+          <a:p>
+            <a:pPr lvl="1"/>
+            <a:r>
+              <a:rPr lang="en-US" smtClean="0"/>
+              <a:t>Second level</a:t>
+            </a:r>
+          </a:p>
+          <a:p>
+            <a:pPr lvl="2"/>
+            <a:r>
+              <a:rPr lang="en-US" smtClean="0"/>
+              <a:t>Third level</a:t>
+            </a:r>
+          </a:p>
+          <a:p>
+            <a:pPr lvl="3"/>
+            <a:r>
+              <a:rPr lang="en-US" smtClean="0"/>
+              <a:t>Fourth level</a:t>
+            </a:r>
+          </a:p>
+          <a:p>
+            <a:pPr lvl="4"/>
+            <a:r>
+              <a:rPr lang="en-US" smtClean="0"/>
+              <a:t>Fifth level</a:t>
+            </a:r>
+            <a:endParaRPr lang="en-US"/>
+          </a:p>
+        </p:txBody>
+      </p:sp>
+      <p:sp>
+        <p:nvSpPr>
+          <p:cNvPr id="4" name="Date Placeholder 3"/>
+          <p:cNvSpPr>
+            <a:spLocks noGrp="1"/>
+          </p:cNvSpPr>
+          <p:nvPr>
+            <p:ph type="dt" sz="half" idx="2"/>
+          </p:nvPr>
+        </p:nvSpPr>
+        <p:spPr>
+          <a:xfrm>
+            <a:off x="457200" y="6356351"/>
+            <a:ext cx="2133600" cy="365125"/>
+          </a:xfrm>
+          <a:prstGeom prst="rect">
+            <a:avLst/>
+          </a:prstGeom>
+        </p:spPr>
+        <p:txBody>
+          <a:bodyPr vert="horz" lIns="91440" tIns="45720" rIns="91440" bIns="45720" rtlCol="0" anchor="ctr"/>
+          <a:lstStyle>
+            <a:lvl1pPr algn="l">
+              <a:defRPr sz="1200">
+                <a:solidFill>
+                  <a:schemeClr val="tx1">
+                    <a:tint val="75000"/>
+                  </a:schemeClr>
+                </a:solidFill>
+              </a:defRPr>
+            </a:lvl1pPr>
+          </a:lstStyle>
+          <a:p>
+            <a:fld id="{794CFE4B-17F2-49B1-A8CD-48A7230178BE}" type="datetimeFigureOut">
+              <a:rPr lang="en-US" smtClean="0">
+                <a:solidFill>
+                  <a:prstClr val="black">
+                    <a:tint val="75000"/>
+                  </a:prstClr>
+                </a:solidFill>
+              </a:rPr>
+              <a:pPr/>
+              <a:t>6/11/2014</a:t>
+            </a:fld>
+            <a:endParaRPr lang="en-US">
+              <a:solidFill>
+                <a:prstClr val="black">
+                  <a:tint val="75000"/>
+                </a:prstClr>
+              </a:solidFill>
+            </a:endParaRPr>
+          </a:p>
+        </p:txBody>
+      </p:sp>
+      <p:sp>
+        <p:nvSpPr>
+          <p:cNvPr id="5" name="Footer Placeholder 4"/>
+          <p:cNvSpPr>
+            <a:spLocks noGrp="1"/>
+          </p:cNvSpPr>
+          <p:nvPr>
+            <p:ph type="ftr" sz="quarter" idx="3"/>
+          </p:nvPr>
+        </p:nvSpPr>
+        <p:spPr>
+          <a:xfrm>
+            <a:off x="3124200" y="6356351"/>
+            <a:ext cx="2895600" cy="365125"/>
+          </a:xfrm>
+          <a:prstGeom prst="rect">
+            <a:avLst/>
+          </a:prstGeom>
+        </p:spPr>
+        <p:txBody>
+          <a:bodyPr vert="horz" lIns="91440" tIns="45720" rIns="91440" bIns="45720" rtlCol="0" anchor="ctr"/>
+          <a:lstStyle>
+            <a:lvl1pPr algn="ctr">
+              <a:defRPr sz="1200">
+                <a:solidFill>
+                  <a:schemeClr val="tx1">
+                    <a:tint val="75000"/>
+                  </a:schemeClr>
+                </a:solidFill>
+              </a:defRPr>
+            </a:lvl1pPr>
+          </a:lstStyle>
+          <a:p>
+            <a:endParaRPr lang="en-US">
+              <a:solidFill>
+                <a:prstClr val="black">
+                  <a:tint val="75000"/>
+                </a:prstClr>
+              </a:solidFill>
+            </a:endParaRPr>
+          </a:p>
+        </p:txBody>
+      </p:sp>
+      <p:sp>
+        <p:nvSpPr>
+          <p:cNvPr id="6" name="Slide Number Placeholder 5"/>
+          <p:cNvSpPr>
+            <a:spLocks noGrp="1"/>
+          </p:cNvSpPr>
+          <p:nvPr>
+            <p:ph type="sldNum" sz="quarter" idx="4"/>
+          </p:nvPr>
+        </p:nvSpPr>
+        <p:spPr>
+          <a:xfrm>
+            <a:off x="6553200" y="6356351"/>
+            <a:ext cx="2133600" cy="365125"/>
+          </a:xfrm>
+          <a:prstGeom prst="rect">
+            <a:avLst/>
+          </a:prstGeom>
+        </p:spPr>
+        <p:txBody>
+          <a:bodyPr vert="horz" lIns="91440" tIns="45720" rIns="91440" bIns="45720" rtlCol="0" anchor="ctr"/>
+          <a:lstStyle>
+            <a:lvl1pPr algn="r">
+              <a:defRPr sz="1200">
+                <a:solidFill>
+                  <a:schemeClr val="tx1">
+                    <a:tint val="75000"/>
+                  </a:schemeClr>
+                </a:solidFill>
+              </a:defRPr>
+            </a:lvl1pPr>
+          </a:lstStyle>
+          <a:p>
+            <a:fld id="{F043A558-56C3-499B-89A2-59E5853E6BB4}" type="slidenum">
+              <a:rPr lang="en-US" smtClean="0">
+                <a:solidFill>
+                  <a:prstClr val="black">
+                    <a:tint val="75000"/>
+                  </a:prstClr>
+                </a:solidFill>
+              </a:rPr>
+              <a:pPr/>
+              <a:t>‹#›</a:t>
+            </a:fld>
+            <a:endParaRPr lang="en-US">
+              <a:solidFill>
+                <a:prstClr val="black">
+                  <a:tint val="75000"/>
+                </a:prstClr>
+              </a:solidFill>
+            </a:endParaRPr>
+          </a:p>
+        </p:txBody>
+      </p:sp>
+      <p:sp>
+        <p:nvSpPr>
+          <p:cNvPr id="9" name="TextBox 8"/>
+          <p:cNvSpPr txBox="1"/>
+          <p:nvPr userDrawn="1"/>
+        </p:nvSpPr>
+        <p:spPr>
+          <a:xfrm>
+            <a:off x="8448354" y="6577190"/>
+            <a:ext cx="766557" cy="246221"/>
+          </a:xfrm>
+          <a:prstGeom prst="rect">
+            <a:avLst/>
+          </a:prstGeom>
+          <a:noFill/>
+        </p:spPr>
+        <p:txBody>
+          <a:bodyPr wrap="none" rtlCol="0">
+            <a:spAutoFit/>
+          </a:bodyPr>
+          <a:lstStyle/>
+          <a:p>
+            <a:r>
+              <a:rPr lang="en-US" sz="1000" dirty="0" smtClean="0">
+                <a:solidFill>
+                  <a:prstClr val="black"/>
+                </a:solidFill>
+              </a:rPr>
+              <a:t>Andrew Ng</a:t>
+            </a:r>
+            <a:endParaRPr lang="en-US" sz="1000" dirty="0">
+              <a:solidFill>
+                <a:prstClr val="black"/>
+              </a:solidFill>
+            </a:endParaRPr>
+          </a:p>
+        </p:txBody>
+      </p:sp>
+    </p:spTree>
+    <p:extLst>
+      <p:ext uri="{BB962C8B-B14F-4D97-AF65-F5344CB8AC3E}">
+        <p14:creationId xmlns:p14="http://schemas.microsoft.com/office/powerpoint/2010/main" val="1479536708"/>
+      </p:ext>
+    </p:extLst>
+  </p:cSld>
+  <p:clrMap bg1="lt1" tx1="dk1" bg2="lt2" tx2="dk2" accent1="accent1" accent2="accent2" accent3="accent3" accent4="accent4" accent5="accent5" accent6="accent6" hlink="hlink" folHlink="folHlink"/>
+  <p:sldLayoutIdLst>
+    <p:sldLayoutId id="2147483685" r:id="rId1"/>
+    <p:sldLayoutId id="2147483686" r:id="rId2"/>
+    <p:sldLayoutId id="2147483687" r:id="rId3"/>
+    <p:sldLayoutId id="2147483688" r:id="rId4"/>
+    <p:sldLayoutId id="2147483689" r:id="rId5"/>
+    <p:sldLayoutId id="2147483690" r:id="rId6"/>
+    <p:sldLayoutId id="2147483691" r:id="rId7"/>
+    <p:sldLayoutId id="2147483692" r:id="rId8"/>
+    <p:sldLayoutId id="2147483693" r:id="rId9"/>
+    <p:sldLayoutId id="2147483694" r:id="rId10"/>
+    <p:sldLayoutId id="2147483695" r:id="rId11"/>
+    <p:sldLayoutId id="2147483696" r:id="rId12"/>
   </p:sldLayoutIdLst>
   <p:timing>
     <p:tnLst>
@@ -7652,6 +11113,1008 @@
 <file path=ppt/slides/slide14.xml><?xml version="1.0" encoding="utf-8"?>
 <p:sld xmlns:a="http://schemas.openxmlformats.org/drawingml/2006/main" xmlns:r="http://schemas.openxmlformats.org/officeDocument/2006/relationships" xmlns:p="http://schemas.openxmlformats.org/presentationml/2006/main">
   <p:cSld>
+    <p:bg>
+      <p:bgPr>
+        <a:solidFill>
+          <a:schemeClr val="tx1"/>
+        </a:solidFill>
+        <a:effectLst/>
+      </p:bgPr>
+    </p:bg>
+    <p:spTree>
+      <p:nvGrpSpPr>
+        <p:cNvPr id="1" name=""/>
+        <p:cNvGrpSpPr/>
+        <p:nvPr/>
+      </p:nvGrpSpPr>
+      <p:grpSpPr>
+        <a:xfrm>
+          <a:off x="0" y="0"/>
+          <a:ext cx="0" cy="0"/>
+          <a:chOff x="0" y="0"/>
+          <a:chExt cx="0" cy="0"/>
+        </a:xfrm>
+      </p:grpSpPr>
+      <p:pic>
+        <p:nvPicPr>
+          <p:cNvPr id="1026" name="Picture 2" descr="http://a.36krcnd.com/photo/2014/5ed95831f0546be640553f6bf5e492d2.jpg"/>
+          <p:cNvPicPr>
+            <a:picLocks noChangeAspect="1" noChangeArrowheads="1"/>
+          </p:cNvPicPr>
+          <p:nvPr/>
+        </p:nvPicPr>
+        <p:blipFill>
+          <a:blip r:embed="rId2">
+            <a:extLst>
+              <a:ext uri="{28A0092B-C50C-407E-A947-70E740481C1C}">
+                <a14:useLocalDpi xmlns:a14="http://schemas.microsoft.com/office/drawing/2010/main" val="0"/>
+              </a:ext>
+            </a:extLst>
+          </a:blip>
+          <a:srcRect/>
+          <a:stretch>
+            <a:fillRect/>
+          </a:stretch>
+        </p:blipFill>
+        <p:spPr bwMode="auto">
+          <a:xfrm>
+            <a:off x="-2418" y="212834"/>
+            <a:ext cx="4726817" cy="6219497"/>
+          </a:xfrm>
+          <a:prstGeom prst="rect">
+            <a:avLst/>
+          </a:prstGeom>
+          <a:noFill/>
+          <a:extLst>
+            <a:ext uri="{909E8E84-426E-40DD-AFC4-6F175D3DCCD1}">
+              <a14:hiddenFill xmlns:a14="http://schemas.microsoft.com/office/drawing/2010/main">
+                <a:solidFill>
+                  <a:srgbClr val="FFFFFF"/>
+                </a:solidFill>
+              </a14:hiddenFill>
+            </a:ext>
+          </a:extLst>
+        </p:spPr>
+      </p:pic>
+      <p:sp>
+        <p:nvSpPr>
+          <p:cNvPr id="10" name="矩形 9"/>
+          <p:cNvSpPr/>
+          <p:nvPr/>
+        </p:nvSpPr>
+        <p:spPr>
+          <a:xfrm>
+            <a:off x="4724400" y="2819401"/>
+            <a:ext cx="4324350" cy="1877437"/>
+          </a:xfrm>
+          <a:prstGeom prst="rect">
+            <a:avLst/>
+          </a:prstGeom>
+        </p:spPr>
+        <p:txBody>
+          <a:bodyPr wrap="square">
+            <a:spAutoFit/>
+          </a:bodyPr>
+          <a:lstStyle/>
+          <a:p>
+            <a:r>
+              <a:rPr lang="en-US" altLang="zh-CN" sz="3200" b="1" dirty="0">
+                <a:solidFill>
+                  <a:prstClr val="white"/>
+                </a:solidFill>
+              </a:rPr>
+              <a:t> </a:t>
+            </a:r>
+            <a:r>
+              <a:rPr lang="en-US" altLang="zh-CN" sz="2800" dirty="0">
+                <a:solidFill>
+                  <a:prstClr val="white"/>
+                </a:solidFill>
+              </a:rPr>
+              <a:t>A surgical </a:t>
+            </a:r>
+            <a:r>
+              <a:rPr lang="en-US" altLang="zh-CN" sz="2800" dirty="0" err="1">
+                <a:solidFill>
+                  <a:prstClr val="white"/>
+                </a:solidFill>
+              </a:rPr>
+              <a:t>roboticist</a:t>
+            </a:r>
+            <a:r>
+              <a:rPr lang="en-US" altLang="zh-CN" sz="2800" dirty="0">
+                <a:solidFill>
+                  <a:prstClr val="white"/>
+                </a:solidFill>
+              </a:rPr>
+              <a:t> at Johns Hopkins University and is involved in a new robot start-up</a:t>
+            </a:r>
+            <a:endParaRPr lang="zh-CN" altLang="en-US" sz="2800" dirty="0">
+              <a:solidFill>
+                <a:prstClr val="white"/>
+              </a:solidFill>
+            </a:endParaRPr>
+          </a:p>
+        </p:txBody>
+      </p:sp>
+      <p:sp>
+        <p:nvSpPr>
+          <p:cNvPr id="11" name="矩形 10"/>
+          <p:cNvSpPr/>
+          <p:nvPr/>
+        </p:nvSpPr>
+        <p:spPr>
+          <a:xfrm>
+            <a:off x="4724400" y="1817907"/>
+            <a:ext cx="4324350" cy="584775"/>
+          </a:xfrm>
+          <a:prstGeom prst="rect">
+            <a:avLst/>
+          </a:prstGeom>
+        </p:spPr>
+        <p:txBody>
+          <a:bodyPr wrap="square">
+            <a:spAutoFit/>
+          </a:bodyPr>
+          <a:lstStyle/>
+          <a:p>
+            <a:r>
+              <a:rPr lang="en-US" altLang="zh-CN" sz="3200" b="1" dirty="0">
+                <a:solidFill>
+                  <a:prstClr val="white"/>
+                </a:solidFill>
+              </a:rPr>
+              <a:t> </a:t>
+            </a:r>
+            <a:r>
+              <a:rPr lang="en-US" altLang="zh-CN" sz="2800" b="1" i="1" dirty="0">
+                <a:solidFill>
+                  <a:srgbClr val="FFFF00"/>
+                </a:solidFill>
+              </a:rPr>
+              <a:t>Carol </a:t>
+            </a:r>
+            <a:r>
+              <a:rPr lang="en-US" altLang="zh-CN" sz="2800" b="1" i="1" dirty="0" err="1">
+                <a:solidFill>
+                  <a:srgbClr val="FFFF00"/>
+                </a:solidFill>
+              </a:rPr>
+              <a:t>reiley</a:t>
+            </a:r>
+            <a:endParaRPr lang="zh-CN" altLang="en-US" sz="2800" b="1" i="1" dirty="0">
+              <a:solidFill>
+                <a:srgbClr val="FFFF00"/>
+              </a:solidFill>
+            </a:endParaRPr>
+          </a:p>
+        </p:txBody>
+      </p:sp>
+      <p:cxnSp>
+        <p:nvCxnSpPr>
+          <p:cNvPr id="12" name="直接连接符 11"/>
+          <p:cNvCxnSpPr/>
+          <p:nvPr/>
+        </p:nvCxnSpPr>
+        <p:spPr>
+          <a:xfrm>
+            <a:off x="4842934" y="2667000"/>
+            <a:ext cx="3276600" cy="0"/>
+          </a:xfrm>
+          <a:prstGeom prst="line">
+            <a:avLst/>
+          </a:prstGeom>
+        </p:spPr>
+        <p:style>
+          <a:lnRef idx="2">
+            <a:schemeClr val="accent6"/>
+          </a:lnRef>
+          <a:fillRef idx="0">
+            <a:schemeClr val="accent6"/>
+          </a:fillRef>
+          <a:effectRef idx="1">
+            <a:schemeClr val="accent6"/>
+          </a:effectRef>
+          <a:fontRef idx="minor">
+            <a:schemeClr val="tx1"/>
+          </a:fontRef>
+        </p:style>
+      </p:cxnSp>
+      <p:pic>
+        <p:nvPicPr>
+          <p:cNvPr id="3" name="Picture 4" descr="http://cms.csdnimg.cn/article/201405/15/537407d6bf5fe.jpg"/>
+          <p:cNvPicPr>
+            <a:picLocks noChangeAspect="1" noChangeArrowheads="1"/>
+          </p:cNvPicPr>
+          <p:nvPr/>
+        </p:nvPicPr>
+        <p:blipFill rotWithShape="1">
+          <a:blip r:embed="rId3">
+            <a:extLst>
+              <a:ext uri="{28A0092B-C50C-407E-A947-70E740481C1C}">
+                <a14:useLocalDpi xmlns:a14="http://schemas.microsoft.com/office/drawing/2010/main" val="0"/>
+              </a:ext>
+            </a:extLst>
+          </a:blip>
+          <a:srcRect l="27595" t="346" r="29584"/>
+          <a:stretch/>
+        </p:blipFill>
+        <p:spPr bwMode="auto">
+          <a:xfrm>
+            <a:off x="4724399" y="157655"/>
+            <a:ext cx="4797972" cy="6280981"/>
+          </a:xfrm>
+          <a:prstGeom prst="rect">
+            <a:avLst/>
+          </a:prstGeom>
+          <a:noFill/>
+          <a:extLst>
+            <a:ext uri="{909E8E84-426E-40DD-AFC4-6F175D3DCCD1}">
+              <a14:hiddenFill xmlns:a14="http://schemas.microsoft.com/office/drawing/2010/main">
+                <a:solidFill>
+                  <a:srgbClr val="FFFFFF"/>
+                </a:solidFill>
+              </a14:hiddenFill>
+            </a:ext>
+          </a:extLst>
+        </p:spPr>
+      </p:pic>
+      <p:pic>
+        <p:nvPicPr>
+          <p:cNvPr id="8" name="图片 7"/>
+          <p:cNvPicPr>
+            <a:picLocks noChangeAspect="1"/>
+          </p:cNvPicPr>
+          <p:nvPr/>
+        </p:nvPicPr>
+        <p:blipFill>
+          <a:blip r:embed="rId4" cstate="print">
+            <a:extLst>
+              <a:ext uri="{28A0092B-C50C-407E-A947-70E740481C1C}">
+                <a14:useLocalDpi xmlns:a14="http://schemas.microsoft.com/office/drawing/2010/main" val="0"/>
+              </a:ext>
+            </a:extLst>
+          </a:blip>
+          <a:stretch>
+            <a:fillRect/>
+          </a:stretch>
+        </p:blipFill>
+        <p:spPr>
+          <a:xfrm>
+            <a:off x="6406274" y="4200401"/>
+            <a:ext cx="1158775" cy="1158775"/>
+          </a:xfrm>
+          <a:prstGeom prst="rect">
+            <a:avLst/>
+          </a:prstGeom>
+        </p:spPr>
+      </p:pic>
+    </p:spTree>
+    <p:extLst>
+      <p:ext uri="{BB962C8B-B14F-4D97-AF65-F5344CB8AC3E}">
+        <p14:creationId xmlns:p14="http://schemas.microsoft.com/office/powerpoint/2010/main" val="51123750"/>
+      </p:ext>
+    </p:extLst>
+  </p:cSld>
+  <p:clrMapOvr>
+    <a:masterClrMapping/>
+  </p:clrMapOvr>
+  <mc:AlternateContent xmlns:mc="http://schemas.openxmlformats.org/markup-compatibility/2006">
+    <mc:Choice xmlns:p15="http://schemas.microsoft.com/office/powerpoint/2012/main" Requires="p15">
+      <p:transition xmlns:p14="http://schemas.microsoft.com/office/powerpoint/2010/main" spd="slow" p14:dur="1250">
+        <p15:prstTrans prst="pageCurlDouble" invX="1"/>
+      </p:transition>
+    </mc:Choice>
+    <mc:Fallback>
+      <p:transition spd="slow">
+        <p:fade/>
+      </p:transition>
+    </mc:Fallback>
+  </mc:AlternateContent>
+  <p:timing>
+    <p:tnLst>
+      <p:par>
+        <p:cTn id="1" dur="indefinite" restart="never" nodeType="tmRoot">
+          <p:childTnLst>
+            <p:seq concurrent="1" nextAc="seek">
+              <p:cTn id="2" dur="indefinite" nodeType="mainSeq">
+                <p:childTnLst>
+                  <p:par>
+                    <p:cTn id="3" fill="hold">
+                      <p:stCondLst>
+                        <p:cond delay="indefinite"/>
+                      </p:stCondLst>
+                      <p:childTnLst>
+                        <p:par>
+                          <p:cTn id="4" fill="hold">
+                            <p:stCondLst>
+                              <p:cond delay="0"/>
+                            </p:stCondLst>
+                            <p:childTnLst>
+                              <p:par>
+                                <p:cTn id="5" presetID="10" presetClass="entr" presetSubtype="0" fill="hold" grpId="0" nodeType="clickEffect">
+                                  <p:stCondLst>
+                                    <p:cond delay="0"/>
+                                  </p:stCondLst>
+                                  <p:childTnLst>
+                                    <p:set>
+                                      <p:cBhvr>
+                                        <p:cTn id="6" dur="1" fill="hold">
+                                          <p:stCondLst>
+                                            <p:cond delay="0"/>
+                                          </p:stCondLst>
+                                        </p:cTn>
+                                        <p:tgtEl>
+                                          <p:spTgt spid="10"/>
+                                        </p:tgtEl>
+                                        <p:attrNameLst>
+                                          <p:attrName>style.visibility</p:attrName>
+                                        </p:attrNameLst>
+                                      </p:cBhvr>
+                                      <p:to>
+                                        <p:strVal val="visible"/>
+                                      </p:to>
+                                    </p:set>
+                                    <p:animEffect transition="in" filter="fade">
+                                      <p:cBhvr>
+                                        <p:cTn id="7" dur="500"/>
+                                        <p:tgtEl>
+                                          <p:spTgt spid="10"/>
+                                        </p:tgtEl>
+                                      </p:cBhvr>
+                                    </p:animEffect>
+                                  </p:childTnLst>
+                                </p:cTn>
+                              </p:par>
+                              <p:par>
+                                <p:cTn id="8" presetID="10" presetClass="entr" presetSubtype="0" fill="hold" grpId="0" nodeType="withEffect">
+                                  <p:stCondLst>
+                                    <p:cond delay="0"/>
+                                  </p:stCondLst>
+                                  <p:childTnLst>
+                                    <p:set>
+                                      <p:cBhvr>
+                                        <p:cTn id="9" dur="1" fill="hold">
+                                          <p:stCondLst>
+                                            <p:cond delay="0"/>
+                                          </p:stCondLst>
+                                        </p:cTn>
+                                        <p:tgtEl>
+                                          <p:spTgt spid="11"/>
+                                        </p:tgtEl>
+                                        <p:attrNameLst>
+                                          <p:attrName>style.visibility</p:attrName>
+                                        </p:attrNameLst>
+                                      </p:cBhvr>
+                                      <p:to>
+                                        <p:strVal val="visible"/>
+                                      </p:to>
+                                    </p:set>
+                                    <p:animEffect transition="in" filter="fade">
+                                      <p:cBhvr>
+                                        <p:cTn id="10" dur="500"/>
+                                        <p:tgtEl>
+                                          <p:spTgt spid="11"/>
+                                        </p:tgtEl>
+                                      </p:cBhvr>
+                                    </p:animEffect>
+                                  </p:childTnLst>
+                                </p:cTn>
+                              </p:par>
+                              <p:par>
+                                <p:cTn id="11" presetID="10" presetClass="entr" presetSubtype="0" fill="hold" nodeType="withEffect">
+                                  <p:stCondLst>
+                                    <p:cond delay="0"/>
+                                  </p:stCondLst>
+                                  <p:childTnLst>
+                                    <p:set>
+                                      <p:cBhvr>
+                                        <p:cTn id="12" dur="1" fill="hold">
+                                          <p:stCondLst>
+                                            <p:cond delay="0"/>
+                                          </p:stCondLst>
+                                        </p:cTn>
+                                        <p:tgtEl>
+                                          <p:spTgt spid="12"/>
+                                        </p:tgtEl>
+                                        <p:attrNameLst>
+                                          <p:attrName>style.visibility</p:attrName>
+                                        </p:attrNameLst>
+                                      </p:cBhvr>
+                                      <p:to>
+                                        <p:strVal val="visible"/>
+                                      </p:to>
+                                    </p:set>
+                                    <p:animEffect transition="in" filter="fade">
+                                      <p:cBhvr>
+                                        <p:cTn id="13" dur="500"/>
+                                        <p:tgtEl>
+                                          <p:spTgt spid="12"/>
+                                        </p:tgtEl>
+                                      </p:cBhvr>
+                                    </p:animEffect>
+                                  </p:childTnLst>
+                                </p:cTn>
+                              </p:par>
+                            </p:childTnLst>
+                          </p:cTn>
+                        </p:par>
+                      </p:childTnLst>
+                    </p:cTn>
+                  </p:par>
+                  <p:par>
+                    <p:cTn id="14" fill="hold">
+                      <p:stCondLst>
+                        <p:cond delay="indefinite"/>
+                      </p:stCondLst>
+                      <p:childTnLst>
+                        <p:par>
+                          <p:cTn id="15" fill="hold">
+                            <p:stCondLst>
+                              <p:cond delay="0"/>
+                            </p:stCondLst>
+                            <p:childTnLst>
+                              <p:par>
+                                <p:cTn id="16" presetID="2" presetClass="entr" presetSubtype="2" fill="hold" nodeType="clickEffect">
+                                  <p:stCondLst>
+                                    <p:cond delay="0"/>
+                                  </p:stCondLst>
+                                  <p:childTnLst>
+                                    <p:set>
+                                      <p:cBhvr>
+                                        <p:cTn id="17" dur="1" fill="hold">
+                                          <p:stCondLst>
+                                            <p:cond delay="0"/>
+                                          </p:stCondLst>
+                                        </p:cTn>
+                                        <p:tgtEl>
+                                          <p:spTgt spid="3"/>
+                                        </p:tgtEl>
+                                        <p:attrNameLst>
+                                          <p:attrName>style.visibility</p:attrName>
+                                        </p:attrNameLst>
+                                      </p:cBhvr>
+                                      <p:to>
+                                        <p:strVal val="visible"/>
+                                      </p:to>
+                                    </p:set>
+                                    <p:anim calcmode="lin" valueType="num">
+                                      <p:cBhvr additive="base">
+                                        <p:cTn id="18" dur="500" fill="hold"/>
+                                        <p:tgtEl>
+                                          <p:spTgt spid="3"/>
+                                        </p:tgtEl>
+                                        <p:attrNameLst>
+                                          <p:attrName>ppt_x</p:attrName>
+                                        </p:attrNameLst>
+                                      </p:cBhvr>
+                                      <p:tavLst>
+                                        <p:tav tm="0">
+                                          <p:val>
+                                            <p:strVal val="1+#ppt_w/2"/>
+                                          </p:val>
+                                        </p:tav>
+                                        <p:tav tm="100000">
+                                          <p:val>
+                                            <p:strVal val="#ppt_x"/>
+                                          </p:val>
+                                        </p:tav>
+                                      </p:tavLst>
+                                    </p:anim>
+                                    <p:anim calcmode="lin" valueType="num">
+                                      <p:cBhvr additive="base">
+                                        <p:cTn id="19" dur="500" fill="hold"/>
+                                        <p:tgtEl>
+                                          <p:spTgt spid="3"/>
+                                        </p:tgtEl>
+                                        <p:attrNameLst>
+                                          <p:attrName>ppt_y</p:attrName>
+                                        </p:attrNameLst>
+                                      </p:cBhvr>
+                                      <p:tavLst>
+                                        <p:tav tm="0">
+                                          <p:val>
+                                            <p:strVal val="#ppt_y"/>
+                                          </p:val>
+                                        </p:tav>
+                                        <p:tav tm="100000">
+                                          <p:val>
+                                            <p:strVal val="#ppt_y"/>
+                                          </p:val>
+                                        </p:tav>
+                                      </p:tavLst>
+                                    </p:anim>
+                                  </p:childTnLst>
+                                </p:cTn>
+                              </p:par>
+                            </p:childTnLst>
+                          </p:cTn>
+                        </p:par>
+                        <p:par>
+                          <p:cTn id="20" fill="hold">
+                            <p:stCondLst>
+                              <p:cond delay="500"/>
+                            </p:stCondLst>
+                            <p:childTnLst>
+                              <p:par>
+                                <p:cTn id="21" presetID="42" presetClass="entr" presetSubtype="0" fill="hold" nodeType="afterEffect">
+                                  <p:stCondLst>
+                                    <p:cond delay="0"/>
+                                  </p:stCondLst>
+                                  <p:childTnLst>
+                                    <p:set>
+                                      <p:cBhvr>
+                                        <p:cTn id="22" dur="1" fill="hold">
+                                          <p:stCondLst>
+                                            <p:cond delay="0"/>
+                                          </p:stCondLst>
+                                        </p:cTn>
+                                        <p:tgtEl>
+                                          <p:spTgt spid="8"/>
+                                        </p:tgtEl>
+                                        <p:attrNameLst>
+                                          <p:attrName>style.visibility</p:attrName>
+                                        </p:attrNameLst>
+                                      </p:cBhvr>
+                                      <p:to>
+                                        <p:strVal val="visible"/>
+                                      </p:to>
+                                    </p:set>
+                                    <p:animEffect transition="in" filter="fade">
+                                      <p:cBhvr>
+                                        <p:cTn id="23" dur="1000"/>
+                                        <p:tgtEl>
+                                          <p:spTgt spid="8"/>
+                                        </p:tgtEl>
+                                      </p:cBhvr>
+                                    </p:animEffect>
+                                    <p:anim calcmode="lin" valueType="num">
+                                      <p:cBhvr>
+                                        <p:cTn id="24" dur="1000" fill="hold"/>
+                                        <p:tgtEl>
+                                          <p:spTgt spid="8"/>
+                                        </p:tgtEl>
+                                        <p:attrNameLst>
+                                          <p:attrName>ppt_x</p:attrName>
+                                        </p:attrNameLst>
+                                      </p:cBhvr>
+                                      <p:tavLst>
+                                        <p:tav tm="0">
+                                          <p:val>
+                                            <p:strVal val="#ppt_x"/>
+                                          </p:val>
+                                        </p:tav>
+                                        <p:tav tm="100000">
+                                          <p:val>
+                                            <p:strVal val="#ppt_x"/>
+                                          </p:val>
+                                        </p:tav>
+                                      </p:tavLst>
+                                    </p:anim>
+                                    <p:anim calcmode="lin" valueType="num">
+                                      <p:cBhvr>
+                                        <p:cTn id="25" dur="1000" fill="hold"/>
+                                        <p:tgtEl>
+                                          <p:spTgt spid="8"/>
+                                        </p:tgtEl>
+                                        <p:attrNameLst>
+                                          <p:attrName>ppt_y</p:attrName>
+                                        </p:attrNameLst>
+                                      </p:cBhvr>
+                                      <p:tavLst>
+                                        <p:tav tm="0">
+                                          <p:val>
+                                            <p:strVal val="#ppt_y+.1"/>
+                                          </p:val>
+                                        </p:tav>
+                                        <p:tav tm="100000">
+                                          <p:val>
+                                            <p:strVal val="#ppt_y"/>
+                                          </p:val>
+                                        </p:tav>
+                                      </p:tavLst>
+                                    </p:anim>
+                                  </p:childTnLst>
+                                </p:cTn>
+                              </p:par>
+                            </p:childTnLst>
+                          </p:cTn>
+                        </p:par>
+                      </p:childTnLst>
+                    </p:cTn>
+                  </p:par>
+                </p:childTnLst>
+              </p:cTn>
+              <p:prevCondLst>
+                <p:cond evt="onPrev" delay="0">
+                  <p:tgtEl>
+                    <p:sldTgt/>
+                  </p:tgtEl>
+                </p:cond>
+              </p:prevCondLst>
+              <p:nextCondLst>
+                <p:cond evt="onNext" delay="0">
+                  <p:tgtEl>
+                    <p:sldTgt/>
+                  </p:tgtEl>
+                </p:cond>
+              </p:nextCondLst>
+            </p:seq>
+          </p:childTnLst>
+        </p:cTn>
+      </p:par>
+    </p:tnLst>
+    <p:bldLst>
+      <p:bldP spid="10" grpId="0"/>
+      <p:bldP spid="11" grpId="0"/>
+    </p:bldLst>
+  </p:timing>
+</p:sld>
+</file>
+
+<file path=ppt/slides/slide15.xml><?xml version="1.0" encoding="utf-8"?>
+<p:sld xmlns:a="http://schemas.openxmlformats.org/drawingml/2006/main" xmlns:r="http://schemas.openxmlformats.org/officeDocument/2006/relationships" xmlns:p="http://schemas.openxmlformats.org/presentationml/2006/main">
+  <p:cSld>
+    <p:bg>
+      <p:bgPr>
+        <a:solidFill>
+          <a:schemeClr val="tx1"/>
+        </a:solidFill>
+        <a:effectLst/>
+      </p:bgPr>
+    </p:bg>
+    <p:spTree>
+      <p:nvGrpSpPr>
+        <p:cNvPr id="1" name=""/>
+        <p:cNvGrpSpPr/>
+        <p:nvPr/>
+      </p:nvGrpSpPr>
+      <p:grpSpPr>
+        <a:xfrm>
+          <a:off x="0" y="0"/>
+          <a:ext cx="0" cy="0"/>
+          <a:chOff x="0" y="0"/>
+          <a:chExt cx="0" cy="0"/>
+        </a:xfrm>
+      </p:grpSpPr>
+      <p:pic>
+        <p:nvPicPr>
+          <p:cNvPr id="2050" name="Picture 2" descr="http://spectrum.ieee.org/img/robot-love-1396281058736.jpg"/>
+          <p:cNvPicPr>
+            <a:picLocks noChangeAspect="1" noChangeArrowheads="1"/>
+          </p:cNvPicPr>
+          <p:nvPr/>
+        </p:nvPicPr>
+        <p:blipFill>
+          <a:blip r:embed="rId2">
+            <a:extLst>
+              <a:ext uri="{28A0092B-C50C-407E-A947-70E740481C1C}">
+                <a14:useLocalDpi xmlns:a14="http://schemas.microsoft.com/office/drawing/2010/main" val="0"/>
+              </a:ext>
+            </a:extLst>
+          </a:blip>
+          <a:srcRect/>
+          <a:stretch>
+            <a:fillRect/>
+          </a:stretch>
+        </p:blipFill>
+        <p:spPr bwMode="auto">
+          <a:xfrm>
+            <a:off x="0" y="320073"/>
+            <a:ext cx="9542630" cy="6356624"/>
+          </a:xfrm>
+          <a:prstGeom prst="rect">
+            <a:avLst/>
+          </a:prstGeom>
+          <a:noFill/>
+          <a:extLst>
+            <a:ext uri="{909E8E84-426E-40DD-AFC4-6F175D3DCCD1}">
+              <a14:hiddenFill xmlns:a14="http://schemas.microsoft.com/office/drawing/2010/main">
+                <a:solidFill>
+                  <a:srgbClr val="FFFFFF"/>
+                </a:solidFill>
+              </a14:hiddenFill>
+            </a:ext>
+          </a:extLst>
+        </p:spPr>
+      </p:pic>
+      <p:sp>
+        <p:nvSpPr>
+          <p:cNvPr id="2" name="矩形 1"/>
+          <p:cNvSpPr/>
+          <p:nvPr/>
+        </p:nvSpPr>
+        <p:spPr>
+          <a:xfrm>
+            <a:off x="336630" y="1134250"/>
+            <a:ext cx="6858000" cy="400110"/>
+          </a:xfrm>
+          <a:prstGeom prst="rect">
+            <a:avLst/>
+          </a:prstGeom>
+        </p:spPr>
+        <p:txBody>
+          <a:bodyPr wrap="square">
+            <a:spAutoFit/>
+          </a:bodyPr>
+          <a:lstStyle/>
+          <a:p>
+            <a:r>
+              <a:rPr lang="en-US" altLang="zh-CN" sz="2000" b="1" dirty="0">
+                <a:solidFill>
+                  <a:srgbClr val="FFFF00"/>
+                </a:solidFill>
+                <a:latin typeface="Arial" panose="020B0604020202020204" pitchFamily="34" charset="0"/>
+                <a:cs typeface="Arial" panose="020B0604020202020204" pitchFamily="34" charset="0"/>
+              </a:rPr>
+              <a:t>Robots Bring Couple Together, Engagement Ensues</a:t>
+            </a:r>
+          </a:p>
+        </p:txBody>
+      </p:sp>
+      <p:sp>
+        <p:nvSpPr>
+          <p:cNvPr id="3" name="矩形 2"/>
+          <p:cNvSpPr/>
+          <p:nvPr/>
+        </p:nvSpPr>
+        <p:spPr>
+          <a:xfrm>
+            <a:off x="336630" y="857251"/>
+            <a:ext cx="8610600" cy="276999"/>
+          </a:xfrm>
+          <a:prstGeom prst="rect">
+            <a:avLst/>
+          </a:prstGeom>
+        </p:spPr>
+        <p:txBody>
+          <a:bodyPr wrap="square">
+            <a:spAutoFit/>
+          </a:bodyPr>
+          <a:lstStyle/>
+          <a:p>
+            <a:r>
+              <a:rPr lang="zh-CN" altLang="en-US" sz="1200" dirty="0">
+                <a:solidFill>
+                  <a:prstClr val="white"/>
+                </a:solidFill>
+              </a:rPr>
+              <a:t>http://spectrum.ieee.org/automaton/robotics/humanoids/engaging-with-robots</a:t>
+            </a:r>
+          </a:p>
+        </p:txBody>
+      </p:sp>
+    </p:spTree>
+    <p:extLst>
+      <p:ext uri="{BB962C8B-B14F-4D97-AF65-F5344CB8AC3E}">
+        <p14:creationId xmlns:p14="http://schemas.microsoft.com/office/powerpoint/2010/main" val="1230446247"/>
+      </p:ext>
+    </p:extLst>
+  </p:cSld>
+  <p:clrMapOvr>
+    <a:masterClrMapping/>
+  </p:clrMapOvr>
+  <mc:AlternateContent xmlns:mc="http://schemas.openxmlformats.org/markup-compatibility/2006">
+    <mc:Choice xmlns:p15="http://schemas.microsoft.com/office/powerpoint/2012/main" Requires="p15">
+      <p:transition xmlns:p14="http://schemas.microsoft.com/office/powerpoint/2010/main" spd="slow" p14:dur="6000">
+        <p15:prstTrans prst="curtains"/>
+      </p:transition>
+    </mc:Choice>
+    <mc:Fallback>
+      <p:transition spd="slow">
+        <p:fade/>
+      </p:transition>
+    </mc:Fallback>
+  </mc:AlternateContent>
+  <p:timing>
+    <p:tnLst>
+      <p:par>
+        <p:cTn id="1" dur="indefinite" restart="never" nodeType="tmRoot"/>
+      </p:par>
+    </p:tnLst>
+  </p:timing>
+</p:sld>
+</file>
+
+<file path=ppt/slides/slide16.xml><?xml version="1.0" encoding="utf-8"?>
+<p:sld xmlns:a="http://schemas.openxmlformats.org/drawingml/2006/main" xmlns:r="http://schemas.openxmlformats.org/officeDocument/2006/relationships" xmlns:p="http://schemas.openxmlformats.org/presentationml/2006/main">
+  <p:cSld>
+    <p:bg>
+      <p:bgPr>
+        <a:solidFill>
+          <a:schemeClr val="tx1"/>
+        </a:solidFill>
+        <a:effectLst/>
+      </p:bgPr>
+    </p:bg>
+    <p:spTree>
+      <p:nvGrpSpPr>
+        <p:cNvPr id="1" name=""/>
+        <p:cNvGrpSpPr/>
+        <p:nvPr/>
+      </p:nvGrpSpPr>
+      <p:grpSpPr>
+        <a:xfrm>
+          <a:off x="0" y="0"/>
+          <a:ext cx="0" cy="0"/>
+          <a:chOff x="0" y="0"/>
+          <a:chExt cx="0" cy="0"/>
+        </a:xfrm>
+      </p:grpSpPr>
+      <p:pic>
+        <p:nvPicPr>
+          <p:cNvPr id="3074" name="Picture 2" descr="http://spectrum.ieee.org/img/1-1396242287629.jpg"/>
+          <p:cNvPicPr>
+            <a:picLocks noChangeAspect="1" noChangeArrowheads="1"/>
+          </p:cNvPicPr>
+          <p:nvPr/>
+        </p:nvPicPr>
+        <p:blipFill>
+          <a:blip r:embed="rId2">
+            <a:extLst>
+              <a:ext uri="{28A0092B-C50C-407E-A947-70E740481C1C}">
+                <a14:useLocalDpi xmlns:a14="http://schemas.microsoft.com/office/drawing/2010/main" val="0"/>
+              </a:ext>
+            </a:extLst>
+          </a:blip>
+          <a:srcRect/>
+          <a:stretch>
+            <a:fillRect/>
+          </a:stretch>
+        </p:blipFill>
+        <p:spPr bwMode="auto">
+          <a:xfrm>
+            <a:off x="-352689" y="197070"/>
+            <a:ext cx="9845619" cy="6558454"/>
+          </a:xfrm>
+          <a:prstGeom prst="rect">
+            <a:avLst/>
+          </a:prstGeom>
+          <a:noFill/>
+          <a:extLst>
+            <a:ext uri="{909E8E84-426E-40DD-AFC4-6F175D3DCCD1}">
+              <a14:hiddenFill xmlns:a14="http://schemas.microsoft.com/office/drawing/2010/main">
+                <a:solidFill>
+                  <a:srgbClr val="FFFFFF"/>
+                </a:solidFill>
+              </a14:hiddenFill>
+            </a:ext>
+          </a:extLst>
+        </p:spPr>
+      </p:pic>
+    </p:spTree>
+    <p:extLst>
+      <p:ext uri="{BB962C8B-B14F-4D97-AF65-F5344CB8AC3E}">
+        <p14:creationId xmlns:p14="http://schemas.microsoft.com/office/powerpoint/2010/main" val="3312273562"/>
+      </p:ext>
+    </p:extLst>
+  </p:cSld>
+  <p:clrMapOvr>
+    <a:masterClrMapping/>
+  </p:clrMapOvr>
+  <mc:AlternateContent xmlns:mc="http://schemas.openxmlformats.org/markup-compatibility/2006">
+    <mc:Choice xmlns:p14="http://schemas.microsoft.com/office/powerpoint/2010/main" Requires="p14">
+      <p:transition spd="slow">
+        <p14:flash/>
+      </p:transition>
+    </mc:Choice>
+    <mc:Fallback>
+      <p:transition spd="slow">
+        <p:fade/>
+      </p:transition>
+    </mc:Fallback>
+  </mc:AlternateContent>
+  <p:timing>
+    <p:tnLst>
+      <p:par>
+        <p:cTn id="1" dur="indefinite" restart="never" nodeType="tmRoot"/>
+      </p:par>
+    </p:tnLst>
+  </p:timing>
+</p:sld>
+</file>
+
+<file path=ppt/slides/slide17.xml><?xml version="1.0" encoding="utf-8"?>
+<p:sld xmlns:a="http://schemas.openxmlformats.org/drawingml/2006/main" xmlns:r="http://schemas.openxmlformats.org/officeDocument/2006/relationships" xmlns:p="http://schemas.openxmlformats.org/presentationml/2006/main">
+  <p:cSld>
+    <p:bg>
+      <p:bgPr>
+        <a:solidFill>
+          <a:schemeClr val="tx1"/>
+        </a:solidFill>
+        <a:effectLst/>
+      </p:bgPr>
+    </p:bg>
+    <p:spTree>
+      <p:nvGrpSpPr>
+        <p:cNvPr id="1" name=""/>
+        <p:cNvGrpSpPr/>
+        <p:nvPr/>
+      </p:nvGrpSpPr>
+      <p:grpSpPr>
+        <a:xfrm>
+          <a:off x="0" y="0"/>
+          <a:ext cx="0" cy="0"/>
+          <a:chOff x="0" y="0"/>
+          <a:chExt cx="0" cy="0"/>
+        </a:xfrm>
+      </p:grpSpPr>
+      <p:pic>
+        <p:nvPicPr>
+          <p:cNvPr id="4098" name="Picture 2" descr="http://spectrum.ieee.org/img/2-1396242133148.jpg"/>
+          <p:cNvPicPr>
+            <a:picLocks noChangeAspect="1" noChangeArrowheads="1"/>
+          </p:cNvPicPr>
+          <p:nvPr/>
+        </p:nvPicPr>
+        <p:blipFill>
+          <a:blip r:embed="rId2">
+            <a:extLst>
+              <a:ext uri="{28A0092B-C50C-407E-A947-70E740481C1C}">
+                <a14:useLocalDpi xmlns:a14="http://schemas.microsoft.com/office/drawing/2010/main" val="0"/>
+              </a:ext>
+            </a:extLst>
+          </a:blip>
+          <a:srcRect/>
+          <a:stretch>
+            <a:fillRect/>
+          </a:stretch>
+        </p:blipFill>
+        <p:spPr bwMode="auto">
+          <a:xfrm>
+            <a:off x="0" y="-1"/>
+            <a:ext cx="9348952" cy="6876003"/>
+          </a:xfrm>
+          <a:prstGeom prst="rect">
+            <a:avLst/>
+          </a:prstGeom>
+          <a:noFill/>
+          <a:extLst>
+            <a:ext uri="{909E8E84-426E-40DD-AFC4-6F175D3DCCD1}">
+              <a14:hiddenFill xmlns:a14="http://schemas.microsoft.com/office/drawing/2010/main">
+                <a:solidFill>
+                  <a:srgbClr val="FFFFFF"/>
+                </a:solidFill>
+              </a14:hiddenFill>
+            </a:ext>
+          </a:extLst>
+        </p:spPr>
+      </p:pic>
+    </p:spTree>
+    <p:extLst>
+      <p:ext uri="{BB962C8B-B14F-4D97-AF65-F5344CB8AC3E}">
+        <p14:creationId xmlns:p14="http://schemas.microsoft.com/office/powerpoint/2010/main" val="1632862350"/>
+      </p:ext>
+    </p:extLst>
+  </p:cSld>
+  <p:clrMapOvr>
+    <a:masterClrMapping/>
+  </p:clrMapOvr>
+  <mc:AlternateContent xmlns:mc="http://schemas.openxmlformats.org/markup-compatibility/2006">
+    <mc:Choice xmlns:p14="http://schemas.microsoft.com/office/powerpoint/2010/main" Requires="p14">
+      <p:transition spd="slow" p14:dur="3400">
+        <p14:reveal/>
+      </p:transition>
+    </mc:Choice>
+    <mc:Fallback>
+      <p:transition spd="slow">
+        <p:fade/>
+      </p:transition>
+    </mc:Fallback>
+  </mc:AlternateContent>
+  <p:timing>
+    <p:tnLst>
+      <p:par>
+        <p:cTn id="1" dur="indefinite" restart="never" nodeType="tmRoot"/>
+      </p:par>
+    </p:tnLst>
+  </p:timing>
+</p:sld>
+</file>
+
+<file path=ppt/slides/slide18.xml><?xml version="1.0" encoding="utf-8"?>
+<p:sld xmlns:a="http://schemas.openxmlformats.org/drawingml/2006/main" xmlns:r="http://schemas.openxmlformats.org/officeDocument/2006/relationships" xmlns:p="http://schemas.openxmlformats.org/presentationml/2006/main">
+  <p:cSld>
     <p:spTree>
       <p:nvGrpSpPr>
         <p:cNvPr id="1" name=""/>
@@ -7786,13 +12249,13 @@
   <p:clrMapOvr>
     <a:masterClrMapping/>
   </p:clrMapOvr>
-  <mc:AlternateContent xmlns:mc="http://schemas.openxmlformats.org/markup-compatibility/2006">
-    <mc:Choice xmlns:p15="http://schemas.microsoft.com/office/powerpoint/2012/main" Requires="p15">
+  <mc:AlternateContent xmlns:mc="http://schemas.openxmlformats.org/markup-compatibility/2006" xmlns:p15="http://schemas.microsoft.com/office/powerpoint/2012/main">
+    <mc:Choice Requires="p15">
       <p:transition xmlns:p14="http://schemas.microsoft.com/office/powerpoint/2010/main" spd="slow" p14:dur="1250">
         <p15:prstTrans prst="pageCurlDouble"/>
       </p:transition>
     </mc:Choice>
-    <mc:Fallback>
+    <mc:Fallback xmlns="">
       <p:transition spd="slow">
         <p:fade/>
       </p:transition>
@@ -7808,7 +12271,7 @@
 </p:sld>
 </file>
 
-<file path=ppt/slides/slide15.xml><?xml version="1.0" encoding="utf-8"?>
+<file path=ppt/slides/slide19.xml><?xml version="1.0" encoding="utf-8"?>
 <p:sld xmlns:a="http://schemas.openxmlformats.org/drawingml/2006/main" xmlns:r="http://schemas.openxmlformats.org/officeDocument/2006/relationships" xmlns:p="http://schemas.openxmlformats.org/presentationml/2006/main">
   <p:cSld>
     <p:spTree>
@@ -8020,478 +12483,6 @@
     <p:extLst>
       <p:ext uri="{BB962C8B-B14F-4D97-AF65-F5344CB8AC3E}">
         <p14:creationId xmlns:p14="http://schemas.microsoft.com/office/powerpoint/2010/main" val="3329229335"/>
-      </p:ext>
-    </p:extLst>
-  </p:cSld>
-  <p:clrMapOvr>
-    <a:masterClrMapping/>
-  </p:clrMapOvr>
-  <mc:AlternateContent xmlns:mc="http://schemas.openxmlformats.org/markup-compatibility/2006">
-    <mc:Choice xmlns:p14="http://schemas.microsoft.com/office/powerpoint/2010/main" Requires="p14">
-      <p:transition spd="med" p14:dur="700">
-        <p:fade/>
-      </p:transition>
-    </mc:Choice>
-    <mc:Fallback>
-      <p:transition spd="med">
-        <p:fade/>
-      </p:transition>
-    </mc:Fallback>
-  </mc:AlternateContent>
-  <p:timing>
-    <p:tnLst>
-      <p:par>
-        <p:cTn id="1" dur="indefinite" restart="never" nodeType="tmRoot"/>
-      </p:par>
-    </p:tnLst>
-  </p:timing>
-</p:sld>
-</file>
-
-<file path=ppt/slides/slide16.xml><?xml version="1.0" encoding="utf-8"?>
-<p:sld xmlns:a="http://schemas.openxmlformats.org/drawingml/2006/main" xmlns:r="http://schemas.openxmlformats.org/officeDocument/2006/relationships" xmlns:p="http://schemas.openxmlformats.org/presentationml/2006/main">
-  <p:cSld>
-    <p:spTree>
-      <p:nvGrpSpPr>
-        <p:cNvPr id="1" name=""/>
-        <p:cNvGrpSpPr/>
-        <p:nvPr/>
-      </p:nvGrpSpPr>
-      <p:grpSpPr>
-        <a:xfrm>
-          <a:off x="0" y="0"/>
-          <a:ext cx="0" cy="0"/>
-          <a:chOff x="0" y="0"/>
-          <a:chExt cx="0" cy="0"/>
-        </a:xfrm>
-      </p:grpSpPr>
-      <p:pic>
-        <p:nvPicPr>
-          <p:cNvPr id="4" name="Picture 2" descr="https://encrypted-tbn3.gstatic.com/images?q=tbn:ANd9GcRktV4tITmjsHP5KcuadxBOAxMthmTqSII6xE4qfZ5dVjH2u5HT"/>
-          <p:cNvPicPr>
-            <a:picLocks noChangeAspect="1" noChangeArrowheads="1"/>
-          </p:cNvPicPr>
-          <p:nvPr/>
-        </p:nvPicPr>
-        <p:blipFill>
-          <a:blip r:embed="rId2">
-            <a:extLst>
-              <a:ext uri="{BEBA8EAE-BF5A-486C-A8C5-ECC9F3942E4B}">
-                <a14:imgProps xmlns:a14="http://schemas.microsoft.com/office/drawing/2010/main">
-                  <a14:imgLayer r:embed="rId3">
-                    <a14:imgEffect>
-                      <a14:saturation sat="0"/>
-                    </a14:imgEffect>
-                  </a14:imgLayer>
-                </a14:imgProps>
-              </a:ext>
-              <a:ext uri="{28A0092B-C50C-407E-A947-70E740481C1C}">
-                <a14:useLocalDpi xmlns:a14="http://schemas.microsoft.com/office/drawing/2010/main" val="0"/>
-              </a:ext>
-            </a:extLst>
-          </a:blip>
-          <a:srcRect/>
-          <a:stretch>
-            <a:fillRect/>
-          </a:stretch>
-        </p:blipFill>
-        <p:spPr bwMode="auto">
-          <a:xfrm>
-            <a:off x="572135" y="124088"/>
-            <a:ext cx="3434080" cy="3434080"/>
-          </a:xfrm>
-          <a:prstGeom prst="rect">
-            <a:avLst/>
-          </a:prstGeom>
-          <a:noFill/>
-          <a:extLst>
-            <a:ext uri="{909E8E84-426E-40DD-AFC4-6F175D3DCCD1}">
-              <a14:hiddenFill xmlns:a14="http://schemas.microsoft.com/office/drawing/2010/main">
-                <a:solidFill>
-                  <a:srgbClr val="FFFFFF"/>
-                </a:solidFill>
-              </a14:hiddenFill>
-            </a:ext>
-          </a:extLst>
-        </p:spPr>
-      </p:pic>
-      <p:pic>
-        <p:nvPicPr>
-          <p:cNvPr id="5" name="Picture 4" descr="百度深度学习研究院"/>
-          <p:cNvPicPr>
-            <a:picLocks noChangeAspect="1" noChangeArrowheads="1"/>
-          </p:cNvPicPr>
-          <p:nvPr/>
-        </p:nvPicPr>
-        <p:blipFill>
-          <a:blip r:embed="rId4">
-            <a:extLst>
-              <a:ext uri="{28A0092B-C50C-407E-A947-70E740481C1C}">
-                <a14:useLocalDpi xmlns:a14="http://schemas.microsoft.com/office/drawing/2010/main" val="0"/>
-              </a:ext>
-            </a:extLst>
-          </a:blip>
-          <a:srcRect/>
-          <a:stretch>
-            <a:fillRect/>
-          </a:stretch>
-        </p:blipFill>
-        <p:spPr bwMode="auto">
-          <a:xfrm>
-            <a:off x="977899" y="3654070"/>
-            <a:ext cx="7373621" cy="1024672"/>
-          </a:xfrm>
-          <a:prstGeom prst="rect">
-            <a:avLst/>
-          </a:prstGeom>
-          <a:noFill/>
-          <a:extLst>
-            <a:ext uri="{909E8E84-426E-40DD-AFC4-6F175D3DCCD1}">
-              <a14:hiddenFill xmlns:a14="http://schemas.microsoft.com/office/drawing/2010/main">
-                <a:solidFill>
-                  <a:srgbClr val="FFFFFF"/>
-                </a:solidFill>
-              </a14:hiddenFill>
-            </a:ext>
-          </a:extLst>
-        </p:spPr>
-      </p:pic>
-      <p:sp>
-        <p:nvSpPr>
-          <p:cNvPr id="6" name="文本框 5"/>
-          <p:cNvSpPr txBox="1"/>
-          <p:nvPr/>
-        </p:nvSpPr>
-        <p:spPr>
-          <a:xfrm>
-            <a:off x="1229359" y="5047456"/>
-            <a:ext cx="7112000" cy="769441"/>
-          </a:xfrm>
-          <a:prstGeom prst="rect">
-            <a:avLst/>
-          </a:prstGeom>
-          <a:noFill/>
-        </p:spPr>
-        <p:txBody>
-          <a:bodyPr wrap="square" rtlCol="0">
-            <a:spAutoFit/>
-          </a:bodyPr>
-          <a:lstStyle/>
-          <a:p>
-            <a:r>
-              <a:rPr lang="en-US" altLang="zh-CN" sz="4400" b="1" dirty="0" smtClean="0">
-                <a:solidFill>
-                  <a:srgbClr val="FF0000"/>
-                </a:solidFill>
-                <a:latin typeface="Bradley Hand ITC" panose="03070402050302030203" pitchFamily="66" charset="0"/>
-              </a:rPr>
-              <a:t>Institute of Deep Learning</a:t>
-            </a:r>
-            <a:endParaRPr lang="zh-CN" altLang="en-US" sz="4400" b="1" dirty="0">
-              <a:solidFill>
-                <a:srgbClr val="FF0000"/>
-              </a:solidFill>
-              <a:latin typeface="Bradley Hand ITC" panose="03070402050302030203" pitchFamily="66" charset="0"/>
-            </a:endParaRPr>
-          </a:p>
-        </p:txBody>
-      </p:sp>
-      <p:pic>
-        <p:nvPicPr>
-          <p:cNvPr id="6146" name="Picture 2" descr="http://techhamlet.com/wp-content/uploads/2011/09/google-brain.jpg"/>
-          <p:cNvPicPr>
-            <a:picLocks noChangeAspect="1" noChangeArrowheads="1"/>
-          </p:cNvPicPr>
-          <p:nvPr/>
-        </p:nvPicPr>
-        <p:blipFill>
-          <a:blip r:embed="rId5">
-            <a:extLst>
-              <a:ext uri="{BEBA8EAE-BF5A-486C-A8C5-ECC9F3942E4B}">
-                <a14:imgProps xmlns:a14="http://schemas.microsoft.com/office/drawing/2010/main">
-                  <a14:imgLayer r:embed="rId6">
-                    <a14:imgEffect>
-                      <a14:backgroundRemoval t="0" b="99063" l="0" r="98368"/>
-                    </a14:imgEffect>
-                    <a14:imgEffect>
-                      <a14:saturation sat="0"/>
-                    </a14:imgEffect>
-                  </a14:imgLayer>
-                </a14:imgProps>
-              </a:ext>
-              <a:ext uri="{28A0092B-C50C-407E-A947-70E740481C1C}">
-                <a14:useLocalDpi xmlns:a14="http://schemas.microsoft.com/office/drawing/2010/main" val="0"/>
-              </a:ext>
-            </a:extLst>
-          </a:blip>
-          <a:srcRect/>
-          <a:stretch>
-            <a:fillRect/>
-          </a:stretch>
-        </p:blipFill>
-        <p:spPr bwMode="auto">
-          <a:xfrm>
-            <a:off x="4795520" y="317127"/>
-            <a:ext cx="4086225" cy="3048001"/>
-          </a:xfrm>
-          <a:prstGeom prst="rect">
-            <a:avLst/>
-          </a:prstGeom>
-          <a:noFill/>
-          <a:extLst>
-            <a:ext uri="{909E8E84-426E-40DD-AFC4-6F175D3DCCD1}">
-              <a14:hiddenFill xmlns:a14="http://schemas.microsoft.com/office/drawing/2010/main">
-                <a:solidFill>
-                  <a:srgbClr val="FFFFFF"/>
-                </a:solidFill>
-              </a14:hiddenFill>
-            </a:ext>
-          </a:extLst>
-        </p:spPr>
-      </p:pic>
-      <p:sp>
-        <p:nvSpPr>
-          <p:cNvPr id="2" name="矩形 1"/>
-          <p:cNvSpPr/>
-          <p:nvPr/>
-        </p:nvSpPr>
-        <p:spPr>
-          <a:xfrm>
-            <a:off x="2643186" y="6000945"/>
-            <a:ext cx="4284345" cy="369332"/>
-          </a:xfrm>
-          <a:prstGeom prst="rect">
-            <a:avLst/>
-          </a:prstGeom>
-        </p:spPr>
-        <p:txBody>
-          <a:bodyPr wrap="square">
-            <a:spAutoFit/>
-          </a:bodyPr>
-          <a:lstStyle/>
-          <a:p>
-            <a:r>
-              <a:rPr lang="zh-CN" altLang="en-US" dirty="0" smtClean="0"/>
-              <a:t>http://idl.baidu.com/index.html</a:t>
-            </a:r>
-            <a:endParaRPr lang="zh-CN" altLang="en-US" dirty="0"/>
-          </a:p>
-        </p:txBody>
-      </p:sp>
-    </p:spTree>
-    <p:extLst>
-      <p:ext uri="{BB962C8B-B14F-4D97-AF65-F5344CB8AC3E}">
-        <p14:creationId xmlns:p14="http://schemas.microsoft.com/office/powerpoint/2010/main" val="4007438120"/>
-      </p:ext>
-    </p:extLst>
-  </p:cSld>
-  <p:clrMapOvr>
-    <a:masterClrMapping/>
-  </p:clrMapOvr>
-  <mc:AlternateContent xmlns:mc="http://schemas.openxmlformats.org/markup-compatibility/2006">
-    <mc:Choice xmlns:p15="http://schemas.microsoft.com/office/powerpoint/2012/main" Requires="p15">
-      <p:transition xmlns:p14="http://schemas.microsoft.com/office/powerpoint/2010/main" spd="slow" p14:dur="2000">
-        <p15:prstTrans prst="drape"/>
-      </p:transition>
-    </mc:Choice>
-    <mc:Fallback>
-      <p:transition spd="slow">
-        <p:fade/>
-      </p:transition>
-    </mc:Fallback>
-  </mc:AlternateContent>
-  <p:timing>
-    <p:tnLst>
-      <p:par>
-        <p:cTn id="1" dur="indefinite" restart="never" nodeType="tmRoot"/>
-      </p:par>
-    </p:tnLst>
-  </p:timing>
-</p:sld>
-</file>
-
-<file path=ppt/slides/slide17.xml><?xml version="1.0" encoding="utf-8"?>
-<p:sld xmlns:a="http://schemas.openxmlformats.org/drawingml/2006/main" xmlns:r="http://schemas.openxmlformats.org/officeDocument/2006/relationships" xmlns:p="http://schemas.openxmlformats.org/presentationml/2006/main">
-  <p:cSld>
-    <p:spTree>
-      <p:nvGrpSpPr>
-        <p:cNvPr id="1" name=""/>
-        <p:cNvGrpSpPr/>
-        <p:nvPr/>
-      </p:nvGrpSpPr>
-      <p:grpSpPr>
-        <a:xfrm>
-          <a:off x="0" y="0"/>
-          <a:ext cx="0" cy="0"/>
-          <a:chOff x="0" y="0"/>
-          <a:chExt cx="0" cy="0"/>
-        </a:xfrm>
-      </p:grpSpPr>
-      <p:pic>
-        <p:nvPicPr>
-          <p:cNvPr id="14340" name="Picture 4" descr="http://cms.csdnimg.cn/article/201405/15/537407d6bf5fe.jpg"/>
-          <p:cNvPicPr>
-            <a:picLocks noChangeAspect="1" noChangeArrowheads="1"/>
-          </p:cNvPicPr>
-          <p:nvPr/>
-        </p:nvPicPr>
-        <p:blipFill>
-          <a:blip r:embed="rId2">
-            <a:extLst>
-              <a:ext uri="{28A0092B-C50C-407E-A947-70E740481C1C}">
-                <a14:useLocalDpi xmlns:a14="http://schemas.microsoft.com/office/drawing/2010/main" val="0"/>
-              </a:ext>
-            </a:extLst>
-          </a:blip>
-          <a:srcRect/>
-          <a:stretch>
-            <a:fillRect/>
-          </a:stretch>
-        </p:blipFill>
-        <p:spPr bwMode="auto">
-          <a:xfrm>
-            <a:off x="-1259840" y="-31018"/>
-            <a:ext cx="12247142" cy="6889018"/>
-          </a:xfrm>
-          <a:prstGeom prst="rect">
-            <a:avLst/>
-          </a:prstGeom>
-          <a:noFill/>
-          <a:extLst>
-            <a:ext uri="{909E8E84-426E-40DD-AFC4-6F175D3DCCD1}">
-              <a14:hiddenFill xmlns:a14="http://schemas.microsoft.com/office/drawing/2010/main">
-                <a:solidFill>
-                  <a:srgbClr val="FFFFFF"/>
-                </a:solidFill>
-              </a14:hiddenFill>
-            </a:ext>
-          </a:extLst>
-        </p:spPr>
-      </p:pic>
-      <p:pic>
-        <p:nvPicPr>
-          <p:cNvPr id="16386" name="Picture 2" descr="https://encrypted-tbn0.gstatic.com/images?q=tbn:ANd9GcSXw8cOSuuCiAu3DiAkOK21UPHbIGKyNcuy_T3aIGIw3rJaqF1McQ"/>
-          <p:cNvPicPr>
-            <a:picLocks noChangeAspect="1" noChangeArrowheads="1"/>
-          </p:cNvPicPr>
-          <p:nvPr/>
-        </p:nvPicPr>
-        <p:blipFill>
-          <a:blip r:embed="rId3">
-            <a:extLst>
-              <a:ext uri="{28A0092B-C50C-407E-A947-70E740481C1C}">
-                <a14:useLocalDpi xmlns:a14="http://schemas.microsoft.com/office/drawing/2010/main" val="0"/>
-              </a:ext>
-            </a:extLst>
-          </a:blip>
-          <a:srcRect/>
-          <a:stretch>
-            <a:fillRect/>
-          </a:stretch>
-        </p:blipFill>
-        <p:spPr bwMode="auto">
-          <a:xfrm rot="161769">
-            <a:off x="3386455" y="4592638"/>
-            <a:ext cx="2394585" cy="798196"/>
-          </a:xfrm>
-          <a:prstGeom prst="rect">
-            <a:avLst/>
-          </a:prstGeom>
-          <a:noFill/>
-          <a:extLst>
-            <a:ext uri="{909E8E84-426E-40DD-AFC4-6F175D3DCCD1}">
-              <a14:hiddenFill xmlns:a14="http://schemas.microsoft.com/office/drawing/2010/main">
-                <a:solidFill>
-                  <a:srgbClr val="FFFFFF"/>
-                </a:solidFill>
-              </a14:hiddenFill>
-            </a:ext>
-          </a:extLst>
-        </p:spPr>
-      </p:pic>
-    </p:spTree>
-    <p:extLst>
-      <p:ext uri="{BB962C8B-B14F-4D97-AF65-F5344CB8AC3E}">
-        <p14:creationId xmlns:p14="http://schemas.microsoft.com/office/powerpoint/2010/main" val="3586963930"/>
-      </p:ext>
-    </p:extLst>
-  </p:cSld>
-  <p:clrMapOvr>
-    <a:masterClrMapping/>
-  </p:clrMapOvr>
-  <mc:AlternateContent xmlns:mc="http://schemas.openxmlformats.org/markup-compatibility/2006" xmlns:p15="http://schemas.microsoft.com/office/powerpoint/2012/main">
-    <mc:Choice Requires="p15">
-      <p:transition xmlns:p14="http://schemas.microsoft.com/office/powerpoint/2010/main" spd="slow" p14:dur="2000">
-        <p15:prstTrans prst="crush"/>
-      </p:transition>
-    </mc:Choice>
-    <mc:Fallback xmlns="">
-      <p:transition spd="slow">
-        <p:fade/>
-      </p:transition>
-    </mc:Fallback>
-  </mc:AlternateContent>
-  <p:timing>
-    <p:tnLst>
-      <p:par>
-        <p:cTn id="1" dur="indefinite" restart="never" nodeType="tmRoot"/>
-      </p:par>
-    </p:tnLst>
-  </p:timing>
-</p:sld>
-</file>
-
-<file path=ppt/slides/slide18.xml><?xml version="1.0" encoding="utf-8"?>
-<p:sld xmlns:a="http://schemas.openxmlformats.org/drawingml/2006/main" xmlns:r="http://schemas.openxmlformats.org/officeDocument/2006/relationships" xmlns:p="http://schemas.openxmlformats.org/presentationml/2006/main">
-  <p:cSld>
-    <p:spTree>
-      <p:nvGrpSpPr>
-        <p:cNvPr id="1" name=""/>
-        <p:cNvGrpSpPr/>
-        <p:nvPr/>
-      </p:nvGrpSpPr>
-      <p:grpSpPr>
-        <a:xfrm>
-          <a:off x="0" y="0"/>
-          <a:ext cx="0" cy="0"/>
-          <a:chOff x="0" y="0"/>
-          <a:chExt cx="0" cy="0"/>
-        </a:xfrm>
-      </p:grpSpPr>
-      <p:pic>
-        <p:nvPicPr>
-          <p:cNvPr id="4" name="图片 3"/>
-          <p:cNvPicPr>
-            <a:picLocks noChangeAspect="1"/>
-          </p:cNvPicPr>
-          <p:nvPr/>
-        </p:nvPicPr>
-        <p:blipFill>
-          <a:blip r:embed="rId2">
-            <a:extLst>
-              <a:ext uri="{28A0092B-C50C-407E-A947-70E740481C1C}">
-                <a14:useLocalDpi xmlns:a14="http://schemas.microsoft.com/office/drawing/2010/main" val="0"/>
-              </a:ext>
-            </a:extLst>
-          </a:blip>
-          <a:stretch>
-            <a:fillRect/>
-          </a:stretch>
-        </p:blipFill>
-        <p:spPr>
-          <a:xfrm>
-            <a:off x="-1656080" y="-149860"/>
-            <a:ext cx="12438388" cy="7007860"/>
-          </a:xfrm>
-          <a:prstGeom prst="rect">
-            <a:avLst/>
-          </a:prstGeom>
-        </p:spPr>
-      </p:pic>
-    </p:spTree>
-    <p:extLst>
-      <p:ext uri="{BB962C8B-B14F-4D97-AF65-F5344CB8AC3E}">
-        <p14:creationId xmlns:p14="http://schemas.microsoft.com/office/powerpoint/2010/main" val="2305342037"/>
       </p:ext>
     </p:extLst>
   </p:cSld>
@@ -8684,6 +12675,478 @@
     </mc:Choice>
     <mc:Fallback xmlns="">
       <p:transition spd="slow">
+        <p:fade/>
+      </p:transition>
+    </mc:Fallback>
+  </mc:AlternateContent>
+  <p:timing>
+    <p:tnLst>
+      <p:par>
+        <p:cTn id="1" dur="indefinite" restart="never" nodeType="tmRoot"/>
+      </p:par>
+    </p:tnLst>
+  </p:timing>
+</p:sld>
+</file>
+
+<file path=ppt/slides/slide20.xml><?xml version="1.0" encoding="utf-8"?>
+<p:sld xmlns:a="http://schemas.openxmlformats.org/drawingml/2006/main" xmlns:r="http://schemas.openxmlformats.org/officeDocument/2006/relationships" xmlns:p="http://schemas.openxmlformats.org/presentationml/2006/main">
+  <p:cSld>
+    <p:spTree>
+      <p:nvGrpSpPr>
+        <p:cNvPr id="1" name=""/>
+        <p:cNvGrpSpPr/>
+        <p:nvPr/>
+      </p:nvGrpSpPr>
+      <p:grpSpPr>
+        <a:xfrm>
+          <a:off x="0" y="0"/>
+          <a:ext cx="0" cy="0"/>
+          <a:chOff x="0" y="0"/>
+          <a:chExt cx="0" cy="0"/>
+        </a:xfrm>
+      </p:grpSpPr>
+      <p:pic>
+        <p:nvPicPr>
+          <p:cNvPr id="4" name="Picture 2" descr="https://encrypted-tbn3.gstatic.com/images?q=tbn:ANd9GcRktV4tITmjsHP5KcuadxBOAxMthmTqSII6xE4qfZ5dVjH2u5HT"/>
+          <p:cNvPicPr>
+            <a:picLocks noChangeAspect="1" noChangeArrowheads="1"/>
+          </p:cNvPicPr>
+          <p:nvPr/>
+        </p:nvPicPr>
+        <p:blipFill>
+          <a:blip r:embed="rId2">
+            <a:extLst>
+              <a:ext uri="{BEBA8EAE-BF5A-486C-A8C5-ECC9F3942E4B}">
+                <a14:imgProps xmlns:a14="http://schemas.microsoft.com/office/drawing/2010/main">
+                  <a14:imgLayer r:embed="rId3">
+                    <a14:imgEffect>
+                      <a14:saturation sat="0"/>
+                    </a14:imgEffect>
+                  </a14:imgLayer>
+                </a14:imgProps>
+              </a:ext>
+              <a:ext uri="{28A0092B-C50C-407E-A947-70E740481C1C}">
+                <a14:useLocalDpi xmlns:a14="http://schemas.microsoft.com/office/drawing/2010/main" val="0"/>
+              </a:ext>
+            </a:extLst>
+          </a:blip>
+          <a:srcRect/>
+          <a:stretch>
+            <a:fillRect/>
+          </a:stretch>
+        </p:blipFill>
+        <p:spPr bwMode="auto">
+          <a:xfrm>
+            <a:off x="572135" y="124088"/>
+            <a:ext cx="3434080" cy="3434080"/>
+          </a:xfrm>
+          <a:prstGeom prst="rect">
+            <a:avLst/>
+          </a:prstGeom>
+          <a:noFill/>
+          <a:extLst>
+            <a:ext uri="{909E8E84-426E-40DD-AFC4-6F175D3DCCD1}">
+              <a14:hiddenFill xmlns:a14="http://schemas.microsoft.com/office/drawing/2010/main">
+                <a:solidFill>
+                  <a:srgbClr val="FFFFFF"/>
+                </a:solidFill>
+              </a14:hiddenFill>
+            </a:ext>
+          </a:extLst>
+        </p:spPr>
+      </p:pic>
+      <p:pic>
+        <p:nvPicPr>
+          <p:cNvPr id="5" name="Picture 4" descr="百度深度学习研究院"/>
+          <p:cNvPicPr>
+            <a:picLocks noChangeAspect="1" noChangeArrowheads="1"/>
+          </p:cNvPicPr>
+          <p:nvPr/>
+        </p:nvPicPr>
+        <p:blipFill>
+          <a:blip r:embed="rId4">
+            <a:extLst>
+              <a:ext uri="{28A0092B-C50C-407E-A947-70E740481C1C}">
+                <a14:useLocalDpi xmlns:a14="http://schemas.microsoft.com/office/drawing/2010/main" val="0"/>
+              </a:ext>
+            </a:extLst>
+          </a:blip>
+          <a:srcRect/>
+          <a:stretch>
+            <a:fillRect/>
+          </a:stretch>
+        </p:blipFill>
+        <p:spPr bwMode="auto">
+          <a:xfrm>
+            <a:off x="977899" y="3654070"/>
+            <a:ext cx="7373621" cy="1024672"/>
+          </a:xfrm>
+          <a:prstGeom prst="rect">
+            <a:avLst/>
+          </a:prstGeom>
+          <a:noFill/>
+          <a:extLst>
+            <a:ext uri="{909E8E84-426E-40DD-AFC4-6F175D3DCCD1}">
+              <a14:hiddenFill xmlns:a14="http://schemas.microsoft.com/office/drawing/2010/main">
+                <a:solidFill>
+                  <a:srgbClr val="FFFFFF"/>
+                </a:solidFill>
+              </a14:hiddenFill>
+            </a:ext>
+          </a:extLst>
+        </p:spPr>
+      </p:pic>
+      <p:sp>
+        <p:nvSpPr>
+          <p:cNvPr id="6" name="文本框 5"/>
+          <p:cNvSpPr txBox="1"/>
+          <p:nvPr/>
+        </p:nvSpPr>
+        <p:spPr>
+          <a:xfrm>
+            <a:off x="1229359" y="5047456"/>
+            <a:ext cx="7112000" cy="769441"/>
+          </a:xfrm>
+          <a:prstGeom prst="rect">
+            <a:avLst/>
+          </a:prstGeom>
+          <a:noFill/>
+        </p:spPr>
+        <p:txBody>
+          <a:bodyPr wrap="square" rtlCol="0">
+            <a:spAutoFit/>
+          </a:bodyPr>
+          <a:lstStyle/>
+          <a:p>
+            <a:r>
+              <a:rPr lang="en-US" altLang="zh-CN" sz="4400" b="1" dirty="0" smtClean="0">
+                <a:solidFill>
+                  <a:srgbClr val="FF0000"/>
+                </a:solidFill>
+                <a:latin typeface="Bradley Hand ITC" panose="03070402050302030203" pitchFamily="66" charset="0"/>
+              </a:rPr>
+              <a:t>Institute of Deep Learning</a:t>
+            </a:r>
+            <a:endParaRPr lang="zh-CN" altLang="en-US" sz="4400" b="1" dirty="0">
+              <a:solidFill>
+                <a:srgbClr val="FF0000"/>
+              </a:solidFill>
+              <a:latin typeface="Bradley Hand ITC" panose="03070402050302030203" pitchFamily="66" charset="0"/>
+            </a:endParaRPr>
+          </a:p>
+        </p:txBody>
+      </p:sp>
+      <p:pic>
+        <p:nvPicPr>
+          <p:cNvPr id="6146" name="Picture 2" descr="http://techhamlet.com/wp-content/uploads/2011/09/google-brain.jpg"/>
+          <p:cNvPicPr>
+            <a:picLocks noChangeAspect="1" noChangeArrowheads="1"/>
+          </p:cNvPicPr>
+          <p:nvPr/>
+        </p:nvPicPr>
+        <p:blipFill>
+          <a:blip r:embed="rId5">
+            <a:extLst>
+              <a:ext uri="{BEBA8EAE-BF5A-486C-A8C5-ECC9F3942E4B}">
+                <a14:imgProps xmlns:a14="http://schemas.microsoft.com/office/drawing/2010/main">
+                  <a14:imgLayer r:embed="rId6">
+                    <a14:imgEffect>
+                      <a14:backgroundRemoval t="0" b="99063" l="0" r="98368"/>
+                    </a14:imgEffect>
+                    <a14:imgEffect>
+                      <a14:saturation sat="0"/>
+                    </a14:imgEffect>
+                  </a14:imgLayer>
+                </a14:imgProps>
+              </a:ext>
+              <a:ext uri="{28A0092B-C50C-407E-A947-70E740481C1C}">
+                <a14:useLocalDpi xmlns:a14="http://schemas.microsoft.com/office/drawing/2010/main" val="0"/>
+              </a:ext>
+            </a:extLst>
+          </a:blip>
+          <a:srcRect/>
+          <a:stretch>
+            <a:fillRect/>
+          </a:stretch>
+        </p:blipFill>
+        <p:spPr bwMode="auto">
+          <a:xfrm>
+            <a:off x="4795520" y="317127"/>
+            <a:ext cx="4086225" cy="3048001"/>
+          </a:xfrm>
+          <a:prstGeom prst="rect">
+            <a:avLst/>
+          </a:prstGeom>
+          <a:noFill/>
+          <a:extLst>
+            <a:ext uri="{909E8E84-426E-40DD-AFC4-6F175D3DCCD1}">
+              <a14:hiddenFill xmlns:a14="http://schemas.microsoft.com/office/drawing/2010/main">
+                <a:solidFill>
+                  <a:srgbClr val="FFFFFF"/>
+                </a:solidFill>
+              </a14:hiddenFill>
+            </a:ext>
+          </a:extLst>
+        </p:spPr>
+      </p:pic>
+      <p:sp>
+        <p:nvSpPr>
+          <p:cNvPr id="2" name="矩形 1"/>
+          <p:cNvSpPr/>
+          <p:nvPr/>
+        </p:nvSpPr>
+        <p:spPr>
+          <a:xfrm>
+            <a:off x="2643186" y="6000945"/>
+            <a:ext cx="4284345" cy="369332"/>
+          </a:xfrm>
+          <a:prstGeom prst="rect">
+            <a:avLst/>
+          </a:prstGeom>
+        </p:spPr>
+        <p:txBody>
+          <a:bodyPr wrap="square">
+            <a:spAutoFit/>
+          </a:bodyPr>
+          <a:lstStyle/>
+          <a:p>
+            <a:r>
+              <a:rPr lang="zh-CN" altLang="en-US" dirty="0" smtClean="0"/>
+              <a:t>http://idl.baidu.com/index.html</a:t>
+            </a:r>
+            <a:endParaRPr lang="zh-CN" altLang="en-US" dirty="0"/>
+          </a:p>
+        </p:txBody>
+      </p:sp>
+    </p:spTree>
+    <p:extLst>
+      <p:ext uri="{BB962C8B-B14F-4D97-AF65-F5344CB8AC3E}">
+        <p14:creationId xmlns:p14="http://schemas.microsoft.com/office/powerpoint/2010/main" val="4007438120"/>
+      </p:ext>
+    </p:extLst>
+  </p:cSld>
+  <p:clrMapOvr>
+    <a:masterClrMapping/>
+  </p:clrMapOvr>
+  <mc:AlternateContent xmlns:mc="http://schemas.openxmlformats.org/markup-compatibility/2006" xmlns:p15="http://schemas.microsoft.com/office/powerpoint/2012/main">
+    <mc:Choice Requires="p15">
+      <p:transition xmlns:p14="http://schemas.microsoft.com/office/powerpoint/2010/main" spd="slow" p14:dur="2000">
+        <p15:prstTrans prst="drape"/>
+      </p:transition>
+    </mc:Choice>
+    <mc:Fallback xmlns="">
+      <p:transition spd="slow">
+        <p:fade/>
+      </p:transition>
+    </mc:Fallback>
+  </mc:AlternateContent>
+  <p:timing>
+    <p:tnLst>
+      <p:par>
+        <p:cTn id="1" dur="indefinite" restart="never" nodeType="tmRoot"/>
+      </p:par>
+    </p:tnLst>
+  </p:timing>
+</p:sld>
+</file>
+
+<file path=ppt/slides/slide21.xml><?xml version="1.0" encoding="utf-8"?>
+<p:sld xmlns:a="http://schemas.openxmlformats.org/drawingml/2006/main" xmlns:r="http://schemas.openxmlformats.org/officeDocument/2006/relationships" xmlns:p="http://schemas.openxmlformats.org/presentationml/2006/main">
+  <p:cSld>
+    <p:spTree>
+      <p:nvGrpSpPr>
+        <p:cNvPr id="1" name=""/>
+        <p:cNvGrpSpPr/>
+        <p:nvPr/>
+      </p:nvGrpSpPr>
+      <p:grpSpPr>
+        <a:xfrm>
+          <a:off x="0" y="0"/>
+          <a:ext cx="0" cy="0"/>
+          <a:chOff x="0" y="0"/>
+          <a:chExt cx="0" cy="0"/>
+        </a:xfrm>
+      </p:grpSpPr>
+      <p:pic>
+        <p:nvPicPr>
+          <p:cNvPr id="14340" name="Picture 4" descr="http://cms.csdnimg.cn/article/201405/15/537407d6bf5fe.jpg"/>
+          <p:cNvPicPr>
+            <a:picLocks noChangeAspect="1" noChangeArrowheads="1"/>
+          </p:cNvPicPr>
+          <p:nvPr/>
+        </p:nvPicPr>
+        <p:blipFill>
+          <a:blip r:embed="rId2">
+            <a:extLst>
+              <a:ext uri="{28A0092B-C50C-407E-A947-70E740481C1C}">
+                <a14:useLocalDpi xmlns:a14="http://schemas.microsoft.com/office/drawing/2010/main" val="0"/>
+              </a:ext>
+            </a:extLst>
+          </a:blip>
+          <a:srcRect/>
+          <a:stretch>
+            <a:fillRect/>
+          </a:stretch>
+        </p:blipFill>
+        <p:spPr bwMode="auto">
+          <a:xfrm>
+            <a:off x="-1259840" y="-31018"/>
+            <a:ext cx="12247142" cy="6889018"/>
+          </a:xfrm>
+          <a:prstGeom prst="rect">
+            <a:avLst/>
+          </a:prstGeom>
+          <a:noFill/>
+          <a:extLst>
+            <a:ext uri="{909E8E84-426E-40DD-AFC4-6F175D3DCCD1}">
+              <a14:hiddenFill xmlns:a14="http://schemas.microsoft.com/office/drawing/2010/main">
+                <a:solidFill>
+                  <a:srgbClr val="FFFFFF"/>
+                </a:solidFill>
+              </a14:hiddenFill>
+            </a:ext>
+          </a:extLst>
+        </p:spPr>
+      </p:pic>
+      <p:pic>
+        <p:nvPicPr>
+          <p:cNvPr id="16386" name="Picture 2" descr="https://encrypted-tbn0.gstatic.com/images?q=tbn:ANd9GcSXw8cOSuuCiAu3DiAkOK21UPHbIGKyNcuy_T3aIGIw3rJaqF1McQ"/>
+          <p:cNvPicPr>
+            <a:picLocks noChangeAspect="1" noChangeArrowheads="1"/>
+          </p:cNvPicPr>
+          <p:nvPr/>
+        </p:nvPicPr>
+        <p:blipFill>
+          <a:blip r:embed="rId3">
+            <a:extLst>
+              <a:ext uri="{28A0092B-C50C-407E-A947-70E740481C1C}">
+                <a14:useLocalDpi xmlns:a14="http://schemas.microsoft.com/office/drawing/2010/main" val="0"/>
+              </a:ext>
+            </a:extLst>
+          </a:blip>
+          <a:srcRect/>
+          <a:stretch>
+            <a:fillRect/>
+          </a:stretch>
+        </p:blipFill>
+        <p:spPr bwMode="auto">
+          <a:xfrm rot="161769">
+            <a:off x="3386455" y="4592638"/>
+            <a:ext cx="2394585" cy="798196"/>
+          </a:xfrm>
+          <a:prstGeom prst="rect">
+            <a:avLst/>
+          </a:prstGeom>
+          <a:noFill/>
+          <a:extLst>
+            <a:ext uri="{909E8E84-426E-40DD-AFC4-6F175D3DCCD1}">
+              <a14:hiddenFill xmlns:a14="http://schemas.microsoft.com/office/drawing/2010/main">
+                <a:solidFill>
+                  <a:srgbClr val="FFFFFF"/>
+                </a:solidFill>
+              </a14:hiddenFill>
+            </a:ext>
+          </a:extLst>
+        </p:spPr>
+      </p:pic>
+    </p:spTree>
+    <p:extLst>
+      <p:ext uri="{BB962C8B-B14F-4D97-AF65-F5344CB8AC3E}">
+        <p14:creationId xmlns:p14="http://schemas.microsoft.com/office/powerpoint/2010/main" val="3586963930"/>
+      </p:ext>
+    </p:extLst>
+  </p:cSld>
+  <p:clrMapOvr>
+    <a:masterClrMapping/>
+  </p:clrMapOvr>
+  <mc:AlternateContent xmlns:mc="http://schemas.openxmlformats.org/markup-compatibility/2006" xmlns:p15="http://schemas.microsoft.com/office/powerpoint/2012/main">
+    <mc:Choice Requires="p15">
+      <p:transition xmlns:p14="http://schemas.microsoft.com/office/powerpoint/2010/main" spd="slow" p14:dur="2000">
+        <p15:prstTrans prst="crush"/>
+      </p:transition>
+    </mc:Choice>
+    <mc:Fallback xmlns="">
+      <p:transition spd="slow">
+        <p:fade/>
+      </p:transition>
+    </mc:Fallback>
+  </mc:AlternateContent>
+  <p:timing>
+    <p:tnLst>
+      <p:par>
+        <p:cTn id="1" dur="indefinite" restart="never" nodeType="tmRoot"/>
+      </p:par>
+    </p:tnLst>
+  </p:timing>
+</p:sld>
+</file>
+
+<file path=ppt/slides/slide22.xml><?xml version="1.0" encoding="utf-8"?>
+<p:sld xmlns:a="http://schemas.openxmlformats.org/drawingml/2006/main" xmlns:r="http://schemas.openxmlformats.org/officeDocument/2006/relationships" xmlns:p="http://schemas.openxmlformats.org/presentationml/2006/main">
+  <p:cSld>
+    <p:spTree>
+      <p:nvGrpSpPr>
+        <p:cNvPr id="1" name=""/>
+        <p:cNvGrpSpPr/>
+        <p:nvPr/>
+      </p:nvGrpSpPr>
+      <p:grpSpPr>
+        <a:xfrm>
+          <a:off x="0" y="0"/>
+          <a:ext cx="0" cy="0"/>
+          <a:chOff x="0" y="0"/>
+          <a:chExt cx="0" cy="0"/>
+        </a:xfrm>
+      </p:grpSpPr>
+      <p:pic>
+        <p:nvPicPr>
+          <p:cNvPr id="4" name="图片 3"/>
+          <p:cNvPicPr>
+            <a:picLocks noChangeAspect="1"/>
+          </p:cNvPicPr>
+          <p:nvPr/>
+        </p:nvPicPr>
+        <p:blipFill>
+          <a:blip r:embed="rId2">
+            <a:extLst>
+              <a:ext uri="{28A0092B-C50C-407E-A947-70E740481C1C}">
+                <a14:useLocalDpi xmlns:a14="http://schemas.microsoft.com/office/drawing/2010/main" val="0"/>
+              </a:ext>
+            </a:extLst>
+          </a:blip>
+          <a:stretch>
+            <a:fillRect/>
+          </a:stretch>
+        </p:blipFill>
+        <p:spPr>
+          <a:xfrm>
+            <a:off x="-1656080" y="-149860"/>
+            <a:ext cx="12438388" cy="7007860"/>
+          </a:xfrm>
+          <a:prstGeom prst="rect">
+            <a:avLst/>
+          </a:prstGeom>
+        </p:spPr>
+      </p:pic>
+    </p:spTree>
+    <p:extLst>
+      <p:ext uri="{BB962C8B-B14F-4D97-AF65-F5344CB8AC3E}">
+        <p14:creationId xmlns:p14="http://schemas.microsoft.com/office/powerpoint/2010/main" val="2305342037"/>
+      </p:ext>
+    </p:extLst>
+  </p:cSld>
+  <p:clrMapOvr>
+    <a:masterClrMapping/>
+  </p:clrMapOvr>
+  <mc:AlternateContent xmlns:mc="http://schemas.openxmlformats.org/markup-compatibility/2006" xmlns:p14="http://schemas.microsoft.com/office/powerpoint/2010/main">
+    <mc:Choice Requires="p14">
+      <p:transition spd="med" p14:dur="700">
+        <p:fade/>
+      </p:transition>
+    </mc:Choice>
+    <mc:Fallback xmlns="">
+      <p:transition spd="med">
         <p:fade/>
       </p:transition>
     </mc:Fallback>
@@ -10219,13 +14682,13 @@
   <p:clrMapOvr>
     <a:masterClrMapping/>
   </p:clrMapOvr>
-  <mc:AlternateContent xmlns:mc="http://schemas.openxmlformats.org/markup-compatibility/2006">
-    <mc:Choice xmlns:p14="http://schemas.microsoft.com/office/powerpoint/2010/main" Requires="p14">
+  <mc:AlternateContent xmlns:mc="http://schemas.openxmlformats.org/markup-compatibility/2006" xmlns:p14="http://schemas.microsoft.com/office/powerpoint/2010/main">
+    <mc:Choice Requires="p14">
       <p:transition spd="slow" p14:dur="1250">
         <p14:switch dir="r"/>
       </p:transition>
     </mc:Choice>
-    <mc:Fallback>
+    <mc:Fallback xmlns="">
       <p:transition spd="slow">
         <p:fade/>
       </p:transition>
@@ -10940,4 +15403,289 @@
   <a:objectDefaults/>
   <a:extraClrSchemeLst/>
 </a:theme>
+</file>
+
+<file path=ppt/theme/theme3.xml><?xml version="1.0" encoding="utf-8"?>
+<a:theme xmlns:a="http://schemas.openxmlformats.org/drawingml/2006/main" name="2_Lecture">
+  <a:themeElements>
+    <a:clrScheme name="Office">
+      <a:dk1>
+        <a:sysClr val="windowText" lastClr="000000"/>
+      </a:dk1>
+      <a:lt1>
+        <a:sysClr val="window" lastClr="FFFFFF"/>
+      </a:lt1>
+      <a:dk2>
+        <a:srgbClr val="1F497D"/>
+      </a:dk2>
+      <a:lt2>
+        <a:srgbClr val="EEECE1"/>
+      </a:lt2>
+      <a:accent1>
+        <a:srgbClr val="4F81BD"/>
+      </a:accent1>
+      <a:accent2>
+        <a:srgbClr val="C0504D"/>
+      </a:accent2>
+      <a:accent3>
+        <a:srgbClr val="9BBB59"/>
+      </a:accent3>
+      <a:accent4>
+        <a:srgbClr val="8064A2"/>
+      </a:accent4>
+      <a:accent5>
+        <a:srgbClr val="4BACC6"/>
+      </a:accent5>
+      <a:accent6>
+        <a:srgbClr val="F79646"/>
+      </a:accent6>
+      <a:hlink>
+        <a:srgbClr val="0000FF"/>
+      </a:hlink>
+      <a:folHlink>
+        <a:srgbClr val="800080"/>
+      </a:folHlink>
+    </a:clrScheme>
+    <a:fontScheme name="Office">
+      <a:majorFont>
+        <a:latin typeface="Calibri"/>
+        <a:ea typeface=""/>
+        <a:cs typeface=""/>
+        <a:font script="Jpan" typeface="ＭＳ Ｐゴシック"/>
+        <a:font script="Hang" typeface="맑은 고딕"/>
+        <a:font script="Hans" typeface="宋体"/>
+        <a:font script="Hant" typeface="新細明體"/>
+        <a:font script="Arab" typeface="Times New Roman"/>
+        <a:font script="Hebr" typeface="Times New Roman"/>
+        <a:font script="Thai" typeface="Angsana New"/>
+        <a:font script="Ethi" typeface="Nyala"/>
+        <a:font script="Beng" typeface="Vrinda"/>
+        <a:font script="Gujr" typeface="Shruti"/>
+        <a:font script="Khmr" typeface="MoolBoran"/>
+        <a:font script="Knda" typeface="Tunga"/>
+        <a:font script="Guru" typeface="Raavi"/>
+        <a:font script="Cans" typeface="Euphemia"/>
+        <a:font script="Cher" typeface="Plantagenet Cherokee"/>
+        <a:font script="Yiii" typeface="Microsoft Yi Baiti"/>
+        <a:font script="Tibt" typeface="Microsoft Himalaya"/>
+        <a:font script="Thaa" typeface="MV Boli"/>
+        <a:font script="Deva" typeface="Mangal"/>
+        <a:font script="Telu" typeface="Gautami"/>
+        <a:font script="Taml" typeface="Latha"/>
+        <a:font script="Syrc" typeface="Estrangelo Edessa"/>
+        <a:font script="Orya" typeface="Kalinga"/>
+        <a:font script="Mlym" typeface="Kartika"/>
+        <a:font script="Laoo" typeface="DokChampa"/>
+        <a:font script="Sinh" typeface="Iskoola Pota"/>
+        <a:font script="Mong" typeface="Mongolian Baiti"/>
+        <a:font script="Viet" typeface="Times New Roman"/>
+        <a:font script="Uigh" typeface="Microsoft Uighur"/>
+        <a:font script="Geor" typeface="Sylfaen"/>
+      </a:majorFont>
+      <a:minorFont>
+        <a:latin typeface="Calibri"/>
+        <a:ea typeface=""/>
+        <a:cs typeface=""/>
+        <a:font script="Jpan" typeface="ＭＳ Ｐゴシック"/>
+        <a:font script="Hang" typeface="맑은 고딕"/>
+        <a:font script="Hans" typeface="宋体"/>
+        <a:font script="Hant" typeface="新細明體"/>
+        <a:font script="Arab" typeface="Arial"/>
+        <a:font script="Hebr" typeface="Arial"/>
+        <a:font script="Thai" typeface="Cordia New"/>
+        <a:font script="Ethi" typeface="Nyala"/>
+        <a:font script="Beng" typeface="Vrinda"/>
+        <a:font script="Gujr" typeface="Shruti"/>
+        <a:font script="Khmr" typeface="DaunPenh"/>
+        <a:font script="Knda" typeface="Tunga"/>
+        <a:font script="Guru" typeface="Raavi"/>
+        <a:font script="Cans" typeface="Euphemia"/>
+        <a:font script="Cher" typeface="Plantagenet Cherokee"/>
+        <a:font script="Yiii" typeface="Microsoft Yi Baiti"/>
+        <a:font script="Tibt" typeface="Microsoft Himalaya"/>
+        <a:font script="Thaa" typeface="MV Boli"/>
+        <a:font script="Deva" typeface="Mangal"/>
+        <a:font script="Telu" typeface="Gautami"/>
+        <a:font script="Taml" typeface="Latha"/>
+        <a:font script="Syrc" typeface="Estrangelo Edessa"/>
+        <a:font script="Orya" typeface="Kalinga"/>
+        <a:font script="Mlym" typeface="Kartika"/>
+        <a:font script="Laoo" typeface="DokChampa"/>
+        <a:font script="Sinh" typeface="Iskoola Pota"/>
+        <a:font script="Mong" typeface="Mongolian Baiti"/>
+        <a:font script="Viet" typeface="Arial"/>
+        <a:font script="Uigh" typeface="Microsoft Uighur"/>
+        <a:font script="Geor" typeface="Sylfaen"/>
+      </a:minorFont>
+    </a:fontScheme>
+    <a:fmtScheme name="Office">
+      <a:fillStyleLst>
+        <a:solidFill>
+          <a:schemeClr val="phClr"/>
+        </a:solidFill>
+        <a:gradFill rotWithShape="1">
+          <a:gsLst>
+            <a:gs pos="0">
+              <a:schemeClr val="phClr">
+                <a:tint val="50000"/>
+                <a:satMod val="300000"/>
+              </a:schemeClr>
+            </a:gs>
+            <a:gs pos="35000">
+              <a:schemeClr val="phClr">
+                <a:tint val="37000"/>
+                <a:satMod val="300000"/>
+              </a:schemeClr>
+            </a:gs>
+            <a:gs pos="100000">
+              <a:schemeClr val="phClr">
+                <a:tint val="15000"/>
+                <a:satMod val="350000"/>
+              </a:schemeClr>
+            </a:gs>
+          </a:gsLst>
+          <a:lin ang="16200000" scaled="1"/>
+        </a:gradFill>
+        <a:gradFill rotWithShape="1">
+          <a:gsLst>
+            <a:gs pos="0">
+              <a:schemeClr val="phClr">
+                <a:shade val="51000"/>
+                <a:satMod val="130000"/>
+              </a:schemeClr>
+            </a:gs>
+            <a:gs pos="80000">
+              <a:schemeClr val="phClr">
+                <a:shade val="93000"/>
+                <a:satMod val="130000"/>
+              </a:schemeClr>
+            </a:gs>
+            <a:gs pos="100000">
+              <a:schemeClr val="phClr">
+                <a:shade val="94000"/>
+                <a:satMod val="135000"/>
+              </a:schemeClr>
+            </a:gs>
+          </a:gsLst>
+          <a:lin ang="16200000" scaled="0"/>
+        </a:gradFill>
+      </a:fillStyleLst>
+      <a:lnStyleLst>
+        <a:ln w="9525" cap="flat" cmpd="sng" algn="ctr">
+          <a:solidFill>
+            <a:schemeClr val="phClr">
+              <a:shade val="95000"/>
+              <a:satMod val="105000"/>
+            </a:schemeClr>
+          </a:solidFill>
+          <a:prstDash val="solid"/>
+        </a:ln>
+        <a:ln w="25400" cap="flat" cmpd="sng" algn="ctr">
+          <a:solidFill>
+            <a:schemeClr val="phClr"/>
+          </a:solidFill>
+          <a:prstDash val="solid"/>
+        </a:ln>
+        <a:ln w="38100" cap="flat" cmpd="sng" algn="ctr">
+          <a:solidFill>
+            <a:schemeClr val="phClr"/>
+          </a:solidFill>
+          <a:prstDash val="solid"/>
+        </a:ln>
+      </a:lnStyleLst>
+      <a:effectStyleLst>
+        <a:effectStyle>
+          <a:effectLst>
+            <a:outerShdw blurRad="40000" dist="20000" dir="5400000" rotWithShape="0">
+              <a:srgbClr val="000000">
+                <a:alpha val="38000"/>
+              </a:srgbClr>
+            </a:outerShdw>
+          </a:effectLst>
+        </a:effectStyle>
+        <a:effectStyle>
+          <a:effectLst>
+            <a:outerShdw blurRad="40000" dist="23000" dir="5400000" rotWithShape="0">
+              <a:srgbClr val="000000">
+                <a:alpha val="35000"/>
+              </a:srgbClr>
+            </a:outerShdw>
+          </a:effectLst>
+        </a:effectStyle>
+        <a:effectStyle>
+          <a:effectLst>
+            <a:outerShdw blurRad="40000" dist="23000" dir="5400000" rotWithShape="0">
+              <a:srgbClr val="000000">
+                <a:alpha val="35000"/>
+              </a:srgbClr>
+            </a:outerShdw>
+          </a:effectLst>
+          <a:scene3d>
+            <a:camera prst="orthographicFront">
+              <a:rot lat="0" lon="0" rev="0"/>
+            </a:camera>
+            <a:lightRig rig="threePt" dir="t">
+              <a:rot lat="0" lon="0" rev="1200000"/>
+            </a:lightRig>
+          </a:scene3d>
+          <a:sp3d>
+            <a:bevelT w="63500" h="25400"/>
+          </a:sp3d>
+        </a:effectStyle>
+      </a:effectStyleLst>
+      <a:bgFillStyleLst>
+        <a:solidFill>
+          <a:schemeClr val="phClr"/>
+        </a:solidFill>
+        <a:gradFill rotWithShape="1">
+          <a:gsLst>
+            <a:gs pos="0">
+              <a:schemeClr val="phClr">
+                <a:tint val="40000"/>
+                <a:satMod val="350000"/>
+              </a:schemeClr>
+            </a:gs>
+            <a:gs pos="40000">
+              <a:schemeClr val="phClr">
+                <a:tint val="45000"/>
+                <a:shade val="99000"/>
+                <a:satMod val="350000"/>
+              </a:schemeClr>
+            </a:gs>
+            <a:gs pos="100000">
+              <a:schemeClr val="phClr">
+                <a:shade val="20000"/>
+                <a:satMod val="255000"/>
+              </a:schemeClr>
+            </a:gs>
+          </a:gsLst>
+          <a:path path="circle">
+            <a:fillToRect l="50000" t="-80000" r="50000" b="180000"/>
+          </a:path>
+        </a:gradFill>
+        <a:gradFill rotWithShape="1">
+          <a:gsLst>
+            <a:gs pos="0">
+              <a:schemeClr val="phClr">
+                <a:tint val="80000"/>
+                <a:satMod val="300000"/>
+              </a:schemeClr>
+            </a:gs>
+            <a:gs pos="100000">
+              <a:schemeClr val="phClr">
+                <a:shade val="30000"/>
+                <a:satMod val="200000"/>
+              </a:schemeClr>
+            </a:gs>
+          </a:gsLst>
+          <a:path path="circle">
+            <a:fillToRect l="50000" t="50000" r="50000" b="50000"/>
+          </a:path>
+        </a:gradFill>
+      </a:bgFillStyleLst>
+    </a:fmtScheme>
+  </a:themeElements>
+  <a:objectDefaults/>
+  <a:extraClrSchemeLst/>
+</a:theme>
 </file>